--- a/Calendario2019/Presentaciones/Semana5/5_3_PowerPivot.pptx
+++ b/Calendario2019/Presentaciones/Semana5/5_3_PowerPivot.pptx
@@ -5,31 +5,29 @@
     <p:sldMasterId id="2147483648" r:id="rId1"/>
   </p:sldMasterIdLst>
   <p:notesMasterIdLst>
-    <p:notesMasterId r:id="rId24"/>
+    <p:notesMasterId r:id="rId22"/>
   </p:notesMasterIdLst>
   <p:sldIdLst>
     <p:sldId id="256" r:id="rId2"/>
     <p:sldId id="331" r:id="rId3"/>
     <p:sldId id="422" r:id="rId4"/>
     <p:sldId id="421" r:id="rId5"/>
-    <p:sldId id="407" r:id="rId6"/>
-    <p:sldId id="409" r:id="rId7"/>
-    <p:sldId id="415" r:id="rId8"/>
-    <p:sldId id="411" r:id="rId9"/>
-    <p:sldId id="412" r:id="rId10"/>
+    <p:sldId id="409" r:id="rId6"/>
+    <p:sldId id="415" r:id="rId7"/>
+    <p:sldId id="411" r:id="rId8"/>
+    <p:sldId id="412" r:id="rId9"/>
+    <p:sldId id="436" r:id="rId10"/>
     <p:sldId id="416" r:id="rId11"/>
     <p:sldId id="425" r:id="rId12"/>
     <p:sldId id="426" r:id="rId13"/>
     <p:sldId id="417" r:id="rId14"/>
     <p:sldId id="418" r:id="rId15"/>
-    <p:sldId id="427" r:id="rId16"/>
-    <p:sldId id="428" r:id="rId17"/>
-    <p:sldId id="419" r:id="rId18"/>
-    <p:sldId id="420" r:id="rId19"/>
-    <p:sldId id="435" r:id="rId20"/>
-    <p:sldId id="436" r:id="rId21"/>
-    <p:sldId id="437" r:id="rId22"/>
-    <p:sldId id="438" r:id="rId23"/>
+    <p:sldId id="428" r:id="rId16"/>
+    <p:sldId id="419" r:id="rId17"/>
+    <p:sldId id="420" r:id="rId18"/>
+    <p:sldId id="435" r:id="rId19"/>
+    <p:sldId id="437" r:id="rId20"/>
+    <p:sldId id="438" r:id="rId21"/>
   </p:sldIdLst>
   <p:sldSz cx="9144000" cy="5143500" type="screen16x9"/>
   <p:notesSz cx="9144000" cy="5143500"/>
@@ -229,7 +227,7 @@
           <a:p>
             <a:fld id="{695A0289-3443-4E5C-835E-E6989190AD75}" type="datetimeFigureOut">
               <a:rPr lang="es-MX" smtClean="0"/>
-              <a:t>02/12/2019</a:t>
+              <a:t>03/12/2019</a:t>
             </a:fld>
             <a:endParaRPr lang="es-MX"/>
           </a:p>
@@ -991,7 +989,7 @@
     </p:spTree>
     <p:extLst>
       <p:ext uri="{BB962C8B-B14F-4D97-AF65-F5344CB8AC3E}">
-        <p14:creationId xmlns:p14="http://schemas.microsoft.com/office/powerpoint/2010/main" val="2397197906"/>
+        <p14:creationId xmlns:p14="http://schemas.microsoft.com/office/powerpoint/2010/main" val="4069990761"/>
       </p:ext>
     </p:extLst>
   </p:cSld>
@@ -1075,7 +1073,7 @@
     </p:spTree>
     <p:extLst>
       <p:ext uri="{BB962C8B-B14F-4D97-AF65-F5344CB8AC3E}">
-        <p14:creationId xmlns:p14="http://schemas.microsoft.com/office/powerpoint/2010/main" val="4069990761"/>
+        <p14:creationId xmlns:p14="http://schemas.microsoft.com/office/powerpoint/2010/main" val="2913426454"/>
       </p:ext>
     </p:extLst>
   </p:cSld>
@@ -1159,7 +1157,7 @@
     </p:spTree>
     <p:extLst>
       <p:ext uri="{BB962C8B-B14F-4D97-AF65-F5344CB8AC3E}">
-        <p14:creationId xmlns:p14="http://schemas.microsoft.com/office/powerpoint/2010/main" val="2913426454"/>
+        <p14:creationId xmlns:p14="http://schemas.microsoft.com/office/powerpoint/2010/main" val="4002938928"/>
       </p:ext>
     </p:extLst>
   </p:cSld>
@@ -1243,7 +1241,7 @@
     </p:spTree>
     <p:extLst>
       <p:ext uri="{BB962C8B-B14F-4D97-AF65-F5344CB8AC3E}">
-        <p14:creationId xmlns:p14="http://schemas.microsoft.com/office/powerpoint/2010/main" val="4002938928"/>
+        <p14:creationId xmlns:p14="http://schemas.microsoft.com/office/powerpoint/2010/main" val="1199166363"/>
       </p:ext>
     </p:extLst>
   </p:cSld>
@@ -1327,7 +1325,7 @@
     </p:spTree>
     <p:extLst>
       <p:ext uri="{BB962C8B-B14F-4D97-AF65-F5344CB8AC3E}">
-        <p14:creationId xmlns:p14="http://schemas.microsoft.com/office/powerpoint/2010/main" val="1199166363"/>
+        <p14:creationId xmlns:p14="http://schemas.microsoft.com/office/powerpoint/2010/main" val="723826526"/>
       </p:ext>
     </p:extLst>
   </p:cSld>
@@ -1411,7 +1409,7 @@
     </p:spTree>
     <p:extLst>
       <p:ext uri="{BB962C8B-B14F-4D97-AF65-F5344CB8AC3E}">
-        <p14:creationId xmlns:p14="http://schemas.microsoft.com/office/powerpoint/2010/main" val="1185518707"/>
+        <p14:creationId xmlns:p14="http://schemas.microsoft.com/office/powerpoint/2010/main" val="3723559553"/>
       </p:ext>
     </p:extLst>
   </p:cSld>
@@ -1496,174 +1494,6 @@
     <p:extLst>
       <p:ext uri="{BB962C8B-B14F-4D97-AF65-F5344CB8AC3E}">
         <p14:creationId xmlns:p14="http://schemas.microsoft.com/office/powerpoint/2010/main" val="3257240970"/>
-      </p:ext>
-    </p:extLst>
-  </p:cSld>
-  <p:clrMapOvr>
-    <a:masterClrMapping/>
-  </p:clrMapOvr>
-</p:notes>
-</file>
-
-<file path=ppt/notesSlides/notesSlide20.xml><?xml version="1.0" encoding="utf-8"?>
-<p:notes xmlns:a="http://schemas.openxmlformats.org/drawingml/2006/main" xmlns:r="http://schemas.openxmlformats.org/officeDocument/2006/relationships" xmlns:p="http://schemas.openxmlformats.org/presentationml/2006/main">
-  <p:cSld>
-    <p:spTree>
-      <p:nvGrpSpPr>
-        <p:cNvPr id="1" name=""/>
-        <p:cNvGrpSpPr/>
-        <p:nvPr/>
-      </p:nvGrpSpPr>
-      <p:grpSpPr>
-        <a:xfrm>
-          <a:off x="0" y="0"/>
-          <a:ext cx="0" cy="0"/>
-          <a:chOff x="0" y="0"/>
-          <a:chExt cx="0" cy="0"/>
-        </a:xfrm>
-      </p:grpSpPr>
-      <p:sp>
-        <p:nvSpPr>
-          <p:cNvPr id="2" name="Marcador de imagen de diapositiva 1"/>
-          <p:cNvSpPr>
-            <a:spLocks noGrp="1" noRot="1" noChangeAspect="1"/>
-          </p:cNvSpPr>
-          <p:nvPr>
-            <p:ph type="sldImg"/>
-          </p:nvPr>
-        </p:nvSpPr>
-        <p:spPr/>
-      </p:sp>
-      <p:sp>
-        <p:nvSpPr>
-          <p:cNvPr id="3" name="Marcador de notas 2"/>
-          <p:cNvSpPr>
-            <a:spLocks noGrp="1"/>
-          </p:cNvSpPr>
-          <p:nvPr>
-            <p:ph type="body" idx="1"/>
-          </p:nvPr>
-        </p:nvSpPr>
-        <p:spPr/>
-        <p:txBody>
-          <a:bodyPr/>
-          <a:lstStyle/>
-          <a:p>
-            <a:endParaRPr lang="es-MX" dirty="0"/>
-          </a:p>
-        </p:txBody>
-      </p:sp>
-      <p:sp>
-        <p:nvSpPr>
-          <p:cNvPr id="4" name="Marcador de número de diapositiva 3"/>
-          <p:cNvSpPr>
-            <a:spLocks noGrp="1"/>
-          </p:cNvSpPr>
-          <p:nvPr>
-            <p:ph type="sldNum" sz="quarter" idx="5"/>
-          </p:nvPr>
-        </p:nvSpPr>
-        <p:spPr/>
-        <p:txBody>
-          <a:bodyPr/>
-          <a:lstStyle/>
-          <a:p>
-            <a:fld id="{5A3A540D-E26B-447E-A4DB-E9AD30C80653}" type="slidenum">
-              <a:rPr lang="es-MX" smtClean="0"/>
-              <a:t>21</a:t>
-            </a:fld>
-            <a:endParaRPr lang="es-MX"/>
-          </a:p>
-        </p:txBody>
-      </p:sp>
-    </p:spTree>
-    <p:extLst>
-      <p:ext uri="{BB962C8B-B14F-4D97-AF65-F5344CB8AC3E}">
-        <p14:creationId xmlns:p14="http://schemas.microsoft.com/office/powerpoint/2010/main" val="723826526"/>
-      </p:ext>
-    </p:extLst>
-  </p:cSld>
-  <p:clrMapOvr>
-    <a:masterClrMapping/>
-  </p:clrMapOvr>
-</p:notes>
-</file>
-
-<file path=ppt/notesSlides/notesSlide21.xml><?xml version="1.0" encoding="utf-8"?>
-<p:notes xmlns:a="http://schemas.openxmlformats.org/drawingml/2006/main" xmlns:r="http://schemas.openxmlformats.org/officeDocument/2006/relationships" xmlns:p="http://schemas.openxmlformats.org/presentationml/2006/main">
-  <p:cSld>
-    <p:spTree>
-      <p:nvGrpSpPr>
-        <p:cNvPr id="1" name=""/>
-        <p:cNvGrpSpPr/>
-        <p:nvPr/>
-      </p:nvGrpSpPr>
-      <p:grpSpPr>
-        <a:xfrm>
-          <a:off x="0" y="0"/>
-          <a:ext cx="0" cy="0"/>
-          <a:chOff x="0" y="0"/>
-          <a:chExt cx="0" cy="0"/>
-        </a:xfrm>
-      </p:grpSpPr>
-      <p:sp>
-        <p:nvSpPr>
-          <p:cNvPr id="2" name="Marcador de imagen de diapositiva 1"/>
-          <p:cNvSpPr>
-            <a:spLocks noGrp="1" noRot="1" noChangeAspect="1"/>
-          </p:cNvSpPr>
-          <p:nvPr>
-            <p:ph type="sldImg"/>
-          </p:nvPr>
-        </p:nvSpPr>
-        <p:spPr/>
-      </p:sp>
-      <p:sp>
-        <p:nvSpPr>
-          <p:cNvPr id="3" name="Marcador de notas 2"/>
-          <p:cNvSpPr>
-            <a:spLocks noGrp="1"/>
-          </p:cNvSpPr>
-          <p:nvPr>
-            <p:ph type="body" idx="1"/>
-          </p:nvPr>
-        </p:nvSpPr>
-        <p:spPr/>
-        <p:txBody>
-          <a:bodyPr/>
-          <a:lstStyle/>
-          <a:p>
-            <a:endParaRPr lang="es-MX" dirty="0"/>
-          </a:p>
-        </p:txBody>
-      </p:sp>
-      <p:sp>
-        <p:nvSpPr>
-          <p:cNvPr id="4" name="Marcador de número de diapositiva 3"/>
-          <p:cNvSpPr>
-            <a:spLocks noGrp="1"/>
-          </p:cNvSpPr>
-          <p:nvPr>
-            <p:ph type="sldNum" sz="quarter" idx="5"/>
-          </p:nvPr>
-        </p:nvSpPr>
-        <p:spPr/>
-        <p:txBody>
-          <a:bodyPr/>
-          <a:lstStyle/>
-          <a:p>
-            <a:fld id="{5A3A540D-E26B-447E-A4DB-E9AD30C80653}" type="slidenum">
-              <a:rPr lang="es-MX" smtClean="0"/>
-              <a:t>22</a:t>
-            </a:fld>
-            <a:endParaRPr lang="es-MX"/>
-          </a:p>
-        </p:txBody>
-      </p:sp>
-    </p:spTree>
-    <p:extLst>
-      <p:ext uri="{BB962C8B-B14F-4D97-AF65-F5344CB8AC3E}">
-        <p14:creationId xmlns:p14="http://schemas.microsoft.com/office/powerpoint/2010/main" val="3723559553"/>
       </p:ext>
     </p:extLst>
   </p:cSld>
@@ -1831,7 +1661,7 @@
     </p:spTree>
     <p:extLst>
       <p:ext uri="{BB962C8B-B14F-4D97-AF65-F5344CB8AC3E}">
-        <p14:creationId xmlns:p14="http://schemas.microsoft.com/office/powerpoint/2010/main" val="1214740598"/>
+        <p14:creationId xmlns:p14="http://schemas.microsoft.com/office/powerpoint/2010/main" val="3763618308"/>
       </p:ext>
     </p:extLst>
   </p:cSld>
@@ -1915,7 +1745,7 @@
     </p:spTree>
     <p:extLst>
       <p:ext uri="{BB962C8B-B14F-4D97-AF65-F5344CB8AC3E}">
-        <p14:creationId xmlns:p14="http://schemas.microsoft.com/office/powerpoint/2010/main" val="3763618308"/>
+        <p14:creationId xmlns:p14="http://schemas.microsoft.com/office/powerpoint/2010/main" val="826896598"/>
       </p:ext>
     </p:extLst>
   </p:cSld>
@@ -1999,7 +1829,7 @@
     </p:spTree>
     <p:extLst>
       <p:ext uri="{BB962C8B-B14F-4D97-AF65-F5344CB8AC3E}">
-        <p14:creationId xmlns:p14="http://schemas.microsoft.com/office/powerpoint/2010/main" val="826896598"/>
+        <p14:creationId xmlns:p14="http://schemas.microsoft.com/office/powerpoint/2010/main" val="3618078305"/>
       </p:ext>
     </p:extLst>
   </p:cSld>
@@ -2083,7 +1913,7 @@
     </p:spTree>
     <p:extLst>
       <p:ext uri="{BB962C8B-B14F-4D97-AF65-F5344CB8AC3E}">
-        <p14:creationId xmlns:p14="http://schemas.microsoft.com/office/powerpoint/2010/main" val="3618078305"/>
+        <p14:creationId xmlns:p14="http://schemas.microsoft.com/office/powerpoint/2010/main" val="3905002222"/>
       </p:ext>
     </p:extLst>
   </p:cSld>
@@ -2167,7 +1997,7 @@
     </p:spTree>
     <p:extLst>
       <p:ext uri="{BB962C8B-B14F-4D97-AF65-F5344CB8AC3E}">
-        <p14:creationId xmlns:p14="http://schemas.microsoft.com/office/powerpoint/2010/main" val="3905002222"/>
+        <p14:creationId xmlns:p14="http://schemas.microsoft.com/office/powerpoint/2010/main" val="3563623004"/>
       </p:ext>
     </p:extLst>
   </p:cSld>
@@ -2392,7 +2222,7 @@
           <a:p>
             <a:fld id="{1D8BD707-D9CF-40AE-B4C6-C98DA3205C09}" type="datetimeFigureOut">
               <a:rPr lang="en-US" smtClean="0"/>
-              <a:t>12/2/2019</a:t>
+              <a:t>12/3/2019</a:t>
             </a:fld>
             <a:endParaRPr lang="en-US"/>
           </a:p>
@@ -2554,7 +2384,7 @@
           <a:p>
             <a:fld id="{1D8BD707-D9CF-40AE-B4C6-C98DA3205C09}" type="datetimeFigureOut">
               <a:rPr lang="en-US" smtClean="0"/>
-              <a:t>12/2/2019</a:t>
+              <a:t>12/3/2019</a:t>
             </a:fld>
             <a:endParaRPr lang="en-US"/>
           </a:p>
@@ -3476,7 +3306,7 @@
           <a:p>
             <a:fld id="{1D8BD707-D9CF-40AE-B4C6-C98DA3205C09}" type="datetimeFigureOut">
               <a:rPr lang="en-US" smtClean="0"/>
-              <a:t>12/2/2019</a:t>
+              <a:t>12/3/2019</a:t>
             </a:fld>
             <a:endParaRPr lang="en-US"/>
           </a:p>
@@ -3619,7 +3449,7 @@
           <a:p>
             <a:fld id="{1D8BD707-D9CF-40AE-B4C6-C98DA3205C09}" type="datetimeFigureOut">
               <a:rPr lang="en-US" smtClean="0"/>
-              <a:t>12/2/2019</a:t>
+              <a:t>12/3/2019</a:t>
             </a:fld>
             <a:endParaRPr lang="en-US"/>
           </a:p>
@@ -7551,7 +7381,7 @@
           <a:p>
             <a:fld id="{1D8BD707-D9CF-40AE-B4C6-C98DA3205C09}" type="datetimeFigureOut">
               <a:rPr lang="en-US" smtClean="0"/>
-              <a:t>12/2/2019</a:t>
+              <a:t>12/3/2019</a:t>
             </a:fld>
             <a:endParaRPr lang="en-US"/>
           </a:p>
@@ -7812,7 +7642,7 @@
           <a:p>
             <a:fld id="{1D8BD707-D9CF-40AE-B4C6-C98DA3205C09}" type="datetimeFigureOut">
               <a:rPr lang="en-US" smtClean="0"/>
-              <a:t>12/2/2019</a:t>
+              <a:t>12/3/2019</a:t>
             </a:fld>
             <a:endParaRPr lang="en-US"/>
           </a:p>
@@ -9225,8 +9055,8 @@
         </p:nvSpPr>
         <p:spPr>
           <a:xfrm>
-            <a:off x="92392" y="4869179"/>
-            <a:ext cx="102870" cy="203200"/>
+            <a:off x="92391" y="4869178"/>
+            <a:ext cx="222567" cy="223522"/>
           </a:xfrm>
           <a:prstGeom prst="rect">
             <a:avLst/>
@@ -9244,65 +9074,16 @@
               </a:lnSpc>
             </a:pPr>
             <a:r>
-              <a:rPr sz="1200" spc="-10" dirty="0">
+              <a:rPr lang="es-MX" sz="1200" spc="-10" dirty="0">
                 <a:solidFill>
                   <a:srgbClr val="18BAD4"/>
                 </a:solidFill>
                 <a:latin typeface="Calibri"/>
                 <a:cs typeface="Calibri"/>
               </a:rPr>
-              <a:t>7</a:t>
-            </a:r>
-            <a:endParaRPr sz="1200">
-              <a:latin typeface="Calibri"/>
-              <a:cs typeface="Calibri"/>
-            </a:endParaRPr>
-          </a:p>
-        </p:txBody>
-      </p:sp>
-      <p:sp>
-        <p:nvSpPr>
-          <p:cNvPr id="25" name="object 25">
-            <a:extLst>
-              <a:ext uri="{FF2B5EF4-FFF2-40B4-BE49-F238E27FC236}">
-                <a16:creationId xmlns:a16="http://schemas.microsoft.com/office/drawing/2014/main" id="{F9172D4B-A1CD-4453-B56C-A842324D794B}"/>
-              </a:ext>
-            </a:extLst>
-          </p:cNvPr>
-          <p:cNvSpPr txBox="1"/>
-          <p:nvPr/>
-        </p:nvSpPr>
-        <p:spPr>
-          <a:xfrm>
-            <a:off x="762000" y="495300"/>
-            <a:ext cx="199016" cy="400050"/>
-          </a:xfrm>
-          <a:prstGeom prst="rect">
-            <a:avLst/>
-          </a:prstGeom>
-        </p:spPr>
-        <p:txBody>
-          <a:bodyPr vert="horz" wrap="square" lIns="0" tIns="0" rIns="0" bIns="0" rtlCol="0">
-            <a:noAutofit/>
-          </a:bodyPr>
-          <a:lstStyle/>
-          <a:p>
-            <a:pPr marL="12700">
-              <a:lnSpc>
-                <a:spcPct val="100000"/>
-              </a:lnSpc>
-            </a:pPr>
-            <a:r>
-              <a:rPr lang="es-MX" sz="2000" b="1" spc="-25" dirty="0">
-                <a:solidFill>
-                  <a:srgbClr val="FFFFFF"/>
-                </a:solidFill>
-                <a:latin typeface="Calibri"/>
-                <a:cs typeface="Calibri"/>
-              </a:rPr>
-              <a:t>8</a:t>
-            </a:r>
-            <a:endParaRPr sz="2000" dirty="0">
+              <a:t>10</a:t>
+            </a:r>
+            <a:endParaRPr sz="1200" dirty="0">
               <a:latin typeface="Calibri"/>
               <a:cs typeface="Calibri"/>
             </a:endParaRPr>
@@ -9473,7 +9254,61 @@
                 </a:solidFill>
                 <a:cs typeface="Calibri"/>
               </a:rPr>
-              <a:t>Crear un gráfico que muestre cuántas facturas hay en cada estatus y tipo de compra. </a:t>
+              <a:t>Crear un gráfico que muestre </a:t>
+            </a:r>
+            <a:r>
+              <a:rPr lang="es-MX" sz="1600" b="1" spc="-10" dirty="0">
+                <a:solidFill>
+                  <a:srgbClr val="FFC000"/>
+                </a:solidFill>
+                <a:cs typeface="Calibri"/>
+              </a:rPr>
+              <a:t>cuántas facturas </a:t>
+            </a:r>
+            <a:r>
+              <a:rPr lang="es-MX" sz="1600" spc="-10" dirty="0">
+                <a:solidFill>
+                  <a:srgbClr val="C5DAEB"/>
+                </a:solidFill>
+                <a:cs typeface="Calibri"/>
+              </a:rPr>
+              <a:t>hay en cada </a:t>
+            </a:r>
+            <a:r>
+              <a:rPr lang="es-MX" sz="1600" b="1" spc="-10" dirty="0">
+                <a:solidFill>
+                  <a:srgbClr val="FFC000"/>
+                </a:solidFill>
+                <a:cs typeface="Calibri"/>
+              </a:rPr>
+              <a:t>estatus</a:t>
+            </a:r>
+            <a:r>
+              <a:rPr lang="es-MX" sz="1600" spc="-10" dirty="0">
+                <a:solidFill>
+                  <a:srgbClr val="C5DAEB"/>
+                </a:solidFill>
+                <a:cs typeface="Calibri"/>
+              </a:rPr>
+              <a:t> y </a:t>
+            </a:r>
+            <a:r>
+              <a:rPr lang="es-MX" sz="1600" b="1" spc="-10" dirty="0">
+                <a:solidFill>
+                  <a:srgbClr val="FFC000"/>
+                </a:solidFill>
+                <a:cs typeface="Calibri"/>
+              </a:rPr>
+              <a:t>tipo de compra</a:t>
+            </a:r>
+            <a:r>
+              <a:rPr lang="es-MX" sz="1600" spc="-10" dirty="0">
+                <a:solidFill>
+                  <a:srgbClr val="C5DAEB"/>
+                </a:solidFill>
+                <a:cs typeface="Calibri"/>
+              </a:rPr>
+              <a:t>. </a:t>
             </a:r>
           </a:p>
         </p:txBody>
@@ -10120,8 +9955,8 @@
         </p:nvSpPr>
         <p:spPr>
           <a:xfrm>
-            <a:off x="92392" y="4869179"/>
-            <a:ext cx="102870" cy="203200"/>
+            <a:off x="92391" y="4869178"/>
+            <a:ext cx="242889" cy="223521"/>
           </a:xfrm>
           <a:prstGeom prst="rect">
             <a:avLst/>
@@ -10139,65 +9974,16 @@
               </a:lnSpc>
             </a:pPr>
             <a:r>
-              <a:rPr sz="1200" spc="-10" dirty="0">
+              <a:rPr lang="es-MX" sz="1200" spc="-10" dirty="0">
                 <a:solidFill>
                   <a:srgbClr val="18BAD4"/>
                 </a:solidFill>
                 <a:latin typeface="Calibri"/>
                 <a:cs typeface="Calibri"/>
               </a:rPr>
-              <a:t>7</a:t>
-            </a:r>
-            <a:endParaRPr sz="1200">
-              <a:latin typeface="Calibri"/>
-              <a:cs typeface="Calibri"/>
-            </a:endParaRPr>
-          </a:p>
-        </p:txBody>
-      </p:sp>
-      <p:sp>
-        <p:nvSpPr>
-          <p:cNvPr id="25" name="object 25">
-            <a:extLst>
-              <a:ext uri="{FF2B5EF4-FFF2-40B4-BE49-F238E27FC236}">
-                <a16:creationId xmlns:a16="http://schemas.microsoft.com/office/drawing/2014/main" id="{F9172D4B-A1CD-4453-B56C-A842324D794B}"/>
-              </a:ext>
-            </a:extLst>
-          </p:cNvPr>
-          <p:cNvSpPr txBox="1"/>
-          <p:nvPr/>
-        </p:nvSpPr>
-        <p:spPr>
-          <a:xfrm>
-            <a:off x="762000" y="495300"/>
-            <a:ext cx="199016" cy="400050"/>
-          </a:xfrm>
-          <a:prstGeom prst="rect">
-            <a:avLst/>
-          </a:prstGeom>
-        </p:spPr>
-        <p:txBody>
-          <a:bodyPr vert="horz" wrap="square" lIns="0" tIns="0" rIns="0" bIns="0" rtlCol="0">
-            <a:noAutofit/>
-          </a:bodyPr>
-          <a:lstStyle/>
-          <a:p>
-            <a:pPr marL="12700">
-              <a:lnSpc>
-                <a:spcPct val="100000"/>
-              </a:lnSpc>
-            </a:pPr>
-            <a:r>
-              <a:rPr lang="es-MX" sz="2000" b="1" spc="-25" dirty="0">
-                <a:solidFill>
-                  <a:srgbClr val="FFFFFF"/>
-                </a:solidFill>
-                <a:latin typeface="Calibri"/>
-                <a:cs typeface="Calibri"/>
-              </a:rPr>
-              <a:t>8</a:t>
-            </a:r>
-            <a:endParaRPr sz="2000" dirty="0">
+              <a:t>11</a:t>
+            </a:r>
+            <a:endParaRPr sz="1200" dirty="0">
               <a:latin typeface="Calibri"/>
               <a:cs typeface="Calibri"/>
             </a:endParaRPr>
@@ -10218,7 +10004,7 @@
         </p:nvSpPr>
         <p:spPr>
           <a:xfrm>
-            <a:off x="2056542" y="128906"/>
+            <a:off x="2056542" y="278100"/>
             <a:ext cx="4930042" cy="584200"/>
           </a:xfrm>
           <a:prstGeom prst="rect">
@@ -10267,7 +10053,7 @@
         </p:nvSpPr>
         <p:spPr>
           <a:xfrm>
-            <a:off x="1982958" y="727046"/>
+            <a:off x="1982958" y="876240"/>
             <a:ext cx="7144109" cy="400110"/>
           </a:xfrm>
           <a:prstGeom prst="rect">
@@ -10311,7 +10097,7 @@
         </p:nvSpPr>
         <p:spPr>
           <a:xfrm>
-            <a:off x="695419" y="1197015"/>
+            <a:off x="936720" y="1577654"/>
             <a:ext cx="8207280" cy="386901"/>
           </a:xfrm>
           <a:prstGeom prst="rect">
@@ -10338,15 +10124,33 @@
                 </a:solidFill>
                 <a:cs typeface="Calibri"/>
               </a:rPr>
-              <a:t>Crear un gráfico que muestre cuántas facturas hay en cada </a:t>
+              <a:t>Crear un gráfico que muestre </a:t>
             </a:r>
             <a:r>
               <a:rPr lang="es-MX" sz="1600" b="1" spc="-10" dirty="0">
                 <a:solidFill>
+                  <a:srgbClr val="FFC000"/>
+                </a:solidFill>
+                <a:cs typeface="Calibri"/>
+              </a:rPr>
+              <a:t>cuántas facturas </a:t>
+            </a:r>
+            <a:r>
+              <a:rPr lang="es-MX" sz="1600" spc="-10" dirty="0">
+                <a:solidFill>
                   <a:srgbClr val="C5DAEB"/>
                 </a:solidFill>
                 <a:cs typeface="Calibri"/>
               </a:rPr>
+              <a:t>hay en cada </a:t>
+            </a:r>
+            <a:r>
+              <a:rPr lang="es-MX" sz="1600" b="1" spc="-10" dirty="0">
+                <a:solidFill>
+                  <a:srgbClr val="FFC000"/>
+                </a:solidFill>
+                <a:cs typeface="Calibri"/>
+              </a:rPr>
               <a:t>estatus</a:t>
             </a:r>
             <a:r>
@@ -10361,7 +10165,7 @@
             <a:r>
               <a:rPr lang="es-MX" sz="1600" b="1" spc="-10" dirty="0">
                 <a:solidFill>
-                  <a:srgbClr val="C5DAEB"/>
+                  <a:srgbClr val="FFC000"/>
                 </a:solidFill>
                 <a:cs typeface="Calibri"/>
               </a:rPr>
@@ -10401,7 +10205,7 @@
         </p:blipFill>
         <p:spPr>
           <a:xfrm>
-            <a:off x="4771229" y="1695677"/>
+            <a:off x="5012530" y="2076316"/>
             <a:ext cx="3973138" cy="2629034"/>
           </a:xfrm>
           <a:prstGeom prst="rect">
@@ -10423,7 +10227,7 @@
         </p:nvSpPr>
         <p:spPr>
           <a:xfrm>
-            <a:off x="248920" y="1620151"/>
+            <a:off x="490221" y="2000790"/>
             <a:ext cx="4392931" cy="2310504"/>
           </a:xfrm>
           <a:prstGeom prst="rect">
@@ -10558,7 +10362,7 @@
                 </a:solidFill>
                 <a:cs typeface="Calibri"/>
               </a:rPr>
-              <a:t> y seleccione  del menú contextual la opción de </a:t>
+              <a:t> y seleccione del menú contextual la opción de </a:t>
             </a:r>
             <a:r>
               <a:rPr lang="es-MX" sz="1600" b="1" spc="-10" dirty="0">
@@ -11225,8 +11029,8 @@
         </p:nvSpPr>
         <p:spPr>
           <a:xfrm>
-            <a:off x="92392" y="4869179"/>
-            <a:ext cx="102870" cy="203200"/>
+            <a:off x="92391" y="4869178"/>
+            <a:ext cx="242889" cy="223521"/>
           </a:xfrm>
           <a:prstGeom prst="rect">
             <a:avLst/>
@@ -11244,16 +11048,16 @@
               </a:lnSpc>
             </a:pPr>
             <a:r>
-              <a:rPr sz="1200" spc="-10" dirty="0">
+              <a:rPr lang="es-MX" sz="1200" spc="-10" dirty="0">
                 <a:solidFill>
                   <a:srgbClr val="18BAD4"/>
                 </a:solidFill>
                 <a:latin typeface="Calibri"/>
                 <a:cs typeface="Calibri"/>
               </a:rPr>
-              <a:t>7</a:t>
-            </a:r>
-            <a:endParaRPr sz="1200">
+              <a:t>12</a:t>
+            </a:r>
+            <a:endParaRPr sz="1200" dirty="0">
               <a:latin typeface="Calibri"/>
               <a:cs typeface="Calibri"/>
             </a:endParaRPr>
@@ -12263,49 +12067,6 @@
       </p:sp>
       <p:sp>
         <p:nvSpPr>
-          <p:cNvPr id="20" name="object 20"/>
-          <p:cNvSpPr txBox="1"/>
-          <p:nvPr/>
-        </p:nvSpPr>
-        <p:spPr>
-          <a:xfrm>
-            <a:off x="92392" y="4869179"/>
-            <a:ext cx="102870" cy="203200"/>
-          </a:xfrm>
-          <a:prstGeom prst="rect">
-            <a:avLst/>
-          </a:prstGeom>
-        </p:spPr>
-        <p:txBody>
-          <a:bodyPr vert="horz" wrap="square" lIns="0" tIns="0" rIns="0" bIns="0" rtlCol="0">
-            <a:noAutofit/>
-          </a:bodyPr>
-          <a:lstStyle/>
-          <a:p>
-            <a:pPr marL="12700">
-              <a:lnSpc>
-                <a:spcPct val="100000"/>
-              </a:lnSpc>
-            </a:pPr>
-            <a:r>
-              <a:rPr sz="1200" spc="-10" dirty="0">
-                <a:solidFill>
-                  <a:srgbClr val="18BAD4"/>
-                </a:solidFill>
-                <a:latin typeface="Calibri"/>
-                <a:cs typeface="Calibri"/>
-              </a:rPr>
-              <a:t>7</a:t>
-            </a:r>
-            <a:endParaRPr sz="1200">
-              <a:latin typeface="Calibri"/>
-              <a:cs typeface="Calibri"/>
-            </a:endParaRPr>
-          </a:p>
-        </p:txBody>
-      </p:sp>
-      <p:sp>
-        <p:nvSpPr>
           <p:cNvPr id="23" name="object 24">
             <a:extLst>
               <a:ext uri="{FF2B5EF4-FFF2-40B4-BE49-F238E27FC236}">
@@ -12605,6 +12366,55 @@
           </a:prstGeom>
         </p:spPr>
       </p:pic>
+      <p:sp>
+        <p:nvSpPr>
+          <p:cNvPr id="19" name="object 20">
+            <a:extLst>
+              <a:ext uri="{FF2B5EF4-FFF2-40B4-BE49-F238E27FC236}">
+                <a16:creationId xmlns:a16="http://schemas.microsoft.com/office/drawing/2014/main" id="{095E582D-2E28-4CEB-B34D-87AD3996BF4F}"/>
+              </a:ext>
+            </a:extLst>
+          </p:cNvPr>
+          <p:cNvSpPr txBox="1"/>
+          <p:nvPr/>
+        </p:nvSpPr>
+        <p:spPr>
+          <a:xfrm>
+            <a:off x="92391" y="4869178"/>
+            <a:ext cx="242889" cy="223521"/>
+          </a:xfrm>
+          <a:prstGeom prst="rect">
+            <a:avLst/>
+          </a:prstGeom>
+        </p:spPr>
+        <p:txBody>
+          <a:bodyPr vert="horz" wrap="square" lIns="0" tIns="0" rIns="0" bIns="0" rtlCol="0">
+            <a:noAutofit/>
+          </a:bodyPr>
+          <a:lstStyle/>
+          <a:p>
+            <a:pPr marL="12700">
+              <a:lnSpc>
+                <a:spcPct val="100000"/>
+              </a:lnSpc>
+            </a:pPr>
+            <a:r>
+              <a:rPr lang="es-MX" sz="1200" spc="-10" dirty="0">
+                <a:solidFill>
+                  <a:srgbClr val="18BAD4"/>
+                </a:solidFill>
+                <a:latin typeface="Calibri"/>
+                <a:cs typeface="Calibri"/>
+              </a:rPr>
+              <a:t>13</a:t>
+            </a:r>
+            <a:endParaRPr sz="1200" dirty="0">
+              <a:latin typeface="Calibri"/>
+              <a:cs typeface="Calibri"/>
+            </a:endParaRPr>
+          </a:p>
+        </p:txBody>
+      </p:sp>
     </p:spTree>
     <p:extLst>
       <p:ext uri="{BB962C8B-B14F-4D97-AF65-F5344CB8AC3E}">
@@ -13241,49 +13051,6 @@
       </p:sp>
       <p:sp>
         <p:nvSpPr>
-          <p:cNvPr id="20" name="object 20"/>
-          <p:cNvSpPr txBox="1"/>
-          <p:nvPr/>
-        </p:nvSpPr>
-        <p:spPr>
-          <a:xfrm>
-            <a:off x="92392" y="4869179"/>
-            <a:ext cx="102870" cy="203200"/>
-          </a:xfrm>
-          <a:prstGeom prst="rect">
-            <a:avLst/>
-          </a:prstGeom>
-        </p:spPr>
-        <p:txBody>
-          <a:bodyPr vert="horz" wrap="square" lIns="0" tIns="0" rIns="0" bIns="0" rtlCol="0">
-            <a:noAutofit/>
-          </a:bodyPr>
-          <a:lstStyle/>
-          <a:p>
-            <a:pPr marL="12700">
-              <a:lnSpc>
-                <a:spcPct val="100000"/>
-              </a:lnSpc>
-            </a:pPr>
-            <a:r>
-              <a:rPr sz="1200" spc="-10" dirty="0">
-                <a:solidFill>
-                  <a:srgbClr val="18BAD4"/>
-                </a:solidFill>
-                <a:latin typeface="Calibri"/>
-                <a:cs typeface="Calibri"/>
-              </a:rPr>
-              <a:t>7</a:t>
-            </a:r>
-            <a:endParaRPr sz="1200">
-              <a:latin typeface="Calibri"/>
-              <a:cs typeface="Calibri"/>
-            </a:endParaRPr>
-          </a:p>
-        </p:txBody>
-      </p:sp>
-      <p:sp>
-        <p:nvSpPr>
           <p:cNvPr id="23" name="object 24">
             <a:extLst>
               <a:ext uri="{FF2B5EF4-FFF2-40B4-BE49-F238E27FC236}">
@@ -13469,6 +13236,55 @@
           </a:prstGeom>
         </p:spPr>
       </p:pic>
+      <p:sp>
+        <p:nvSpPr>
+          <p:cNvPr id="19" name="object 20">
+            <a:extLst>
+              <a:ext uri="{FF2B5EF4-FFF2-40B4-BE49-F238E27FC236}">
+                <a16:creationId xmlns:a16="http://schemas.microsoft.com/office/drawing/2014/main" id="{82A0AADB-1922-4A36-83C3-9A8FCABB6386}"/>
+              </a:ext>
+            </a:extLst>
+          </p:cNvPr>
+          <p:cNvSpPr txBox="1"/>
+          <p:nvPr/>
+        </p:nvSpPr>
+        <p:spPr>
+          <a:xfrm>
+            <a:off x="92391" y="4869178"/>
+            <a:ext cx="242889" cy="223521"/>
+          </a:xfrm>
+          <a:prstGeom prst="rect">
+            <a:avLst/>
+          </a:prstGeom>
+        </p:spPr>
+        <p:txBody>
+          <a:bodyPr vert="horz" wrap="square" lIns="0" tIns="0" rIns="0" bIns="0" rtlCol="0">
+            <a:noAutofit/>
+          </a:bodyPr>
+          <a:lstStyle/>
+          <a:p>
+            <a:pPr marL="12700">
+              <a:lnSpc>
+                <a:spcPct val="100000"/>
+              </a:lnSpc>
+            </a:pPr>
+            <a:r>
+              <a:rPr lang="es-MX" sz="1200" spc="-10" dirty="0">
+                <a:solidFill>
+                  <a:srgbClr val="18BAD4"/>
+                </a:solidFill>
+                <a:latin typeface="Calibri"/>
+                <a:cs typeface="Calibri"/>
+              </a:rPr>
+              <a:t>14</a:t>
+            </a:r>
+            <a:endParaRPr sz="1200" dirty="0">
+              <a:latin typeface="Calibri"/>
+              <a:cs typeface="Calibri"/>
+            </a:endParaRPr>
+          </a:p>
+        </p:txBody>
+      </p:sp>
     </p:spTree>
     <p:extLst>
       <p:ext uri="{BB962C8B-B14F-4D97-AF65-F5344CB8AC3E}">
@@ -14105,6 +13921,173 @@
       </p:sp>
       <p:sp>
         <p:nvSpPr>
+          <p:cNvPr id="15" name="object 15"/>
+          <p:cNvSpPr txBox="1"/>
+          <p:nvPr/>
+        </p:nvSpPr>
+        <p:spPr>
+          <a:xfrm>
+            <a:off x="1347609" y="1467948"/>
+            <a:ext cx="7516991" cy="1049610"/>
+          </a:xfrm>
+          <a:prstGeom prst="rect">
+            <a:avLst/>
+          </a:prstGeom>
+        </p:spPr>
+        <p:txBody>
+          <a:bodyPr vert="horz" wrap="square" lIns="0" tIns="0" rIns="0" bIns="0" rtlCol="0">
+            <a:noAutofit/>
+          </a:bodyPr>
+          <a:lstStyle/>
+          <a:p>
+            <a:pPr marL="355600" indent="-342900">
+              <a:lnSpc>
+                <a:spcPts val="2500"/>
+              </a:lnSpc>
+              <a:buFont typeface="+mj-lt"/>
+              <a:buAutoNum type="arabicPeriod" startAt="3"/>
+            </a:pPr>
+            <a:r>
+              <a:rPr lang="es-MX" sz="1600" spc="-10" dirty="0">
+                <a:solidFill>
+                  <a:srgbClr val="C5DAEB"/>
+                </a:solidFill>
+                <a:cs typeface="Calibri"/>
+              </a:rPr>
+              <a:t>Muestre el </a:t>
+            </a:r>
+            <a:r>
+              <a:rPr lang="es-MX" sz="1600" b="1" spc="-10" dirty="0">
+                <a:solidFill>
+                  <a:srgbClr val="C5DAEB"/>
+                </a:solidFill>
+                <a:cs typeface="Calibri"/>
+              </a:rPr>
+              <a:t>Tipo de compra</a:t>
+            </a:r>
+            <a:r>
+              <a:rPr lang="es-MX" sz="1600" spc="-10" dirty="0">
+                <a:solidFill>
+                  <a:srgbClr val="C5DAEB"/>
+                </a:solidFill>
+                <a:cs typeface="Calibri"/>
+              </a:rPr>
+              <a:t> como Leyenda</a:t>
+            </a:r>
+            <a:r>
+              <a:rPr lang="es-MX" sz="1600" dirty="0">
+                <a:solidFill>
+                  <a:srgbClr val="C5DAEB"/>
+                </a:solidFill>
+                <a:cs typeface="Calibri"/>
+              </a:rPr>
+              <a:t>. </a:t>
+            </a:r>
+          </a:p>
+          <a:p>
+            <a:pPr marL="812800" lvl="1" indent="-342900">
+              <a:lnSpc>
+                <a:spcPts val="2500"/>
+              </a:lnSpc>
+              <a:buFont typeface="Arial" panose="020B0604020202020204" pitchFamily="34" charset="0"/>
+              <a:buChar char="•"/>
+            </a:pPr>
+            <a:r>
+              <a:rPr lang="es-MX" sz="1600" spc="-10" dirty="0">
+                <a:solidFill>
+                  <a:srgbClr val="C5DAEB"/>
+                </a:solidFill>
+                <a:cs typeface="Calibri"/>
+              </a:rPr>
+              <a:t>Arrastre el campo de </a:t>
+            </a:r>
+            <a:r>
+              <a:rPr lang="es-MX" sz="1600" b="1" spc="-10" dirty="0">
+                <a:solidFill>
+                  <a:schemeClr val="accent6">
+                    <a:lumMod val="75000"/>
+                  </a:schemeClr>
+                </a:solidFill>
+                <a:cs typeface="Calibri"/>
+              </a:rPr>
+              <a:t>Tipo compra</a:t>
+            </a:r>
+            <a:r>
+              <a:rPr lang="es-MX" sz="1600" spc="-10" dirty="0">
+                <a:solidFill>
+                  <a:srgbClr val="C5DAEB"/>
+                </a:solidFill>
+                <a:cs typeface="Calibri"/>
+              </a:rPr>
+              <a:t> del cuadrante </a:t>
+            </a:r>
+            <a:r>
+              <a:rPr lang="es-MX" sz="1600" b="1" spc="-10" dirty="0">
+                <a:solidFill>
+                  <a:srgbClr val="C5DAEB"/>
+                </a:solidFill>
+                <a:cs typeface="Calibri"/>
+              </a:rPr>
+              <a:t>Ejes (categorías)</a:t>
+            </a:r>
+            <a:r>
+              <a:rPr lang="es-MX" sz="1600" spc="-10" dirty="0">
+                <a:solidFill>
+                  <a:srgbClr val="C5DAEB"/>
+                </a:solidFill>
+                <a:cs typeface="Calibri"/>
+              </a:rPr>
+              <a:t> al cuadrante </a:t>
+            </a:r>
+            <a:r>
+              <a:rPr lang="es-MX" sz="1600" b="1" spc="-10" dirty="0">
+                <a:solidFill>
+                  <a:schemeClr val="accent6">
+                    <a:lumMod val="75000"/>
+                  </a:schemeClr>
+                </a:solidFill>
+                <a:cs typeface="Calibri"/>
+              </a:rPr>
+              <a:t>Leyenda (serie)</a:t>
+            </a:r>
+            <a:r>
+              <a:rPr lang="es-MX" sz="1600" b="1" spc="-10" dirty="0">
+                <a:solidFill>
+                  <a:srgbClr val="C5DAEB"/>
+                </a:solidFill>
+                <a:cs typeface="Calibri"/>
+              </a:rPr>
+              <a:t>. </a:t>
+            </a:r>
+            <a:r>
+              <a:rPr lang="es-MX" sz="1600" spc="-10" dirty="0">
+                <a:solidFill>
+                  <a:srgbClr val="C5DAEB"/>
+                </a:solidFill>
+                <a:cs typeface="Calibri"/>
+              </a:rPr>
+              <a:t>De esta forma se configura por color el </a:t>
+            </a:r>
+            <a:r>
+              <a:rPr lang="es-MX" sz="1600" b="1" spc="-10" dirty="0">
+                <a:solidFill>
+                  <a:srgbClr val="C5DAEB"/>
+                </a:solidFill>
+                <a:cs typeface="Calibri"/>
+              </a:rPr>
+              <a:t>Tipo de compra.</a:t>
+            </a:r>
+            <a:endParaRPr lang="es-MX" sz="1600" spc="-10" dirty="0">
+              <a:solidFill>
+                <a:srgbClr val="C5DAEB"/>
+              </a:solidFill>
+              <a:cs typeface="Calibri"/>
+            </a:endParaRPr>
+          </a:p>
+        </p:txBody>
+      </p:sp>
+      <p:sp>
+        <p:nvSpPr>
           <p:cNvPr id="20" name="object 20"/>
           <p:cNvSpPr txBox="1"/>
           <p:nvPr/>
@@ -14160,7 +14143,7 @@
         </p:nvSpPr>
         <p:spPr>
           <a:xfrm>
-            <a:off x="2547618" y="79863"/>
+            <a:off x="2574418" y="285750"/>
             <a:ext cx="4930042" cy="584200"/>
           </a:xfrm>
           <a:prstGeom prst="rect">
@@ -14209,8 +14192,8 @@
         </p:nvSpPr>
         <p:spPr>
           <a:xfrm>
-            <a:off x="2497534" y="647691"/>
-            <a:ext cx="5781466" cy="400110"/>
+            <a:off x="2524334" y="853578"/>
+            <a:ext cx="5825590" cy="400110"/>
           </a:xfrm>
           <a:prstGeom prst="rect">
             <a:avLst/>
@@ -14234,81 +14217,17 @@
                 </a:solidFill>
                 <a:cs typeface="Calibri"/>
               </a:rPr>
-              <a:t>Gráfico 2. Cambiar el tipo de gráfico</a:t>
-            </a:r>
-          </a:p>
-        </p:txBody>
-      </p:sp>
-      <p:sp>
-        <p:nvSpPr>
-          <p:cNvPr id="27" name="object 15">
+              <a:t>Gráfico 2: Configura por color el Tipo de compra</a:t>
+            </a:r>
+          </a:p>
+        </p:txBody>
+      </p:sp>
+      <p:pic>
+        <p:nvPicPr>
+          <p:cNvPr id="16" name="Imagen 15">
             <a:extLst>
               <a:ext uri="{FF2B5EF4-FFF2-40B4-BE49-F238E27FC236}">
-                <a16:creationId xmlns:a16="http://schemas.microsoft.com/office/drawing/2014/main" id="{E318354B-98CA-46F8-832F-16D6C5F01744}"/>
-              </a:ext>
-            </a:extLst>
-          </p:cNvPr>
-          <p:cNvSpPr txBox="1"/>
-          <p:nvPr/>
-        </p:nvSpPr>
-        <p:spPr>
-          <a:xfrm>
-            <a:off x="1694179" y="1331109"/>
-            <a:ext cx="7068821" cy="469900"/>
-          </a:xfrm>
-          <a:prstGeom prst="rect">
-            <a:avLst/>
-          </a:prstGeom>
-        </p:spPr>
-        <p:txBody>
-          <a:bodyPr vert="horz" wrap="square" lIns="0" tIns="0" rIns="0" bIns="0" rtlCol="0">
-            <a:noAutofit/>
-          </a:bodyPr>
-          <a:lstStyle/>
-          <a:p>
-            <a:pPr marL="355600" indent="-342900">
-              <a:lnSpc>
-                <a:spcPts val="2500"/>
-              </a:lnSpc>
-              <a:buFont typeface="+mj-lt"/>
-              <a:buAutoNum type="arabicPeriod" startAt="2"/>
-            </a:pPr>
-            <a:r>
-              <a:rPr lang="es-MX" sz="1600" spc="-10" dirty="0">
-                <a:solidFill>
-                  <a:srgbClr val="C5DAEB"/>
-                </a:solidFill>
-                <a:cs typeface="Calibri"/>
-              </a:rPr>
-              <a:t>Cambie a un gráfico de </a:t>
-            </a:r>
-            <a:r>
-              <a:rPr lang="es-MX" sz="1600" b="1" spc="-10" dirty="0">
-                <a:solidFill>
-                  <a:srgbClr val="FFC000"/>
-                </a:solidFill>
-                <a:cs typeface="Calibri"/>
-              </a:rPr>
-              <a:t>Barras agrupadas</a:t>
-            </a:r>
-            <a:r>
-              <a:rPr lang="es-MX" sz="1600" spc="-10" dirty="0">
-                <a:solidFill>
-                  <a:srgbClr val="C5DAEB"/>
-                </a:solidFill>
-                <a:cs typeface="Calibri"/>
-              </a:rPr>
-              <a:t>. </a:t>
-            </a:r>
-          </a:p>
-        </p:txBody>
-      </p:sp>
-      <p:pic>
-        <p:nvPicPr>
-          <p:cNvPr id="15" name="Imagen 14">
-            <a:extLst>
-              <a:ext uri="{FF2B5EF4-FFF2-40B4-BE49-F238E27FC236}">
-                <a16:creationId xmlns:a16="http://schemas.microsoft.com/office/drawing/2014/main" id="{A2BF9C89-84A1-4D08-8DE1-7488922FE32B}"/>
+                <a16:creationId xmlns:a16="http://schemas.microsoft.com/office/drawing/2014/main" id="{5454992E-1905-4154-AC6A-C31F5F62501E}"/>
               </a:ext>
             </a:extLst>
           </p:cNvPr>
@@ -14325,8 +14244,8 @@
         </p:blipFill>
         <p:spPr>
           <a:xfrm>
-            <a:off x="2061210" y="1871909"/>
-            <a:ext cx="5886450" cy="2600325"/>
+            <a:off x="5862" y="2750066"/>
+            <a:ext cx="9144000" cy="2336284"/>
           </a:xfrm>
           <a:prstGeom prst="rect">
             <a:avLst/>
@@ -14336,7 +14255,7 @@
     </p:spTree>
     <p:extLst>
       <p:ext uri="{BB962C8B-B14F-4D97-AF65-F5344CB8AC3E}">
-        <p14:creationId xmlns:p14="http://schemas.microsoft.com/office/powerpoint/2010/main" val="2815760523"/>
+        <p14:creationId xmlns:p14="http://schemas.microsoft.com/office/powerpoint/2010/main" val="3537975251"/>
       </p:ext>
     </p:extLst>
   </p:cSld>
@@ -14975,8 +14894,8 @@
         </p:nvSpPr>
         <p:spPr>
           <a:xfrm>
-            <a:off x="1347609" y="1467948"/>
-            <a:ext cx="7516991" cy="1049610"/>
+            <a:off x="855979" y="1581150"/>
+            <a:ext cx="7068821" cy="584201"/>
           </a:xfrm>
           <a:prstGeom prst="rect">
             <a:avLst/>
@@ -14988,12 +14907,12 @@
           </a:bodyPr>
           <a:lstStyle/>
           <a:p>
-            <a:pPr marL="355600" indent="-342900">
+            <a:pPr marL="812800" lvl="1" indent="-342900">
               <a:lnSpc>
                 <a:spcPts val="2500"/>
               </a:lnSpc>
               <a:buFont typeface="+mj-lt"/>
-              <a:buAutoNum type="arabicPeriod" startAt="3"/>
+              <a:buAutoNum type="arabicPeriod" startAt="4"/>
             </a:pPr>
             <a:r>
               <a:rPr lang="es-MX" sz="1600" spc="-10" dirty="0">
@@ -15002,7 +14921,7 @@
                 </a:solidFill>
                 <a:cs typeface="Calibri"/>
               </a:rPr>
-              <a:t>Muestre el </a:t>
+              <a:t>Del menú de </a:t>
             </a:r>
             <a:r>
               <a:rPr lang="es-MX" sz="1600" b="1" spc="-10" dirty="0">
@@ -15011,7 +14930,7 @@
                 </a:solidFill>
                 <a:cs typeface="Calibri"/>
               </a:rPr>
-              <a:t>Tipo de compra</a:t>
+              <a:t>Diseño</a:t>
             </a:r>
             <a:r>
               <a:rPr lang="es-MX" sz="1600" spc="-10" dirty="0">
@@ -15020,160 +14939,26 @@
                 </a:solidFill>
                 <a:cs typeface="Calibri"/>
               </a:rPr>
-              <a:t> como Leyenda</a:t>
-            </a:r>
-            <a:r>
-              <a:rPr lang="es-MX" sz="1600" dirty="0">
+              <a:t>, seleccione un </a:t>
+            </a:r>
+            <a:r>
+              <a:rPr lang="es-MX" sz="1600" b="1" spc="-10" dirty="0">
+                <a:solidFill>
+                  <a:srgbClr val="FFC000"/>
+                </a:solidFill>
+                <a:cs typeface="Calibri"/>
+              </a:rPr>
+              <a:t>Estilo de diseño </a:t>
+            </a:r>
+            <a:r>
+              <a:rPr lang="es-MX" sz="1600" spc="-10" dirty="0">
                 <a:solidFill>
                   <a:srgbClr val="C5DAEB"/>
                 </a:solidFill>
                 <a:cs typeface="Calibri"/>
               </a:rPr>
-              <a:t>. </a:t>
-            </a:r>
-          </a:p>
-          <a:p>
-            <a:pPr marL="812800" lvl="1" indent="-342900">
-              <a:lnSpc>
-                <a:spcPts val="2500"/>
-              </a:lnSpc>
-              <a:buFont typeface="Arial" panose="020B0604020202020204" pitchFamily="34" charset="0"/>
-              <a:buChar char="•"/>
-            </a:pPr>
-            <a:r>
-              <a:rPr lang="es-MX" sz="1600" spc="-10" dirty="0">
-                <a:solidFill>
-                  <a:srgbClr val="C5DAEB"/>
-                </a:solidFill>
-                <a:cs typeface="Calibri"/>
-              </a:rPr>
-              <a:t>Arrastre el campo de </a:t>
-            </a:r>
-            <a:r>
-              <a:rPr lang="es-MX" sz="1600" b="1" spc="-10" dirty="0">
-                <a:solidFill>
-                  <a:schemeClr val="accent6">
-                    <a:lumMod val="75000"/>
-                  </a:schemeClr>
-                </a:solidFill>
-                <a:cs typeface="Calibri"/>
-              </a:rPr>
-              <a:t>Tipo compra</a:t>
-            </a:r>
-            <a:r>
-              <a:rPr lang="es-MX" sz="1600" spc="-10" dirty="0">
-                <a:solidFill>
-                  <a:srgbClr val="C5DAEB"/>
-                </a:solidFill>
-                <a:cs typeface="Calibri"/>
-              </a:rPr>
-              <a:t> del cuadrante </a:t>
-            </a:r>
-            <a:r>
-              <a:rPr lang="es-MX" sz="1600" b="1" spc="-10" dirty="0">
-                <a:solidFill>
-                  <a:srgbClr val="C5DAEB"/>
-                </a:solidFill>
-                <a:cs typeface="Calibri"/>
-              </a:rPr>
-              <a:t>Ejes (categorías)</a:t>
-            </a:r>
-            <a:r>
-              <a:rPr lang="es-MX" sz="1600" spc="-10" dirty="0">
-                <a:solidFill>
-                  <a:srgbClr val="C5DAEB"/>
-                </a:solidFill>
-                <a:cs typeface="Calibri"/>
-              </a:rPr>
-              <a:t> al cuadrante </a:t>
-            </a:r>
-            <a:r>
-              <a:rPr lang="es-MX" sz="1600" b="1" spc="-10" dirty="0">
-                <a:solidFill>
-                  <a:schemeClr val="accent6">
-                    <a:lumMod val="75000"/>
-                  </a:schemeClr>
-                </a:solidFill>
-                <a:cs typeface="Calibri"/>
-              </a:rPr>
-              <a:t>Leyenda (serie)</a:t>
-            </a:r>
-            <a:r>
-              <a:rPr lang="es-MX" sz="1600" b="1" spc="-10" dirty="0">
-                <a:solidFill>
-                  <a:srgbClr val="C5DAEB"/>
-                </a:solidFill>
-                <a:cs typeface="Calibri"/>
-              </a:rPr>
-              <a:t>. </a:t>
-            </a:r>
-            <a:r>
-              <a:rPr lang="es-MX" sz="1600" spc="-10" dirty="0">
-                <a:solidFill>
-                  <a:srgbClr val="C5DAEB"/>
-                </a:solidFill>
-                <a:cs typeface="Calibri"/>
-              </a:rPr>
-              <a:t>De esta forma se configura por color el </a:t>
-            </a:r>
-            <a:r>
-              <a:rPr lang="es-MX" sz="1600" b="1" spc="-10" dirty="0">
-                <a:solidFill>
-                  <a:srgbClr val="C5DAEB"/>
-                </a:solidFill>
-                <a:cs typeface="Calibri"/>
-              </a:rPr>
-              <a:t>Tipo de compra.</a:t>
-            </a:r>
-            <a:endParaRPr lang="es-MX" sz="1600" spc="-10" dirty="0">
-              <a:solidFill>
-                <a:srgbClr val="C5DAEB"/>
-              </a:solidFill>
-              <a:cs typeface="Calibri"/>
-            </a:endParaRPr>
-          </a:p>
-        </p:txBody>
-      </p:sp>
-      <p:sp>
-        <p:nvSpPr>
-          <p:cNvPr id="20" name="object 20"/>
-          <p:cNvSpPr txBox="1"/>
-          <p:nvPr/>
-        </p:nvSpPr>
-        <p:spPr>
-          <a:xfrm>
-            <a:off x="92392" y="4869179"/>
-            <a:ext cx="102870" cy="203200"/>
-          </a:xfrm>
-          <a:prstGeom prst="rect">
-            <a:avLst/>
-          </a:prstGeom>
-        </p:spPr>
-        <p:txBody>
-          <a:bodyPr vert="horz" wrap="square" lIns="0" tIns="0" rIns="0" bIns="0" rtlCol="0">
-            <a:noAutofit/>
-          </a:bodyPr>
-          <a:lstStyle/>
-          <a:p>
-            <a:pPr marL="12700">
-              <a:lnSpc>
-                <a:spcPct val="100000"/>
-              </a:lnSpc>
-            </a:pPr>
-            <a:r>
-              <a:rPr sz="1200" spc="-10" dirty="0">
-                <a:solidFill>
-                  <a:srgbClr val="18BAD4"/>
-                </a:solidFill>
-                <a:latin typeface="Calibri"/>
-                <a:cs typeface="Calibri"/>
-              </a:rPr>
-              <a:t>7</a:t>
-            </a:r>
-            <a:endParaRPr sz="1200">
-              <a:latin typeface="Calibri"/>
-              <a:cs typeface="Calibri"/>
-            </a:endParaRPr>
+              <a:t>predefinido.</a:t>
+            </a:r>
           </a:p>
         </p:txBody>
       </p:sp>
@@ -15191,7 +14976,7 @@
         </p:nvSpPr>
         <p:spPr>
           <a:xfrm>
-            <a:off x="2574418" y="285750"/>
+            <a:off x="2574418" y="232212"/>
             <a:ext cx="4930042" cy="584200"/>
           </a:xfrm>
           <a:prstGeom prst="rect">
@@ -15240,8 +15025,8 @@
         </p:nvSpPr>
         <p:spPr>
           <a:xfrm>
-            <a:off x="2524334" y="853578"/>
-            <a:ext cx="5825590" cy="400110"/>
+            <a:off x="2524333" y="800040"/>
+            <a:ext cx="6378365" cy="400110"/>
           </a:xfrm>
           <a:prstGeom prst="rect">
             <a:avLst/>
@@ -15265,57 +15050,8 @@
                 </a:solidFill>
                 <a:cs typeface="Calibri"/>
               </a:rPr>
-              <a:t>Gráfico 2: Configura por color el Tipo de compra</a:t>
-            </a:r>
-          </a:p>
-        </p:txBody>
-      </p:sp>
-      <p:sp>
-        <p:nvSpPr>
-          <p:cNvPr id="25" name="object 25">
-            <a:extLst>
-              <a:ext uri="{FF2B5EF4-FFF2-40B4-BE49-F238E27FC236}">
-                <a16:creationId xmlns:a16="http://schemas.microsoft.com/office/drawing/2014/main" id="{F9172D4B-A1CD-4453-B56C-A842324D794B}"/>
-              </a:ext>
-            </a:extLst>
-          </p:cNvPr>
-          <p:cNvSpPr txBox="1"/>
-          <p:nvPr/>
-        </p:nvSpPr>
-        <p:spPr>
-          <a:xfrm>
-            <a:off x="762000" y="495300"/>
-            <a:ext cx="199016" cy="400050"/>
-          </a:xfrm>
-          <a:prstGeom prst="rect">
-            <a:avLst/>
-          </a:prstGeom>
-        </p:spPr>
-        <p:txBody>
-          <a:bodyPr vert="horz" wrap="square" lIns="0" tIns="0" rIns="0" bIns="0" rtlCol="0">
-            <a:noAutofit/>
-          </a:bodyPr>
-          <a:lstStyle/>
-          <a:p>
-            <a:pPr marL="12700">
-              <a:lnSpc>
-                <a:spcPct val="100000"/>
-              </a:lnSpc>
-            </a:pPr>
-            <a:r>
-              <a:rPr lang="es-MX" sz="2000" b="1" spc="-25" dirty="0">
-                <a:solidFill>
-                  <a:srgbClr val="FFFFFF"/>
-                </a:solidFill>
-                <a:latin typeface="Calibri"/>
-                <a:cs typeface="Calibri"/>
-              </a:rPr>
-              <a:t>6</a:t>
-            </a:r>
-            <a:endParaRPr sz="2000" dirty="0">
-              <a:latin typeface="Calibri"/>
-              <a:cs typeface="Calibri"/>
-            </a:endParaRPr>
+              <a:t>Gráfico 2. Seleccionar un estilo de diseño predefinido</a:t>
+            </a:r>
           </a:p>
         </p:txBody>
       </p:sp>
@@ -15324,7 +15060,7 @@
           <p:cNvPr id="16" name="Imagen 15">
             <a:extLst>
               <a:ext uri="{FF2B5EF4-FFF2-40B4-BE49-F238E27FC236}">
-                <a16:creationId xmlns:a16="http://schemas.microsoft.com/office/drawing/2014/main" id="{5454992E-1905-4154-AC6A-C31F5F62501E}"/>
+                <a16:creationId xmlns:a16="http://schemas.microsoft.com/office/drawing/2014/main" id="{2028F307-6596-4FCC-AC3D-7BBDA0842001}"/>
               </a:ext>
             </a:extLst>
           </p:cNvPr>
@@ -15341,18 +15077,67 @@
         </p:blipFill>
         <p:spPr>
           <a:xfrm>
-            <a:off x="5862" y="2750066"/>
-            <a:ext cx="9144000" cy="2336284"/>
+            <a:off x="1676400" y="2065655"/>
+            <a:ext cx="5934075" cy="2619375"/>
           </a:xfrm>
           <a:prstGeom prst="rect">
             <a:avLst/>
           </a:prstGeom>
         </p:spPr>
       </p:pic>
+      <p:sp>
+        <p:nvSpPr>
+          <p:cNvPr id="19" name="object 20">
+            <a:extLst>
+              <a:ext uri="{FF2B5EF4-FFF2-40B4-BE49-F238E27FC236}">
+                <a16:creationId xmlns:a16="http://schemas.microsoft.com/office/drawing/2014/main" id="{C644564B-3CA1-4129-9BD8-C3A322CF6CC6}"/>
+              </a:ext>
+            </a:extLst>
+          </p:cNvPr>
+          <p:cNvSpPr txBox="1"/>
+          <p:nvPr/>
+        </p:nvSpPr>
+        <p:spPr>
+          <a:xfrm>
+            <a:off x="92391" y="4869178"/>
+            <a:ext cx="242889" cy="223521"/>
+          </a:xfrm>
+          <a:prstGeom prst="rect">
+            <a:avLst/>
+          </a:prstGeom>
+        </p:spPr>
+        <p:txBody>
+          <a:bodyPr vert="horz" wrap="square" lIns="0" tIns="0" rIns="0" bIns="0" rtlCol="0">
+            <a:noAutofit/>
+          </a:bodyPr>
+          <a:lstStyle/>
+          <a:p>
+            <a:pPr marL="12700">
+              <a:lnSpc>
+                <a:spcPct val="100000"/>
+              </a:lnSpc>
+            </a:pPr>
+            <a:r>
+              <a:rPr lang="es-MX" sz="1200" spc="-10" dirty="0">
+                <a:solidFill>
+                  <a:srgbClr val="18BAD4"/>
+                </a:solidFill>
+                <a:latin typeface="Calibri"/>
+                <a:cs typeface="Calibri"/>
+              </a:rPr>
+              <a:t>16</a:t>
+            </a:r>
+            <a:endParaRPr sz="1200" dirty="0">
+              <a:latin typeface="Calibri"/>
+              <a:cs typeface="Calibri"/>
+            </a:endParaRPr>
+          </a:p>
+        </p:txBody>
+      </p:sp>
     </p:spTree>
     <p:extLst>
       <p:ext uri="{BB962C8B-B14F-4D97-AF65-F5344CB8AC3E}">
-        <p14:creationId xmlns:p14="http://schemas.microsoft.com/office/powerpoint/2010/main" val="3537975251"/>
+        <p14:creationId xmlns:p14="http://schemas.microsoft.com/office/powerpoint/2010/main" val="1223165682"/>
       </p:ext>
     </p:extLst>
   </p:cSld>
@@ -15991,8 +15776,8 @@
         </p:nvSpPr>
         <p:spPr>
           <a:xfrm>
-            <a:off x="855979" y="1314450"/>
-            <a:ext cx="7068821" cy="584201"/>
+            <a:off x="905756" y="1062824"/>
+            <a:ext cx="7871355" cy="1412513"/>
           </a:xfrm>
           <a:prstGeom prst="rect">
             <a:avLst/>
@@ -16009,7 +15794,7 @@
                 <a:spcPts val="2500"/>
               </a:lnSpc>
               <a:buFont typeface="+mj-lt"/>
-              <a:buAutoNum type="arabicPeriod" startAt="4"/>
+              <a:buAutoNum type="arabicPeriod" startAt="5"/>
             </a:pPr>
             <a:r>
               <a:rPr lang="es-MX" sz="1600" spc="-10" dirty="0">
@@ -16036,16 +15821,16 @@
                 </a:solidFill>
                 <a:cs typeface="Calibri"/>
               </a:rPr>
-              <a:t>, seleccione un </a:t>
+              <a:t>, seleccione </a:t>
             </a:r>
             <a:r>
               <a:rPr lang="es-MX" sz="1600" b="1" spc="-10" dirty="0">
                 <a:solidFill>
-                  <a:srgbClr val="FFC000"/>
-                </a:solidFill>
-                <a:cs typeface="Calibri"/>
-              </a:rPr>
-              <a:t>Estilo de diseño </a:t>
+                  <a:srgbClr val="C5DAEB"/>
+                </a:solidFill>
+                <a:cs typeface="Calibri"/>
+              </a:rPr>
+              <a:t>Agregar elemento de gráfico </a:t>
             </a:r>
             <a:r>
               <a:rPr lang="es-MX" sz="1600" spc="-10" dirty="0">
@@ -16054,51 +15839,95 @@
                 </a:solidFill>
                 <a:cs typeface="Calibri"/>
               </a:rPr>
-              <a:t>predefinido.</a:t>
-            </a:r>
-          </a:p>
-        </p:txBody>
-      </p:sp>
-      <p:sp>
-        <p:nvSpPr>
-          <p:cNvPr id="20" name="object 20"/>
-          <p:cNvSpPr txBox="1"/>
-          <p:nvPr/>
-        </p:nvSpPr>
-        <p:spPr>
-          <a:xfrm>
-            <a:off x="92392" y="4869179"/>
-            <a:ext cx="102870" cy="203200"/>
-          </a:xfrm>
-          <a:prstGeom prst="rect">
-            <a:avLst/>
-          </a:prstGeom>
-        </p:spPr>
-        <p:txBody>
-          <a:bodyPr vert="horz" wrap="square" lIns="0" tIns="0" rIns="0" bIns="0" rtlCol="0">
-            <a:noAutofit/>
-          </a:bodyPr>
-          <a:lstStyle/>
-          <a:p>
-            <a:pPr marL="12700">
+              <a:t>y añada:</a:t>
+            </a:r>
+          </a:p>
+          <a:p>
+            <a:pPr marL="1270000" lvl="2" indent="-342900">
               <a:lnSpc>
-                <a:spcPct val="100000"/>
+                <a:spcPts val="2500"/>
               </a:lnSpc>
+              <a:buFont typeface="Arial" panose="020B0604020202020204" pitchFamily="34" charset="0"/>
+              <a:buChar char="•"/>
             </a:pPr>
             <a:r>
-              <a:rPr sz="1200" spc="-10" dirty="0">
-                <a:solidFill>
-                  <a:srgbClr val="18BAD4"/>
-                </a:solidFill>
-                <a:latin typeface="Calibri"/>
-                <a:cs typeface="Calibri"/>
-              </a:rPr>
-              <a:t>7</a:t>
-            </a:r>
-            <a:endParaRPr sz="1200">
-              <a:latin typeface="Calibri"/>
-              <a:cs typeface="Calibri"/>
-            </a:endParaRPr>
+              <a:rPr lang="es-MX" sz="1600" spc="-10" dirty="0">
+                <a:solidFill>
+                  <a:srgbClr val="C5DAEB"/>
+                </a:solidFill>
+                <a:cs typeface="Calibri"/>
+              </a:rPr>
+              <a:t>Título del gráfico: </a:t>
+            </a:r>
+            <a:r>
+              <a:rPr lang="es-MX" sz="1600" b="1" spc="-10" dirty="0">
+                <a:solidFill>
+                  <a:schemeClr val="accent6">
+                    <a:lumMod val="75000"/>
+                  </a:schemeClr>
+                </a:solidFill>
+                <a:cs typeface="Calibri"/>
+              </a:rPr>
+              <a:t>FACTURAS POR ESTATUS Y TIPO DE COMPRA</a:t>
+            </a:r>
+          </a:p>
+          <a:p>
+            <a:pPr marL="1270000" lvl="2" indent="-342900">
+              <a:lnSpc>
+                <a:spcPts val="2500"/>
+              </a:lnSpc>
+              <a:buFont typeface="Arial" panose="020B0604020202020204" pitchFamily="34" charset="0"/>
+              <a:buChar char="•"/>
+            </a:pPr>
+            <a:r>
+              <a:rPr lang="es-MX" sz="1600" spc="-10" dirty="0">
+                <a:solidFill>
+                  <a:srgbClr val="C5DAEB"/>
+                </a:solidFill>
+                <a:cs typeface="Calibri"/>
+              </a:rPr>
+              <a:t>Título del eje horizontal: </a:t>
+            </a:r>
+            <a:r>
+              <a:rPr lang="es-MX" sz="1600" b="1" spc="-10" dirty="0">
+                <a:solidFill>
+                  <a:schemeClr val="accent6">
+                    <a:lumMod val="75000"/>
+                  </a:schemeClr>
+                </a:solidFill>
+                <a:cs typeface="Calibri"/>
+              </a:rPr>
+              <a:t>NÚMERO DE FACTURAS</a:t>
+            </a:r>
+          </a:p>
+          <a:p>
+            <a:pPr marL="1270000" lvl="2" indent="-342900">
+              <a:lnSpc>
+                <a:spcPts val="2500"/>
+              </a:lnSpc>
+              <a:buFont typeface="Arial" panose="020B0604020202020204" pitchFamily="34" charset="0"/>
+              <a:buChar char="•"/>
+            </a:pPr>
+            <a:r>
+              <a:rPr lang="es-MX" sz="1600" spc="-10" dirty="0">
+                <a:solidFill>
+                  <a:srgbClr val="C5DAEB"/>
+                </a:solidFill>
+                <a:cs typeface="Calibri"/>
+              </a:rPr>
+              <a:t>Título del eje vertical: </a:t>
+            </a:r>
+            <a:r>
+              <a:rPr lang="es-MX" sz="1600" b="1" spc="-10" dirty="0">
+                <a:solidFill>
+                  <a:schemeClr val="accent6">
+                    <a:lumMod val="75000"/>
+                  </a:schemeClr>
+                </a:solidFill>
+                <a:cs typeface="Calibri"/>
+              </a:rPr>
+              <a:t>ESTATUS</a:t>
+            </a:r>
           </a:p>
         </p:txBody>
       </p:sp>
@@ -16116,7 +15945,7 @@
         </p:nvSpPr>
         <p:spPr>
           <a:xfrm>
-            <a:off x="2574418" y="133350"/>
+            <a:off x="2574418" y="-19050"/>
             <a:ext cx="4930042" cy="584200"/>
           </a:xfrm>
           <a:prstGeom prst="rect">
@@ -16165,7 +15994,7 @@
         </p:nvSpPr>
         <p:spPr>
           <a:xfrm>
-            <a:off x="2524333" y="701178"/>
+            <a:off x="2524334" y="593089"/>
             <a:ext cx="6378365" cy="400110"/>
           </a:xfrm>
           <a:prstGeom prst="rect">
@@ -16190,17 +16019,17 @@
                 </a:solidFill>
                 <a:cs typeface="Calibri"/>
               </a:rPr>
-              <a:t>Gráfico 2. Seleccionar un estilo de diseño predefinido</a:t>
+              <a:t>Gráfico 2: Colocar títulos</a:t>
             </a:r>
           </a:p>
         </p:txBody>
       </p:sp>
       <p:pic>
         <p:nvPicPr>
-          <p:cNvPr id="16" name="Imagen 15">
+          <p:cNvPr id="17" name="Imagen 16">
             <a:extLst>
               <a:ext uri="{FF2B5EF4-FFF2-40B4-BE49-F238E27FC236}">
-                <a16:creationId xmlns:a16="http://schemas.microsoft.com/office/drawing/2014/main" id="{2028F307-6596-4FCC-AC3D-7BBDA0842001}"/>
+                <a16:creationId xmlns:a16="http://schemas.microsoft.com/office/drawing/2014/main" id="{64F2239F-FF59-4C90-967A-0F968A98A6A6}"/>
               </a:ext>
             </a:extLst>
           </p:cNvPr>
@@ -16217,18 +16046,67 @@
         </p:blipFill>
         <p:spPr>
           <a:xfrm>
-            <a:off x="1676400" y="1798955"/>
-            <a:ext cx="5934075" cy="2619375"/>
+            <a:off x="1752600" y="2390421"/>
+            <a:ext cx="5943600" cy="2628900"/>
           </a:xfrm>
           <a:prstGeom prst="rect">
             <a:avLst/>
           </a:prstGeom>
         </p:spPr>
       </p:pic>
+      <p:sp>
+        <p:nvSpPr>
+          <p:cNvPr id="19" name="object 20">
+            <a:extLst>
+              <a:ext uri="{FF2B5EF4-FFF2-40B4-BE49-F238E27FC236}">
+                <a16:creationId xmlns:a16="http://schemas.microsoft.com/office/drawing/2014/main" id="{FF2A6298-72F5-4191-97D4-ECBEB601110F}"/>
+              </a:ext>
+            </a:extLst>
+          </p:cNvPr>
+          <p:cNvSpPr txBox="1"/>
+          <p:nvPr/>
+        </p:nvSpPr>
+        <p:spPr>
+          <a:xfrm>
+            <a:off x="92391" y="4869178"/>
+            <a:ext cx="242889" cy="223521"/>
+          </a:xfrm>
+          <a:prstGeom prst="rect">
+            <a:avLst/>
+          </a:prstGeom>
+        </p:spPr>
+        <p:txBody>
+          <a:bodyPr vert="horz" wrap="square" lIns="0" tIns="0" rIns="0" bIns="0" rtlCol="0">
+            <a:noAutofit/>
+          </a:bodyPr>
+          <a:lstStyle/>
+          <a:p>
+            <a:pPr marL="12700">
+              <a:lnSpc>
+                <a:spcPct val="100000"/>
+              </a:lnSpc>
+            </a:pPr>
+            <a:r>
+              <a:rPr lang="es-MX" sz="1200" spc="-10" dirty="0">
+                <a:solidFill>
+                  <a:srgbClr val="18BAD4"/>
+                </a:solidFill>
+                <a:latin typeface="Calibri"/>
+                <a:cs typeface="Calibri"/>
+              </a:rPr>
+              <a:t>17</a:t>
+            </a:r>
+            <a:endParaRPr sz="1200" dirty="0">
+              <a:latin typeface="Calibri"/>
+              <a:cs typeface="Calibri"/>
+            </a:endParaRPr>
+          </a:p>
+        </p:txBody>
+      </p:sp>
     </p:spTree>
     <p:extLst>
       <p:ext uri="{BB962C8B-B14F-4D97-AF65-F5344CB8AC3E}">
-        <p14:creationId xmlns:p14="http://schemas.microsoft.com/office/powerpoint/2010/main" val="1223165682"/>
+        <p14:creationId xmlns:p14="http://schemas.microsoft.com/office/powerpoint/2010/main" val="2408016452"/>
       </p:ext>
     </p:extLst>
   </p:cSld>
@@ -16867,8 +16745,8 @@
         </p:nvSpPr>
         <p:spPr>
           <a:xfrm>
-            <a:off x="905756" y="1062824"/>
-            <a:ext cx="7871355" cy="1412513"/>
+            <a:off x="1209039" y="1212067"/>
+            <a:ext cx="7871355" cy="969230"/>
           </a:xfrm>
           <a:prstGeom prst="rect">
             <a:avLst/>
@@ -16885,7 +16763,7 @@
                 <a:spcPts val="2500"/>
               </a:lnSpc>
               <a:buFont typeface="+mj-lt"/>
-              <a:buAutoNum type="arabicPeriod" startAt="5"/>
+              <a:buAutoNum type="arabicPeriod" startAt="6"/>
             </a:pPr>
             <a:r>
               <a:rPr lang="es-MX" sz="1600" spc="-10" dirty="0">
@@ -16894,7 +16772,7 @@
                 </a:solidFill>
                 <a:cs typeface="Calibri"/>
               </a:rPr>
-              <a:t>Del menú de </a:t>
+              <a:t>Agrega un segmento de datos por </a:t>
             </a:r>
             <a:r>
               <a:rPr lang="es-MX" sz="1600" b="1" spc="-10" dirty="0">
@@ -16903,7 +16781,7 @@
                 </a:solidFill>
                 <a:cs typeface="Calibri"/>
               </a:rPr>
-              <a:t>Diseño</a:t>
+              <a:t>Estatus</a:t>
             </a:r>
             <a:r>
               <a:rPr lang="es-MX" sz="1600" spc="-10" dirty="0">
@@ -16912,16 +16790,7 @@
                 </a:solidFill>
                 <a:cs typeface="Calibri"/>
               </a:rPr>
-              <a:t>, seleccione </a:t>
-            </a:r>
-            <a:r>
-              <a:rPr lang="es-MX" sz="1600" b="1" spc="-10" dirty="0">
-                <a:solidFill>
-                  <a:srgbClr val="C5DAEB"/>
-                </a:solidFill>
-                <a:cs typeface="Calibri"/>
-              </a:rPr>
-              <a:t>Agregar elemento de gráfico.</a:t>
+              <a:t>. </a:t>
             </a:r>
           </a:p>
           <a:p>
@@ -16939,18 +16808,43 @@
                 </a:solidFill>
                 <a:cs typeface="Calibri"/>
               </a:rPr>
-              <a:t>Título del gráfico: </a:t>
+              <a:t>Del menú </a:t>
             </a:r>
             <a:r>
               <a:rPr lang="es-MX" sz="1600" b="1" spc="-10" dirty="0">
                 <a:solidFill>
-                  <a:schemeClr val="accent6">
-                    <a:lumMod val="75000"/>
-                  </a:schemeClr>
-                </a:solidFill>
-                <a:cs typeface="Calibri"/>
-              </a:rPr>
-              <a:t>FACTURAS POR ESTATUS Y TIPO DE COMPRA</a:t>
+                  <a:srgbClr val="C5DAEB"/>
+                </a:solidFill>
+                <a:cs typeface="Calibri"/>
+              </a:rPr>
+              <a:t>Analizar</a:t>
+            </a:r>
+            <a:r>
+              <a:rPr lang="es-MX" sz="1600" spc="-10" dirty="0">
+                <a:solidFill>
+                  <a:srgbClr val="C5DAEB"/>
+                </a:solidFill>
+                <a:cs typeface="Calibri"/>
+              </a:rPr>
+              <a:t>, selecciona la opción de </a:t>
+            </a:r>
+            <a:r>
+              <a:rPr lang="es-MX" sz="1600" b="1" spc="-10" dirty="0">
+                <a:solidFill>
+                  <a:srgbClr val="C5DAEB"/>
+                </a:solidFill>
+                <a:cs typeface="Calibri"/>
+              </a:rPr>
+              <a:t>Insertar Segmentación de datos</a:t>
+            </a:r>
+            <a:r>
+              <a:rPr lang="es-MX" sz="1600" spc="-10" dirty="0">
+                <a:solidFill>
+                  <a:srgbClr val="C5DAEB"/>
+                </a:solidFill>
+                <a:cs typeface="Calibri"/>
+              </a:rPr>
+              <a:t>.</a:t>
             </a:r>
           </a:p>
           <a:p>
@@ -16968,28 +16862,17 @@
                 </a:solidFill>
                 <a:cs typeface="Calibri"/>
               </a:rPr>
-              <a:t>Título del eje horizontal: </a:t>
+              <a:t>Selecciona el campo de </a:t>
             </a:r>
             <a:r>
               <a:rPr lang="es-MX" sz="1600" b="1" spc="-10" dirty="0">
                 <a:solidFill>
-                  <a:schemeClr val="accent6">
-                    <a:lumMod val="75000"/>
-                  </a:schemeClr>
-                </a:solidFill>
-                <a:cs typeface="Calibri"/>
-              </a:rPr>
-              <a:t>NÚMERO DE FACTURAS</a:t>
-            </a:r>
-          </a:p>
-          <a:p>
-            <a:pPr marL="1270000" lvl="2" indent="-342900">
-              <a:lnSpc>
-                <a:spcPts val="2500"/>
-              </a:lnSpc>
-              <a:buFont typeface="Arial" panose="020B0604020202020204" pitchFamily="34" charset="0"/>
-              <a:buChar char="•"/>
-            </a:pPr>
+                  <a:srgbClr val="C5DAEB"/>
+                </a:solidFill>
+                <a:cs typeface="Calibri"/>
+              </a:rPr>
+              <a:t>Estatus</a:t>
+            </a:r>
             <a:r>
               <a:rPr lang="es-MX" sz="1600" spc="-10" dirty="0">
                 <a:solidFill>
@@ -16997,60 +16880,14 @@
                 </a:solidFill>
                 <a:cs typeface="Calibri"/>
               </a:rPr>
-              <a:t>Título del eje vertical: </a:t>
-            </a:r>
-            <a:r>
-              <a:rPr lang="es-MX" sz="1600" b="1" spc="-10" dirty="0">
-                <a:solidFill>
-                  <a:schemeClr val="accent6">
-                    <a:lumMod val="75000"/>
-                  </a:schemeClr>
-                </a:solidFill>
-                <a:cs typeface="Calibri"/>
-              </a:rPr>
-              <a:t>ESTATUS</a:t>
-            </a:r>
-          </a:p>
-        </p:txBody>
-      </p:sp>
-      <p:sp>
-        <p:nvSpPr>
-          <p:cNvPr id="20" name="object 20"/>
-          <p:cNvSpPr txBox="1"/>
-          <p:nvPr/>
-        </p:nvSpPr>
-        <p:spPr>
-          <a:xfrm>
-            <a:off x="92392" y="4869179"/>
-            <a:ext cx="102870" cy="203200"/>
-          </a:xfrm>
-          <a:prstGeom prst="rect">
-            <a:avLst/>
-          </a:prstGeom>
-        </p:spPr>
-        <p:txBody>
-          <a:bodyPr vert="horz" wrap="square" lIns="0" tIns="0" rIns="0" bIns="0" rtlCol="0">
-            <a:noAutofit/>
-          </a:bodyPr>
-          <a:lstStyle/>
-          <a:p>
-            <a:pPr marL="12700">
-              <a:lnSpc>
-                <a:spcPct val="100000"/>
-              </a:lnSpc>
-            </a:pPr>
-            <a:r>
-              <a:rPr sz="1200" spc="-10" dirty="0">
-                <a:solidFill>
-                  <a:srgbClr val="18BAD4"/>
-                </a:solidFill>
-                <a:latin typeface="Calibri"/>
-                <a:cs typeface="Calibri"/>
-              </a:rPr>
-              <a:t>7</a:t>
-            </a:r>
-            <a:endParaRPr sz="1200">
-              <a:latin typeface="Calibri"/>
+              <a:t>.</a:t>
+            </a:r>
+            <a:endParaRPr lang="es-MX" sz="1600" spc="-10" dirty="0">
+              <a:solidFill>
+                <a:schemeClr val="accent6">
+                  <a:lumMod val="75000"/>
+                </a:schemeClr>
+              </a:solidFill>
               <a:cs typeface="Calibri"/>
             </a:endParaRPr>
           </a:p>
@@ -17144,17 +16981,17 @@
                 </a:solidFill>
                 <a:cs typeface="Calibri"/>
               </a:rPr>
-              <a:t>Gráfico 2: Colocar títulos</a:t>
+              <a:t>Gráfico 2. Agrega segmentación de datos por Estatus</a:t>
             </a:r>
           </a:p>
         </p:txBody>
       </p:sp>
       <p:pic>
         <p:nvPicPr>
-          <p:cNvPr id="17" name="Imagen 16">
+          <p:cNvPr id="14" name="Imagen 13">
             <a:extLst>
               <a:ext uri="{FF2B5EF4-FFF2-40B4-BE49-F238E27FC236}">
-                <a16:creationId xmlns:a16="http://schemas.microsoft.com/office/drawing/2014/main" id="{64F2239F-FF59-4C90-967A-0F968A98A6A6}"/>
+                <a16:creationId xmlns:a16="http://schemas.microsoft.com/office/drawing/2014/main" id="{C7926EB3-5634-4348-9A4D-E5BF3D03A7EA}"/>
               </a:ext>
             </a:extLst>
           </p:cNvPr>
@@ -17171,18 +17008,67 @@
         </p:blipFill>
         <p:spPr>
           <a:xfrm>
-            <a:off x="1752600" y="2390421"/>
-            <a:ext cx="5943600" cy="2628900"/>
+            <a:off x="628778" y="2393244"/>
+            <a:ext cx="8491776" cy="2722244"/>
           </a:xfrm>
           <a:prstGeom prst="rect">
             <a:avLst/>
           </a:prstGeom>
         </p:spPr>
       </p:pic>
+      <p:sp>
+        <p:nvSpPr>
+          <p:cNvPr id="19" name="object 20">
+            <a:extLst>
+              <a:ext uri="{FF2B5EF4-FFF2-40B4-BE49-F238E27FC236}">
+                <a16:creationId xmlns:a16="http://schemas.microsoft.com/office/drawing/2014/main" id="{647E713D-2DD5-45AB-A1C4-981902127850}"/>
+              </a:ext>
+            </a:extLst>
+          </p:cNvPr>
+          <p:cNvSpPr txBox="1"/>
+          <p:nvPr/>
+        </p:nvSpPr>
+        <p:spPr>
+          <a:xfrm>
+            <a:off x="92391" y="4869178"/>
+            <a:ext cx="242889" cy="223521"/>
+          </a:xfrm>
+          <a:prstGeom prst="rect">
+            <a:avLst/>
+          </a:prstGeom>
+        </p:spPr>
+        <p:txBody>
+          <a:bodyPr vert="horz" wrap="square" lIns="0" tIns="0" rIns="0" bIns="0" rtlCol="0">
+            <a:noAutofit/>
+          </a:bodyPr>
+          <a:lstStyle/>
+          <a:p>
+            <a:pPr marL="12700">
+              <a:lnSpc>
+                <a:spcPct val="100000"/>
+              </a:lnSpc>
+            </a:pPr>
+            <a:r>
+              <a:rPr lang="es-MX" sz="1200" spc="-10" dirty="0">
+                <a:solidFill>
+                  <a:srgbClr val="18BAD4"/>
+                </a:solidFill>
+                <a:latin typeface="Calibri"/>
+                <a:cs typeface="Calibri"/>
+              </a:rPr>
+              <a:t>18</a:t>
+            </a:r>
+            <a:endParaRPr sz="1200" dirty="0">
+              <a:latin typeface="Calibri"/>
+              <a:cs typeface="Calibri"/>
+            </a:endParaRPr>
+          </a:p>
+        </p:txBody>
+      </p:sp>
     </p:spTree>
     <p:extLst>
       <p:ext uri="{BB962C8B-B14F-4D97-AF65-F5344CB8AC3E}">
-        <p14:creationId xmlns:p14="http://schemas.microsoft.com/office/powerpoint/2010/main" val="2408016452"/>
+        <p14:creationId xmlns:p14="http://schemas.microsoft.com/office/powerpoint/2010/main" val="1849695046"/>
       </p:ext>
     </p:extLst>
   </p:cSld>
@@ -17815,170 +17701,14 @@
       </p:sp>
       <p:sp>
         <p:nvSpPr>
-          <p:cNvPr id="15" name="object 15"/>
-          <p:cNvSpPr txBox="1"/>
-          <p:nvPr/>
-        </p:nvSpPr>
-        <p:spPr>
-          <a:xfrm>
-            <a:off x="1209039" y="1212067"/>
-            <a:ext cx="7871355" cy="969230"/>
-          </a:xfrm>
-          <a:prstGeom prst="rect">
-            <a:avLst/>
-          </a:prstGeom>
-        </p:spPr>
-        <p:txBody>
-          <a:bodyPr vert="horz" wrap="square" lIns="0" tIns="0" rIns="0" bIns="0" rtlCol="0">
-            <a:noAutofit/>
-          </a:bodyPr>
-          <a:lstStyle/>
-          <a:p>
-            <a:pPr marL="812800" lvl="1" indent="-342900">
-              <a:lnSpc>
-                <a:spcPts val="2500"/>
-              </a:lnSpc>
-              <a:buFont typeface="+mj-lt"/>
-              <a:buAutoNum type="arabicPeriod" startAt="6"/>
-            </a:pPr>
-            <a:r>
-              <a:rPr lang="es-MX" sz="1600" spc="-10" dirty="0">
-                <a:solidFill>
-                  <a:srgbClr val="C5DAEB"/>
-                </a:solidFill>
-                <a:cs typeface="Calibri"/>
-              </a:rPr>
-              <a:t>Agrega un segmento de datos por </a:t>
-            </a:r>
-            <a:r>
-              <a:rPr lang="es-MX" sz="1600" b="1" spc="-10" dirty="0">
-                <a:solidFill>
-                  <a:srgbClr val="C5DAEB"/>
-                </a:solidFill>
-                <a:cs typeface="Calibri"/>
-              </a:rPr>
-              <a:t>Estatus</a:t>
-            </a:r>
-            <a:r>
-              <a:rPr lang="es-MX" sz="1600" spc="-10" dirty="0">
-                <a:solidFill>
-                  <a:srgbClr val="C5DAEB"/>
-                </a:solidFill>
-                <a:cs typeface="Calibri"/>
-              </a:rPr>
-              <a:t>. </a:t>
-            </a:r>
-          </a:p>
-          <a:p>
-            <a:pPr marL="1270000" lvl="2" indent="-342900">
-              <a:lnSpc>
-                <a:spcPts val="2500"/>
-              </a:lnSpc>
-              <a:buFont typeface="Arial" panose="020B0604020202020204" pitchFamily="34" charset="0"/>
-              <a:buChar char="•"/>
-            </a:pPr>
-            <a:r>
-              <a:rPr lang="es-MX" sz="1600" spc="-10" dirty="0">
-                <a:solidFill>
-                  <a:srgbClr val="C5DAEB"/>
-                </a:solidFill>
-                <a:cs typeface="Calibri"/>
-              </a:rPr>
-              <a:t>Del menú </a:t>
-            </a:r>
-            <a:r>
-              <a:rPr lang="es-MX" sz="1600" b="1" spc="-10" dirty="0">
-                <a:solidFill>
-                  <a:srgbClr val="C5DAEB"/>
-                </a:solidFill>
-                <a:cs typeface="Calibri"/>
-              </a:rPr>
-              <a:t>Analizar</a:t>
-            </a:r>
-            <a:r>
-              <a:rPr lang="es-MX" sz="1600" spc="-10" dirty="0">
-                <a:solidFill>
-                  <a:srgbClr val="C5DAEB"/>
-                </a:solidFill>
-                <a:cs typeface="Calibri"/>
-              </a:rPr>
-              <a:t>, selecciona la opción de </a:t>
-            </a:r>
-            <a:r>
-              <a:rPr lang="es-MX" sz="1600" b="1" spc="-10" dirty="0">
-                <a:solidFill>
-                  <a:srgbClr val="C5DAEB"/>
-                </a:solidFill>
-                <a:cs typeface="Calibri"/>
-              </a:rPr>
-              <a:t>Insertar Segmentación de datos</a:t>
-            </a:r>
-            <a:r>
-              <a:rPr lang="es-MX" sz="1600" spc="-10" dirty="0">
-                <a:solidFill>
-                  <a:srgbClr val="C5DAEB"/>
-                </a:solidFill>
-                <a:cs typeface="Calibri"/>
-              </a:rPr>
-              <a:t>.</a:t>
-            </a:r>
-          </a:p>
-          <a:p>
-            <a:pPr marL="1270000" lvl="2" indent="-342900">
-              <a:lnSpc>
-                <a:spcPts val="2500"/>
-              </a:lnSpc>
-              <a:buFont typeface="Arial" panose="020B0604020202020204" pitchFamily="34" charset="0"/>
-              <a:buChar char="•"/>
-            </a:pPr>
-            <a:r>
-              <a:rPr lang="es-MX" sz="1600" spc="-10" dirty="0">
-                <a:solidFill>
-                  <a:srgbClr val="C5DAEB"/>
-                </a:solidFill>
-                <a:cs typeface="Calibri"/>
-              </a:rPr>
-              <a:t>Selecciona el campo de </a:t>
-            </a:r>
-            <a:r>
-              <a:rPr lang="es-MX" sz="1600" b="1" spc="-10" dirty="0">
-                <a:solidFill>
-                  <a:srgbClr val="C5DAEB"/>
-                </a:solidFill>
-                <a:cs typeface="Calibri"/>
-              </a:rPr>
-              <a:t>Estatus</a:t>
-            </a:r>
-            <a:r>
-              <a:rPr lang="es-MX" sz="1600" spc="-10" dirty="0">
-                <a:solidFill>
-                  <a:srgbClr val="C5DAEB"/>
-                </a:solidFill>
-                <a:cs typeface="Calibri"/>
-              </a:rPr>
-              <a:t>.</a:t>
-            </a:r>
-            <a:endParaRPr lang="es-MX" sz="1600" spc="-10" dirty="0">
-              <a:solidFill>
-                <a:schemeClr val="accent6">
-                  <a:lumMod val="75000"/>
-                </a:schemeClr>
-              </a:solidFill>
-              <a:cs typeface="Calibri"/>
-            </a:endParaRPr>
-          </a:p>
-        </p:txBody>
-      </p:sp>
-      <p:sp>
-        <p:nvSpPr>
           <p:cNvPr id="20" name="object 20"/>
           <p:cNvSpPr txBox="1"/>
           <p:nvPr/>
         </p:nvSpPr>
         <p:spPr>
           <a:xfrm>
-            <a:off x="92392" y="4869179"/>
-            <a:ext cx="102870" cy="203200"/>
+            <a:off x="92391" y="4869178"/>
+            <a:ext cx="242889" cy="243839"/>
           </a:xfrm>
           <a:prstGeom prst="rect">
             <a:avLst/>
@@ -17996,16 +17726,16 @@
               </a:lnSpc>
             </a:pPr>
             <a:r>
-              <a:rPr sz="1200" spc="-10" dirty="0">
+              <a:rPr lang="es-MX" sz="1200" spc="-10" dirty="0">
                 <a:solidFill>
                   <a:srgbClr val="18BAD4"/>
                 </a:solidFill>
                 <a:latin typeface="Calibri"/>
                 <a:cs typeface="Calibri"/>
               </a:rPr>
-              <a:t>7</a:t>
-            </a:r>
-            <a:endParaRPr sz="1200">
+              <a:t>19</a:t>
+            </a:r>
+            <a:endParaRPr sz="1200" dirty="0">
               <a:latin typeface="Calibri"/>
               <a:cs typeface="Calibri"/>
             </a:endParaRPr>
@@ -18026,7 +17756,7 @@
         </p:nvSpPr>
         <p:spPr>
           <a:xfrm>
-            <a:off x="2574418" y="-19050"/>
+            <a:off x="2117219" y="592075"/>
             <a:ext cx="4930042" cy="584200"/>
           </a:xfrm>
           <a:prstGeom prst="rect">
@@ -18063,10 +17793,10 @@
       </p:sp>
       <p:sp>
         <p:nvSpPr>
-          <p:cNvPr id="24" name="Rectángulo 23">
+          <p:cNvPr id="19" name="Rectángulo 18">
             <a:extLst>
               <a:ext uri="{FF2B5EF4-FFF2-40B4-BE49-F238E27FC236}">
-                <a16:creationId xmlns:a16="http://schemas.microsoft.com/office/drawing/2014/main" id="{7473D12A-58AA-4276-AB49-E357CA3C58A5}"/>
+                <a16:creationId xmlns:a16="http://schemas.microsoft.com/office/drawing/2014/main" id="{28B00FF3-D99F-44EF-9A90-6C5417E6CF5F}"/>
               </a:ext>
             </a:extLst>
           </p:cNvPr>
@@ -18075,8 +17805,8 @@
         </p:nvSpPr>
         <p:spPr>
           <a:xfrm>
-            <a:off x="2524334" y="593089"/>
-            <a:ext cx="6378365" cy="400110"/>
+            <a:off x="1992497" y="1201675"/>
+            <a:ext cx="6313303" cy="707886"/>
           </a:xfrm>
           <a:prstGeom prst="rect">
             <a:avLst/>
@@ -18100,45 +17830,1096 @@
                 </a:solidFill>
                 <a:cs typeface="Calibri"/>
               </a:rPr>
-              <a:t>Gráfico 2. Agrega segmentación de datos por Estatus</a:t>
-            </a:r>
-          </a:p>
-        </p:txBody>
-      </p:sp>
-      <p:pic>
-        <p:nvPicPr>
-          <p:cNvPr id="14" name="Imagen 13">
+              <a:t>Vincular la segmentación de datos en los dos gráficos</a:t>
+            </a:r>
+          </a:p>
+          <a:p>
+            <a:pPr marL="12700" marR="12700">
+              <a:lnSpc>
+                <a:spcPct val="100099"/>
+              </a:lnSpc>
+            </a:pPr>
+            <a:endParaRPr lang="es-MX" sz="2000" b="1" dirty="0">
+              <a:solidFill>
+                <a:schemeClr val="bg1"/>
+              </a:solidFill>
+              <a:cs typeface="Calibri"/>
+            </a:endParaRPr>
+          </a:p>
+        </p:txBody>
+      </p:sp>
+      <p:sp>
+        <p:nvSpPr>
+          <p:cNvPr id="21" name="object 15">
             <a:extLst>
               <a:ext uri="{FF2B5EF4-FFF2-40B4-BE49-F238E27FC236}">
-                <a16:creationId xmlns:a16="http://schemas.microsoft.com/office/drawing/2014/main" id="{C7926EB3-5634-4348-9A4D-E5BF3D03A7EA}"/>
+                <a16:creationId xmlns:a16="http://schemas.microsoft.com/office/drawing/2014/main" id="{A14A2384-D151-4442-85A7-15A9B85D8B16}"/>
               </a:ext>
             </a:extLst>
           </p:cNvPr>
-          <p:cNvPicPr>
-            <a:picLocks noChangeAspect="1"/>
-          </p:cNvPicPr>
-          <p:nvPr/>
-        </p:nvPicPr>
-        <p:blipFill>
-          <a:blip r:embed="rId5"/>
-          <a:stretch>
-            <a:fillRect/>
-          </a:stretch>
-        </p:blipFill>
-        <p:spPr>
-          <a:xfrm>
-            <a:off x="628778" y="2393244"/>
-            <a:ext cx="8491776" cy="2722244"/>
+          <p:cNvSpPr txBox="1"/>
+          <p:nvPr/>
+        </p:nvSpPr>
+        <p:spPr>
+          <a:xfrm>
+            <a:off x="2065158" y="1930022"/>
+            <a:ext cx="5781467" cy="1789175"/>
           </a:xfrm>
           <a:prstGeom prst="rect">
             <a:avLst/>
           </a:prstGeom>
         </p:spPr>
-      </p:pic>
+        <p:txBody>
+          <a:bodyPr vert="horz" wrap="square" lIns="0" tIns="0" rIns="0" bIns="0" rtlCol="0">
+            <a:noAutofit/>
+          </a:bodyPr>
+          <a:lstStyle/>
+          <a:p>
+            <a:pPr marL="354965" marR="12700" indent="-342900" algn="just">
+              <a:buFont typeface="+mj-lt"/>
+              <a:buAutoNum type="arabicPeriod"/>
+              <a:tabLst>
+                <a:tab pos="330200" algn="l"/>
+                <a:tab pos="1106488" algn="l"/>
+                <a:tab pos="1438275" algn="l"/>
+                <a:tab pos="1790700" algn="l"/>
+              </a:tabLst>
+            </a:pPr>
+            <a:r>
+              <a:rPr lang="es-MX" sz="1600" spc="5" dirty="0">
+                <a:solidFill>
+                  <a:srgbClr val="C5DAEB"/>
+                </a:solidFill>
+                <a:cs typeface="Calibri"/>
+              </a:rPr>
+              <a:t>Seleccionar la segmentación de datos de </a:t>
+            </a:r>
+            <a:r>
+              <a:rPr lang="es-MX" sz="1600" b="1" spc="5" dirty="0">
+                <a:solidFill>
+                  <a:srgbClr val="FFC000"/>
+                </a:solidFill>
+                <a:cs typeface="Calibri"/>
+              </a:rPr>
+              <a:t>Fecha Factura</a:t>
+            </a:r>
+            <a:r>
+              <a:rPr lang="es-MX" sz="1600" spc="5" dirty="0">
+                <a:solidFill>
+                  <a:srgbClr val="C5DAEB"/>
+                </a:solidFill>
+                <a:cs typeface="Calibri"/>
+              </a:rPr>
+              <a:t>.</a:t>
+            </a:r>
+          </a:p>
+          <a:p>
+            <a:pPr marL="342900" indent="-342900">
+              <a:lnSpc>
+                <a:spcPts val="600"/>
+              </a:lnSpc>
+              <a:buFont typeface="+mj-lt"/>
+              <a:buAutoNum type="arabicPeriod"/>
+              <a:tabLst>
+                <a:tab pos="330200" algn="l"/>
+                <a:tab pos="1106488" algn="l"/>
+                <a:tab pos="1438275" algn="l"/>
+              </a:tabLst>
+            </a:pPr>
+            <a:endParaRPr lang="es-MX" sz="1600" dirty="0"/>
+          </a:p>
+          <a:p>
+            <a:pPr marL="354965" marR="12700" indent="-342900" algn="just">
+              <a:lnSpc>
+                <a:spcPct val="100000"/>
+              </a:lnSpc>
+              <a:buFont typeface="+mj-lt"/>
+              <a:buAutoNum type="arabicPeriod"/>
+              <a:tabLst>
+                <a:tab pos="330200" algn="l"/>
+                <a:tab pos="1106488" algn="l"/>
+                <a:tab pos="1438275" algn="l"/>
+                <a:tab pos="1790700" algn="l"/>
+              </a:tabLst>
+            </a:pPr>
+            <a:r>
+              <a:rPr lang="es-MX" sz="1600" spc="5" dirty="0">
+                <a:solidFill>
+                  <a:srgbClr val="C5DAEB"/>
+                </a:solidFill>
+                <a:cs typeface="Calibri"/>
+              </a:rPr>
+              <a:t>D</a:t>
+            </a:r>
+            <a:r>
+              <a:rPr lang="es-MX" sz="1600" dirty="0">
+                <a:solidFill>
+                  <a:srgbClr val="C5DAEB"/>
+                </a:solidFill>
+                <a:cs typeface="Calibri"/>
+              </a:rPr>
+              <a:t>ar</a:t>
+            </a:r>
+            <a:r>
+              <a:rPr lang="es-MX" sz="1600" spc="130" dirty="0">
+                <a:solidFill>
+                  <a:srgbClr val="C5DAEB"/>
+                </a:solidFill>
+                <a:cs typeface="Calibri"/>
+              </a:rPr>
+              <a:t> </a:t>
+            </a:r>
+            <a:r>
+              <a:rPr lang="es-MX" sz="1600" spc="-10" dirty="0">
+                <a:solidFill>
+                  <a:srgbClr val="C5DAEB"/>
+                </a:solidFill>
+                <a:cs typeface="Calibri"/>
+              </a:rPr>
+              <a:t>c</a:t>
+            </a:r>
+            <a:r>
+              <a:rPr lang="es-MX" sz="1600" dirty="0">
+                <a:solidFill>
+                  <a:srgbClr val="C5DAEB"/>
+                </a:solidFill>
+                <a:cs typeface="Calibri"/>
+              </a:rPr>
+              <a:t>lic</a:t>
+            </a:r>
+            <a:r>
+              <a:rPr lang="es-MX" sz="1600" spc="100" dirty="0">
+                <a:solidFill>
+                  <a:srgbClr val="C5DAEB"/>
+                </a:solidFill>
+                <a:cs typeface="Calibri"/>
+              </a:rPr>
+              <a:t> </a:t>
+            </a:r>
+            <a:r>
+              <a:rPr lang="es-MX" sz="1600" spc="5" dirty="0">
+                <a:solidFill>
+                  <a:srgbClr val="C5DAEB"/>
+                </a:solidFill>
+                <a:cs typeface="Calibri"/>
+              </a:rPr>
+              <a:t>d</a:t>
+            </a:r>
+            <a:r>
+              <a:rPr lang="es-MX" sz="1600" dirty="0">
+                <a:solidFill>
+                  <a:srgbClr val="C5DAEB"/>
+                </a:solidFill>
+                <a:cs typeface="Calibri"/>
+              </a:rPr>
+              <a:t>er</a:t>
+            </a:r>
+            <a:r>
+              <a:rPr lang="es-MX" sz="1600" spc="5" dirty="0">
+                <a:solidFill>
+                  <a:srgbClr val="C5DAEB"/>
+                </a:solidFill>
+                <a:cs typeface="Calibri"/>
+              </a:rPr>
+              <a:t>e</a:t>
+            </a:r>
+            <a:r>
+              <a:rPr lang="es-MX" sz="1600" spc="-10" dirty="0">
+                <a:solidFill>
+                  <a:srgbClr val="C5DAEB"/>
+                </a:solidFill>
+                <a:cs typeface="Calibri"/>
+              </a:rPr>
+              <a:t>c</a:t>
+            </a:r>
+            <a:r>
+              <a:rPr lang="es-MX" sz="1600" spc="5" dirty="0">
+                <a:solidFill>
+                  <a:srgbClr val="C5DAEB"/>
+                </a:solidFill>
+                <a:cs typeface="Calibri"/>
+              </a:rPr>
+              <a:t>h</a:t>
+            </a:r>
+            <a:r>
+              <a:rPr lang="es-MX" sz="1600" dirty="0">
+                <a:solidFill>
+                  <a:srgbClr val="C5DAEB"/>
+                </a:solidFill>
+                <a:cs typeface="Calibri"/>
+              </a:rPr>
+              <a:t>o</a:t>
+            </a:r>
+            <a:r>
+              <a:rPr lang="es-MX" sz="1600" spc="120" dirty="0">
+                <a:solidFill>
+                  <a:srgbClr val="C5DAEB"/>
+                </a:solidFill>
+                <a:cs typeface="Calibri"/>
+              </a:rPr>
+              <a:t> </a:t>
+            </a:r>
+            <a:r>
+              <a:rPr lang="es-MX" sz="1600" b="1" spc="-10" dirty="0">
+                <a:solidFill>
+                  <a:srgbClr val="FFC000"/>
+                </a:solidFill>
+                <a:cs typeface="Calibri"/>
+              </a:rPr>
+              <a:t>C</a:t>
+            </a:r>
+            <a:r>
+              <a:rPr lang="es-MX" sz="1600" b="1" dirty="0">
+                <a:solidFill>
+                  <a:srgbClr val="FFC000"/>
+                </a:solidFill>
+                <a:cs typeface="Calibri"/>
+              </a:rPr>
+              <a:t>o</a:t>
+            </a:r>
+            <a:r>
+              <a:rPr lang="es-MX" sz="1600" b="1" spc="10" dirty="0">
+                <a:solidFill>
+                  <a:srgbClr val="FFC000"/>
+                </a:solidFill>
+                <a:cs typeface="Calibri"/>
+              </a:rPr>
+              <a:t>n</a:t>
+            </a:r>
+            <a:r>
+              <a:rPr lang="es-MX" sz="1600" b="1" dirty="0">
+                <a:solidFill>
+                  <a:srgbClr val="FFC000"/>
+                </a:solidFill>
+                <a:cs typeface="Calibri"/>
+              </a:rPr>
+              <a:t>ex</a:t>
+            </a:r>
+            <a:r>
+              <a:rPr lang="es-MX" sz="1600" b="1" spc="-25" dirty="0">
+                <a:solidFill>
+                  <a:srgbClr val="FFC000"/>
+                </a:solidFill>
+                <a:cs typeface="Calibri"/>
+              </a:rPr>
+              <a:t>i</a:t>
+            </a:r>
+            <a:r>
+              <a:rPr lang="es-MX" sz="1600" b="1" spc="-20" dirty="0">
+                <a:solidFill>
+                  <a:srgbClr val="FFC000"/>
+                </a:solidFill>
+                <a:cs typeface="Calibri"/>
+              </a:rPr>
+              <a:t>o</a:t>
+            </a:r>
+            <a:r>
+              <a:rPr lang="es-MX" sz="1600" b="1" spc="5" dirty="0">
+                <a:solidFill>
+                  <a:srgbClr val="FFC000"/>
+                </a:solidFill>
+                <a:cs typeface="Calibri"/>
+              </a:rPr>
+              <a:t>n</a:t>
+            </a:r>
+            <a:r>
+              <a:rPr lang="es-MX" sz="1600" b="1" dirty="0">
+                <a:solidFill>
+                  <a:srgbClr val="FFC000"/>
+                </a:solidFill>
+                <a:cs typeface="Calibri"/>
+              </a:rPr>
+              <a:t>es</a:t>
+            </a:r>
+            <a:r>
+              <a:rPr lang="es-MX" sz="1600" b="1" spc="135" dirty="0">
+                <a:solidFill>
+                  <a:srgbClr val="FFC000"/>
+                </a:solidFill>
+                <a:cs typeface="Calibri"/>
+              </a:rPr>
+              <a:t> </a:t>
+            </a:r>
+            <a:r>
+              <a:rPr lang="es-MX" sz="1600" b="1" spc="5" dirty="0">
+                <a:solidFill>
+                  <a:srgbClr val="FFC000"/>
+                </a:solidFill>
+                <a:cs typeface="Calibri"/>
+              </a:rPr>
+              <a:t>d</a:t>
+            </a:r>
+            <a:r>
+              <a:rPr lang="es-MX" sz="1600" b="1" dirty="0">
+                <a:solidFill>
+                  <a:srgbClr val="FFC000"/>
+                </a:solidFill>
+                <a:cs typeface="Calibri"/>
+              </a:rPr>
+              <a:t>e</a:t>
+            </a:r>
+            <a:r>
+              <a:rPr lang="es-MX" sz="1600" b="1" spc="110" dirty="0">
+                <a:solidFill>
+                  <a:srgbClr val="FFC000"/>
+                </a:solidFill>
+                <a:cs typeface="Calibri"/>
+              </a:rPr>
+              <a:t> </a:t>
+            </a:r>
+            <a:r>
+              <a:rPr lang="es-MX" sz="1600" b="1" spc="-20" dirty="0">
+                <a:solidFill>
+                  <a:srgbClr val="FFC000"/>
+                </a:solidFill>
+                <a:cs typeface="Calibri"/>
+              </a:rPr>
+              <a:t>i</a:t>
+            </a:r>
+            <a:r>
+              <a:rPr lang="es-MX" sz="1600" b="1" spc="5" dirty="0">
+                <a:solidFill>
+                  <a:srgbClr val="FFC000"/>
+                </a:solidFill>
+                <a:cs typeface="Calibri"/>
+              </a:rPr>
+              <a:t>n</a:t>
+            </a:r>
+            <a:r>
+              <a:rPr lang="es-MX" sz="1600" b="1" spc="-15" dirty="0">
+                <a:solidFill>
+                  <a:srgbClr val="FFC000"/>
+                </a:solidFill>
+                <a:cs typeface="Calibri"/>
+              </a:rPr>
+              <a:t>f</a:t>
+            </a:r>
+            <a:r>
+              <a:rPr lang="es-MX" sz="1600" b="1" dirty="0">
+                <a:solidFill>
+                  <a:srgbClr val="FFC000"/>
+                </a:solidFill>
+                <a:cs typeface="Calibri"/>
+              </a:rPr>
+              <a:t>orm</a:t>
+            </a:r>
+            <a:r>
+              <a:rPr lang="es-MX" sz="1600" b="1" spc="5" dirty="0">
+                <a:solidFill>
+                  <a:srgbClr val="FFC000"/>
+                </a:solidFill>
+                <a:cs typeface="Calibri"/>
+              </a:rPr>
+              <a:t>e</a:t>
+            </a:r>
+            <a:r>
+              <a:rPr lang="es-MX" sz="1600" b="1" dirty="0">
+                <a:solidFill>
+                  <a:srgbClr val="FFC000"/>
+                </a:solidFill>
+                <a:cs typeface="Calibri"/>
+              </a:rPr>
+              <a:t>s</a:t>
+            </a:r>
+            <a:r>
+              <a:rPr lang="es-MX" sz="1600" b="1" dirty="0">
+                <a:solidFill>
+                  <a:srgbClr val="C5DAEB"/>
+                </a:solidFill>
+                <a:cs typeface="Calibri"/>
+              </a:rPr>
+              <a:t> </a:t>
+            </a:r>
+            <a:r>
+              <a:rPr lang="es-MX" sz="1600" spc="-10" dirty="0">
+                <a:solidFill>
+                  <a:srgbClr val="C5DAEB"/>
+                </a:solidFill>
+                <a:cs typeface="Calibri"/>
+              </a:rPr>
+              <a:t>y sel</a:t>
+            </a:r>
+            <a:r>
+              <a:rPr lang="es-MX" sz="1600" spc="-5" dirty="0">
+                <a:solidFill>
+                  <a:srgbClr val="C5DAEB"/>
+                </a:solidFill>
+                <a:cs typeface="Calibri"/>
+              </a:rPr>
+              <a:t>e</a:t>
+            </a:r>
+            <a:r>
+              <a:rPr lang="es-MX" sz="1600" spc="-20" dirty="0">
+                <a:solidFill>
+                  <a:srgbClr val="C5DAEB"/>
+                </a:solidFill>
+                <a:cs typeface="Calibri"/>
+              </a:rPr>
+              <a:t>cc</a:t>
+            </a:r>
+            <a:r>
+              <a:rPr lang="es-MX" sz="1600" dirty="0">
+                <a:solidFill>
+                  <a:srgbClr val="C5DAEB"/>
+                </a:solidFill>
+                <a:cs typeface="Calibri"/>
+              </a:rPr>
+              <a:t>io</a:t>
+            </a:r>
+            <a:r>
+              <a:rPr lang="es-MX" sz="1600" spc="5" dirty="0">
+                <a:solidFill>
+                  <a:srgbClr val="C5DAEB"/>
+                </a:solidFill>
+                <a:cs typeface="Calibri"/>
+              </a:rPr>
+              <a:t>n</a:t>
+            </a:r>
+            <a:r>
+              <a:rPr lang="es-MX" sz="1600" dirty="0">
+                <a:solidFill>
+                  <a:srgbClr val="C5DAEB"/>
+                </a:solidFill>
+                <a:cs typeface="Calibri"/>
+              </a:rPr>
+              <a:t>am</a:t>
+            </a:r>
+            <a:r>
+              <a:rPr lang="es-MX" sz="1600" spc="5" dirty="0">
+                <a:solidFill>
+                  <a:srgbClr val="C5DAEB"/>
+                </a:solidFill>
+                <a:cs typeface="Calibri"/>
+              </a:rPr>
+              <a:t>o</a:t>
+            </a:r>
+            <a:r>
+              <a:rPr lang="es-MX" sz="1600" dirty="0">
+                <a:solidFill>
+                  <a:srgbClr val="C5DAEB"/>
+                </a:solidFill>
+                <a:cs typeface="Calibri"/>
+              </a:rPr>
+              <a:t>s</a:t>
+            </a:r>
+            <a:r>
+              <a:rPr lang="es-MX" sz="1600" spc="60" dirty="0">
+                <a:solidFill>
+                  <a:srgbClr val="C5DAEB"/>
+                </a:solidFill>
+                <a:cs typeface="Calibri"/>
+              </a:rPr>
+              <a:t> el </a:t>
+            </a:r>
+            <a:r>
+              <a:rPr lang="es-MX" sz="1600" b="1" spc="60" dirty="0">
+                <a:solidFill>
+                  <a:schemeClr val="accent6">
+                    <a:lumMod val="75000"/>
+                  </a:schemeClr>
+                </a:solidFill>
+                <a:cs typeface="Calibri"/>
+              </a:rPr>
+              <a:t>Gráfico 1</a:t>
+            </a:r>
+            <a:r>
+              <a:rPr lang="es-MX" sz="1600" spc="60" dirty="0">
+                <a:solidFill>
+                  <a:srgbClr val="C5DAEB"/>
+                </a:solidFill>
+                <a:cs typeface="Calibri"/>
+              </a:rPr>
+              <a:t> y el </a:t>
+            </a:r>
+            <a:r>
+              <a:rPr lang="es-MX" sz="1600" b="1" spc="60" dirty="0">
+                <a:solidFill>
+                  <a:schemeClr val="accent6">
+                    <a:lumMod val="75000"/>
+                  </a:schemeClr>
+                </a:solidFill>
+                <a:cs typeface="Calibri"/>
+              </a:rPr>
+              <a:t>Gráfico 2</a:t>
+            </a:r>
+            <a:r>
+              <a:rPr lang="es-MX" sz="1600" spc="60" dirty="0">
+                <a:solidFill>
+                  <a:srgbClr val="C5DAEB"/>
+                </a:solidFill>
+                <a:cs typeface="Calibri"/>
+              </a:rPr>
+              <a:t>.</a:t>
+            </a:r>
+            <a:endParaRPr lang="es-MX" sz="1600" dirty="0">
+              <a:cs typeface="Calibri"/>
+            </a:endParaRPr>
+          </a:p>
+          <a:p>
+            <a:pPr marL="354965" marR="12700" indent="-342900" algn="just">
+              <a:buFont typeface="+mj-lt"/>
+              <a:buAutoNum type="arabicPeriod"/>
+              <a:tabLst>
+                <a:tab pos="330200" algn="l"/>
+                <a:tab pos="1106488" algn="l"/>
+                <a:tab pos="1438275" algn="l"/>
+                <a:tab pos="1790700" algn="l"/>
+              </a:tabLst>
+            </a:pPr>
+            <a:r>
+              <a:rPr sz="1600" spc="5" dirty="0" err="1">
+                <a:solidFill>
+                  <a:srgbClr val="C5DAEB"/>
+                </a:solidFill>
+                <a:cs typeface="Calibri"/>
+              </a:rPr>
+              <a:t>Seleccionar</a:t>
+            </a:r>
+            <a:r>
+              <a:rPr sz="1600" spc="5" dirty="0">
+                <a:solidFill>
+                  <a:srgbClr val="C5DAEB"/>
+                </a:solidFill>
+                <a:cs typeface="Calibri"/>
+              </a:rPr>
+              <a:t> la </a:t>
+            </a:r>
+            <a:r>
+              <a:rPr sz="1600" spc="5" dirty="0" err="1">
+                <a:solidFill>
+                  <a:srgbClr val="C5DAEB"/>
+                </a:solidFill>
+                <a:cs typeface="Calibri"/>
+              </a:rPr>
+              <a:t>segmentación</a:t>
+            </a:r>
+            <a:r>
+              <a:rPr sz="1600" spc="5" dirty="0">
+                <a:solidFill>
+                  <a:srgbClr val="C5DAEB"/>
+                </a:solidFill>
+                <a:cs typeface="Calibri"/>
+              </a:rPr>
+              <a:t> de </a:t>
+            </a:r>
+            <a:r>
+              <a:rPr sz="1600" spc="5" dirty="0" err="1">
+                <a:solidFill>
+                  <a:srgbClr val="C5DAEB"/>
+                </a:solidFill>
+                <a:cs typeface="Calibri"/>
+              </a:rPr>
+              <a:t>datos</a:t>
+            </a:r>
+            <a:r>
+              <a:rPr sz="1600" spc="5" dirty="0">
+                <a:solidFill>
+                  <a:srgbClr val="C5DAEB"/>
+                </a:solidFill>
+                <a:cs typeface="Calibri"/>
+              </a:rPr>
+              <a:t> </a:t>
+            </a:r>
+            <a:r>
+              <a:rPr lang="es-MX" sz="1600" spc="5" dirty="0">
+                <a:solidFill>
+                  <a:srgbClr val="C5DAEB"/>
+                </a:solidFill>
+                <a:cs typeface="Calibri"/>
+              </a:rPr>
+              <a:t>de </a:t>
+            </a:r>
+            <a:r>
+              <a:rPr lang="es-MX" sz="1600" b="1" spc="5" dirty="0">
+                <a:solidFill>
+                  <a:srgbClr val="FFC000"/>
+                </a:solidFill>
+                <a:cs typeface="Calibri"/>
+              </a:rPr>
+              <a:t>Estatus</a:t>
+            </a:r>
+            <a:r>
+              <a:rPr sz="1600" spc="5" dirty="0">
+                <a:solidFill>
+                  <a:srgbClr val="C5DAEB"/>
+                </a:solidFill>
+                <a:cs typeface="Calibri"/>
+              </a:rPr>
+              <a:t>.</a:t>
+            </a:r>
+          </a:p>
+          <a:p>
+            <a:pPr marL="342900" indent="-342900">
+              <a:lnSpc>
+                <a:spcPts val="600"/>
+              </a:lnSpc>
+              <a:buFont typeface="+mj-lt"/>
+              <a:buAutoNum type="arabicPeriod"/>
+              <a:tabLst>
+                <a:tab pos="330200" algn="l"/>
+                <a:tab pos="1106488" algn="l"/>
+                <a:tab pos="1438275" algn="l"/>
+              </a:tabLst>
+            </a:pPr>
+            <a:endParaRPr sz="1600" dirty="0"/>
+          </a:p>
+          <a:p>
+            <a:pPr marL="354965" marR="12700" indent="-342900" algn="just">
+              <a:lnSpc>
+                <a:spcPct val="100000"/>
+              </a:lnSpc>
+              <a:buFont typeface="+mj-lt"/>
+              <a:buAutoNum type="arabicPeriod"/>
+              <a:tabLst>
+                <a:tab pos="330200" algn="l"/>
+                <a:tab pos="1106488" algn="l"/>
+                <a:tab pos="1438275" algn="l"/>
+                <a:tab pos="1790700" algn="l"/>
+              </a:tabLst>
+            </a:pPr>
+            <a:r>
+              <a:rPr sz="1600" spc="5" dirty="0">
+                <a:solidFill>
+                  <a:srgbClr val="C5DAEB"/>
+                </a:solidFill>
+                <a:cs typeface="Calibri"/>
+              </a:rPr>
+              <a:t>D</a:t>
+            </a:r>
+            <a:r>
+              <a:rPr sz="1600" spc="0" dirty="0">
+                <a:solidFill>
+                  <a:srgbClr val="C5DAEB"/>
+                </a:solidFill>
+                <a:cs typeface="Calibri"/>
+              </a:rPr>
+              <a:t>ar</a:t>
+            </a:r>
+            <a:r>
+              <a:rPr sz="1600" spc="130" dirty="0">
+                <a:solidFill>
+                  <a:srgbClr val="C5DAEB"/>
+                </a:solidFill>
+                <a:cs typeface="Calibri"/>
+              </a:rPr>
+              <a:t> </a:t>
+            </a:r>
+            <a:r>
+              <a:rPr sz="1600" spc="-10" dirty="0">
+                <a:solidFill>
+                  <a:srgbClr val="C5DAEB"/>
+                </a:solidFill>
+                <a:cs typeface="Calibri"/>
+              </a:rPr>
+              <a:t>c</a:t>
+            </a:r>
+            <a:r>
+              <a:rPr sz="1600" spc="0" dirty="0">
+                <a:solidFill>
+                  <a:srgbClr val="C5DAEB"/>
+                </a:solidFill>
+                <a:cs typeface="Calibri"/>
+              </a:rPr>
+              <a:t>lic</a:t>
+            </a:r>
+            <a:r>
+              <a:rPr sz="1600" spc="100" dirty="0">
+                <a:solidFill>
+                  <a:srgbClr val="C5DAEB"/>
+                </a:solidFill>
+                <a:cs typeface="Calibri"/>
+              </a:rPr>
+              <a:t> </a:t>
+            </a:r>
+            <a:r>
+              <a:rPr sz="1600" spc="5" dirty="0">
+                <a:solidFill>
+                  <a:srgbClr val="C5DAEB"/>
+                </a:solidFill>
+                <a:cs typeface="Calibri"/>
+              </a:rPr>
+              <a:t>d</a:t>
+            </a:r>
+            <a:r>
+              <a:rPr sz="1600" spc="0" dirty="0">
+                <a:solidFill>
+                  <a:srgbClr val="C5DAEB"/>
+                </a:solidFill>
+                <a:cs typeface="Calibri"/>
+              </a:rPr>
+              <a:t>er</a:t>
+            </a:r>
+            <a:r>
+              <a:rPr sz="1600" spc="5" dirty="0">
+                <a:solidFill>
+                  <a:srgbClr val="C5DAEB"/>
+                </a:solidFill>
+                <a:cs typeface="Calibri"/>
+              </a:rPr>
+              <a:t>e</a:t>
+            </a:r>
+            <a:r>
+              <a:rPr sz="1600" spc="-10" dirty="0">
+                <a:solidFill>
+                  <a:srgbClr val="C5DAEB"/>
+                </a:solidFill>
+                <a:cs typeface="Calibri"/>
+              </a:rPr>
+              <a:t>c</a:t>
+            </a:r>
+            <a:r>
+              <a:rPr sz="1600" spc="5" dirty="0">
+                <a:solidFill>
+                  <a:srgbClr val="C5DAEB"/>
+                </a:solidFill>
+                <a:cs typeface="Calibri"/>
+              </a:rPr>
+              <a:t>h</a:t>
+            </a:r>
+            <a:r>
+              <a:rPr sz="1600" spc="0" dirty="0">
+                <a:solidFill>
+                  <a:srgbClr val="C5DAEB"/>
+                </a:solidFill>
+                <a:cs typeface="Calibri"/>
+              </a:rPr>
+              <a:t>o</a:t>
+            </a:r>
+            <a:r>
+              <a:rPr sz="1600" spc="120" dirty="0">
+                <a:solidFill>
+                  <a:srgbClr val="C5DAEB"/>
+                </a:solidFill>
+                <a:cs typeface="Calibri"/>
+              </a:rPr>
+              <a:t> </a:t>
+            </a:r>
+            <a:r>
+              <a:rPr lang="es-MX" sz="1600" b="1" spc="-10" dirty="0">
+                <a:solidFill>
+                  <a:srgbClr val="FFC000"/>
+                </a:solidFill>
+                <a:cs typeface="Calibri"/>
+              </a:rPr>
+              <a:t>C</a:t>
+            </a:r>
+            <a:r>
+              <a:rPr sz="1600" b="1" spc="0" dirty="0" err="1">
+                <a:solidFill>
+                  <a:srgbClr val="FFC000"/>
+                </a:solidFill>
+                <a:cs typeface="Calibri"/>
+              </a:rPr>
+              <a:t>o</a:t>
+            </a:r>
+            <a:r>
+              <a:rPr sz="1600" b="1" spc="10" dirty="0" err="1">
+                <a:solidFill>
+                  <a:srgbClr val="FFC000"/>
+                </a:solidFill>
+                <a:cs typeface="Calibri"/>
+              </a:rPr>
+              <a:t>n</a:t>
+            </a:r>
+            <a:r>
+              <a:rPr sz="1600" b="1" spc="0" dirty="0" err="1">
+                <a:solidFill>
+                  <a:srgbClr val="FFC000"/>
+                </a:solidFill>
+                <a:cs typeface="Calibri"/>
+              </a:rPr>
+              <a:t>ex</a:t>
+            </a:r>
+            <a:r>
+              <a:rPr sz="1600" b="1" spc="-25" dirty="0" err="1">
+                <a:solidFill>
+                  <a:srgbClr val="FFC000"/>
+                </a:solidFill>
+                <a:cs typeface="Calibri"/>
+              </a:rPr>
+              <a:t>i</a:t>
+            </a:r>
+            <a:r>
+              <a:rPr sz="1600" b="1" spc="-20" dirty="0" err="1">
+                <a:solidFill>
+                  <a:srgbClr val="FFC000"/>
+                </a:solidFill>
+                <a:cs typeface="Calibri"/>
+              </a:rPr>
+              <a:t>o</a:t>
+            </a:r>
+            <a:r>
+              <a:rPr sz="1600" b="1" spc="5" dirty="0" err="1">
+                <a:solidFill>
+                  <a:srgbClr val="FFC000"/>
+                </a:solidFill>
+                <a:cs typeface="Calibri"/>
+              </a:rPr>
+              <a:t>n</a:t>
+            </a:r>
+            <a:r>
+              <a:rPr sz="1600" b="1" spc="0" dirty="0" err="1">
+                <a:solidFill>
+                  <a:srgbClr val="FFC000"/>
+                </a:solidFill>
+                <a:cs typeface="Calibri"/>
+              </a:rPr>
+              <a:t>es</a:t>
+            </a:r>
+            <a:r>
+              <a:rPr sz="1600" b="1" spc="135" dirty="0">
+                <a:solidFill>
+                  <a:srgbClr val="FFC000"/>
+                </a:solidFill>
+                <a:cs typeface="Calibri"/>
+              </a:rPr>
+              <a:t> </a:t>
+            </a:r>
+            <a:r>
+              <a:rPr sz="1600" b="1" spc="5" dirty="0">
+                <a:solidFill>
+                  <a:srgbClr val="FFC000"/>
+                </a:solidFill>
+                <a:cs typeface="Calibri"/>
+              </a:rPr>
+              <a:t>d</a:t>
+            </a:r>
+            <a:r>
+              <a:rPr sz="1600" b="1" spc="0" dirty="0">
+                <a:solidFill>
+                  <a:srgbClr val="FFC000"/>
+                </a:solidFill>
+                <a:cs typeface="Calibri"/>
+              </a:rPr>
+              <a:t>e</a:t>
+            </a:r>
+            <a:r>
+              <a:rPr sz="1600" b="1" spc="110" dirty="0">
+                <a:solidFill>
+                  <a:srgbClr val="FFC000"/>
+                </a:solidFill>
+                <a:cs typeface="Calibri"/>
+              </a:rPr>
+              <a:t> </a:t>
+            </a:r>
+            <a:r>
+              <a:rPr sz="1600" b="1" spc="-20" dirty="0">
+                <a:solidFill>
+                  <a:srgbClr val="FFC000"/>
+                </a:solidFill>
+                <a:cs typeface="Calibri"/>
+              </a:rPr>
+              <a:t>i</a:t>
+            </a:r>
+            <a:r>
+              <a:rPr sz="1600" b="1" spc="5" dirty="0">
+                <a:solidFill>
+                  <a:srgbClr val="FFC000"/>
+                </a:solidFill>
+                <a:cs typeface="Calibri"/>
+              </a:rPr>
+              <a:t>n</a:t>
+            </a:r>
+            <a:r>
+              <a:rPr sz="1600" b="1" spc="-15" dirty="0">
+                <a:solidFill>
+                  <a:srgbClr val="FFC000"/>
+                </a:solidFill>
+                <a:cs typeface="Calibri"/>
+              </a:rPr>
+              <a:t>f</a:t>
+            </a:r>
+            <a:r>
+              <a:rPr sz="1600" b="1" spc="0" dirty="0">
+                <a:solidFill>
+                  <a:srgbClr val="FFC000"/>
+                </a:solidFill>
+                <a:cs typeface="Calibri"/>
+              </a:rPr>
+              <a:t>orm</a:t>
+            </a:r>
+            <a:r>
+              <a:rPr sz="1600" b="1" spc="5" dirty="0">
+                <a:solidFill>
+                  <a:srgbClr val="FFC000"/>
+                </a:solidFill>
+                <a:cs typeface="Calibri"/>
+              </a:rPr>
+              <a:t>e</a:t>
+            </a:r>
+            <a:r>
+              <a:rPr sz="1600" b="1" spc="0" dirty="0">
+                <a:solidFill>
+                  <a:srgbClr val="FFC000"/>
+                </a:solidFill>
+                <a:cs typeface="Calibri"/>
+              </a:rPr>
+              <a:t>s</a:t>
+            </a:r>
+            <a:r>
+              <a:rPr sz="1600" b="1" spc="0" dirty="0">
+                <a:solidFill>
+                  <a:srgbClr val="C5DAEB"/>
+                </a:solidFill>
+                <a:cs typeface="Calibri"/>
+              </a:rPr>
+              <a:t> </a:t>
+            </a:r>
+            <a:r>
+              <a:rPr sz="1600" spc="-10" dirty="0">
+                <a:solidFill>
+                  <a:srgbClr val="C5DAEB"/>
+                </a:solidFill>
+                <a:cs typeface="Calibri"/>
+              </a:rPr>
+              <a:t>y </a:t>
+            </a:r>
+            <a:r>
+              <a:rPr sz="1600" spc="-10" dirty="0" err="1">
+                <a:solidFill>
+                  <a:srgbClr val="C5DAEB"/>
+                </a:solidFill>
+                <a:cs typeface="Calibri"/>
+              </a:rPr>
+              <a:t>sel</a:t>
+            </a:r>
+            <a:r>
+              <a:rPr sz="1600" spc="-5" dirty="0" err="1">
+                <a:solidFill>
+                  <a:srgbClr val="C5DAEB"/>
+                </a:solidFill>
+                <a:cs typeface="Calibri"/>
+              </a:rPr>
+              <a:t>e</a:t>
+            </a:r>
+            <a:r>
+              <a:rPr sz="1600" spc="-20" dirty="0" err="1">
+                <a:solidFill>
+                  <a:srgbClr val="C5DAEB"/>
+                </a:solidFill>
+                <a:cs typeface="Calibri"/>
+              </a:rPr>
+              <a:t>cc</a:t>
+            </a:r>
+            <a:r>
+              <a:rPr sz="1600" spc="0" dirty="0" err="1">
+                <a:solidFill>
+                  <a:srgbClr val="C5DAEB"/>
+                </a:solidFill>
+                <a:cs typeface="Calibri"/>
+              </a:rPr>
+              <a:t>io</a:t>
+            </a:r>
+            <a:r>
+              <a:rPr sz="1600" spc="5" dirty="0" err="1">
+                <a:solidFill>
+                  <a:srgbClr val="C5DAEB"/>
+                </a:solidFill>
+                <a:cs typeface="Calibri"/>
+              </a:rPr>
+              <a:t>n</a:t>
+            </a:r>
+            <a:r>
+              <a:rPr sz="1600" spc="0" dirty="0" err="1">
+                <a:solidFill>
+                  <a:srgbClr val="C5DAEB"/>
+                </a:solidFill>
+                <a:cs typeface="Calibri"/>
+              </a:rPr>
+              <a:t>am</a:t>
+            </a:r>
+            <a:r>
+              <a:rPr sz="1600" spc="5" dirty="0" err="1">
+                <a:solidFill>
+                  <a:srgbClr val="C5DAEB"/>
+                </a:solidFill>
+                <a:cs typeface="Calibri"/>
+              </a:rPr>
+              <a:t>o</a:t>
+            </a:r>
+            <a:r>
+              <a:rPr sz="1600" spc="0" dirty="0" err="1">
+                <a:solidFill>
+                  <a:srgbClr val="C5DAEB"/>
+                </a:solidFill>
+                <a:cs typeface="Calibri"/>
+              </a:rPr>
+              <a:t>s</a:t>
+            </a:r>
+            <a:r>
+              <a:rPr lang="es-MX" sz="1600" spc="60" dirty="0">
+                <a:solidFill>
+                  <a:srgbClr val="C5DAEB"/>
+                </a:solidFill>
+                <a:cs typeface="Calibri"/>
+              </a:rPr>
+              <a:t> el </a:t>
+            </a:r>
+            <a:r>
+              <a:rPr lang="es-MX" sz="1600" b="1" spc="60" dirty="0">
+                <a:solidFill>
+                  <a:schemeClr val="accent6">
+                    <a:lumMod val="75000"/>
+                  </a:schemeClr>
+                </a:solidFill>
+                <a:cs typeface="Calibri"/>
+              </a:rPr>
+              <a:t>Gráfico 1</a:t>
+            </a:r>
+            <a:r>
+              <a:rPr lang="es-MX" sz="1600" spc="60" dirty="0">
+                <a:solidFill>
+                  <a:srgbClr val="C5DAEB"/>
+                </a:solidFill>
+                <a:cs typeface="Calibri"/>
+              </a:rPr>
+              <a:t> y el </a:t>
+            </a:r>
+            <a:r>
+              <a:rPr lang="es-MX" sz="1600" b="1" spc="60" dirty="0">
+                <a:solidFill>
+                  <a:schemeClr val="accent6">
+                    <a:lumMod val="75000"/>
+                  </a:schemeClr>
+                </a:solidFill>
+                <a:cs typeface="Calibri"/>
+              </a:rPr>
+              <a:t>Gráfico 2</a:t>
+            </a:r>
+            <a:r>
+              <a:rPr lang="es-MX" sz="1600" spc="60" dirty="0">
+                <a:solidFill>
+                  <a:srgbClr val="C5DAEB"/>
+                </a:solidFill>
+                <a:cs typeface="Calibri"/>
+              </a:rPr>
+              <a:t>.</a:t>
+            </a:r>
+          </a:p>
+          <a:p>
+            <a:pPr marL="354965" marR="12700" indent="-342900" algn="just">
+              <a:lnSpc>
+                <a:spcPct val="100000"/>
+              </a:lnSpc>
+              <a:buFont typeface="+mj-lt"/>
+              <a:buAutoNum type="arabicPeriod"/>
+              <a:tabLst>
+                <a:tab pos="330200" algn="l"/>
+                <a:tab pos="1106488" algn="l"/>
+                <a:tab pos="1438275" algn="l"/>
+                <a:tab pos="1790700" algn="l"/>
+              </a:tabLst>
+            </a:pPr>
+            <a:endParaRPr sz="1600" dirty="0">
+              <a:cs typeface="Calibri"/>
+            </a:endParaRPr>
+          </a:p>
+        </p:txBody>
+      </p:sp>
     </p:spTree>
     <p:extLst>
       <p:ext uri="{BB962C8B-B14F-4D97-AF65-F5344CB8AC3E}">
-        <p14:creationId xmlns:p14="http://schemas.microsoft.com/office/powerpoint/2010/main" val="1849695046"/>
+        <p14:creationId xmlns:p14="http://schemas.microsoft.com/office/powerpoint/2010/main" val="1674567179"/>
       </p:ext>
     </p:extLst>
   </p:cSld>
@@ -20124,7 +20905,7 @@
         </p:nvSpPr>
         <p:spPr>
           <a:xfrm>
-            <a:off x="2743987" y="285750"/>
+            <a:off x="2540895" y="246125"/>
             <a:ext cx="4930042" cy="584200"/>
           </a:xfrm>
           <a:prstGeom prst="rect">
@@ -20187,8 +20968,8 @@
         </p:blipFill>
         <p:spPr>
           <a:xfrm>
-            <a:off x="7833360" y="135963"/>
-            <a:ext cx="1143000" cy="917526"/>
+            <a:off x="8073476" y="-27651"/>
+            <a:ext cx="1070524" cy="859347"/>
           </a:xfrm>
           <a:prstGeom prst="rect">
             <a:avLst/>
@@ -20255,8 +21036,8 @@
         </p:nvSpPr>
         <p:spPr>
           <a:xfrm>
-            <a:off x="2636543" y="1034795"/>
-            <a:ext cx="6303216" cy="3972741"/>
+            <a:off x="2563473" y="946402"/>
+            <a:ext cx="6170653" cy="3972741"/>
           </a:xfrm>
           <a:prstGeom prst="rect">
             <a:avLst/>
@@ -21538,183 +22319,14 @@
       </p:sp>
       <p:sp>
         <p:nvSpPr>
-          <p:cNvPr id="15" name="object 15"/>
-          <p:cNvSpPr txBox="1"/>
-          <p:nvPr/>
-        </p:nvSpPr>
-        <p:spPr>
-          <a:xfrm>
-            <a:off x="1209039" y="1397346"/>
-            <a:ext cx="7871355" cy="969230"/>
-          </a:xfrm>
-          <a:prstGeom prst="rect">
-            <a:avLst/>
-          </a:prstGeom>
-        </p:spPr>
-        <p:txBody>
-          <a:bodyPr vert="horz" wrap="square" lIns="0" tIns="0" rIns="0" bIns="0" rtlCol="0">
-            <a:noAutofit/>
-          </a:bodyPr>
-          <a:lstStyle/>
-          <a:p>
-            <a:pPr marL="812800" lvl="1" indent="-342900">
-              <a:lnSpc>
-                <a:spcPts val="2500"/>
-              </a:lnSpc>
-              <a:buFont typeface="+mj-lt"/>
-              <a:buAutoNum type="arabicPeriod" startAt="7"/>
-            </a:pPr>
-            <a:r>
-              <a:rPr lang="es-MX" sz="1600" spc="-10" dirty="0">
-                <a:solidFill>
-                  <a:srgbClr val="C5DAEB"/>
-                </a:solidFill>
-                <a:cs typeface="Calibri"/>
-              </a:rPr>
-              <a:t>Agrega una escala de tiempo por </a:t>
-            </a:r>
-            <a:r>
-              <a:rPr lang="es-MX" sz="1600" b="1" spc="-10" dirty="0">
-                <a:solidFill>
-                  <a:srgbClr val="C5DAEB"/>
-                </a:solidFill>
-                <a:cs typeface="Calibri"/>
-              </a:rPr>
-              <a:t>Fecha factura</a:t>
-            </a:r>
-            <a:r>
-              <a:rPr lang="es-MX" sz="1600" spc="-10" dirty="0">
-                <a:solidFill>
-                  <a:srgbClr val="C5DAEB"/>
-                </a:solidFill>
-                <a:cs typeface="Calibri"/>
-              </a:rPr>
-              <a:t>. </a:t>
-            </a:r>
-          </a:p>
-          <a:p>
-            <a:pPr marL="1270000" lvl="2" indent="-342900">
-              <a:lnSpc>
-                <a:spcPts val="2500"/>
-              </a:lnSpc>
-              <a:buFont typeface="Arial" panose="020B0604020202020204" pitchFamily="34" charset="0"/>
-              <a:buChar char="•"/>
-            </a:pPr>
-            <a:r>
-              <a:rPr lang="es-MX" sz="1600" dirty="0">
-                <a:solidFill>
-                  <a:srgbClr val="C5DAEB"/>
-                </a:solidFill>
-                <a:cs typeface="Calibri"/>
-              </a:rPr>
-              <a:t>Del menú </a:t>
-            </a:r>
-            <a:r>
-              <a:rPr lang="es-MX" sz="1600" b="1" dirty="0">
-                <a:solidFill>
-                  <a:srgbClr val="C5DAEB"/>
-                </a:solidFill>
-                <a:cs typeface="Calibri"/>
-              </a:rPr>
-              <a:t>Analizar</a:t>
-            </a:r>
-            <a:r>
-              <a:rPr lang="es-MX" sz="1600" dirty="0">
-                <a:solidFill>
-                  <a:srgbClr val="C5DAEB"/>
-                </a:solidFill>
-                <a:cs typeface="Calibri"/>
-              </a:rPr>
-              <a:t>, selecciona la opción de </a:t>
-            </a:r>
-            <a:r>
-              <a:rPr lang="es-MX" sz="1600" b="1" dirty="0">
-                <a:solidFill>
-                  <a:schemeClr val="accent6">
-                    <a:lumMod val="75000"/>
-                  </a:schemeClr>
-                </a:solidFill>
-                <a:cs typeface="Calibri"/>
-              </a:rPr>
-              <a:t>Insertar escala de tiempo</a:t>
-            </a:r>
-            <a:r>
-              <a:rPr lang="es-MX" sz="1600" dirty="0">
-                <a:solidFill>
-                  <a:srgbClr val="C5DAEB"/>
-                </a:solidFill>
-                <a:cs typeface="Calibri"/>
-              </a:rPr>
-              <a:t>.</a:t>
-            </a:r>
-          </a:p>
-          <a:p>
-            <a:pPr marL="1212850" lvl="2" indent="-285750" algn="just">
-              <a:spcAft>
-                <a:spcPts val="600"/>
-              </a:spcAft>
-              <a:buFont typeface="Arial" panose="020B0604020202020204" pitchFamily="34" charset="0"/>
-              <a:buChar char="•"/>
-            </a:pPr>
-            <a:r>
-              <a:rPr lang="es-MX" sz="1600" dirty="0">
-                <a:solidFill>
-                  <a:srgbClr val="C5DAEB"/>
-                </a:solidFill>
-                <a:cs typeface="Calibri"/>
-              </a:rPr>
-              <a:t>Selecciona el campo de </a:t>
-            </a:r>
-            <a:r>
-              <a:rPr lang="es-MX" sz="1600" b="1" dirty="0">
-                <a:solidFill>
-                  <a:schemeClr val="accent6">
-                    <a:lumMod val="75000"/>
-                  </a:schemeClr>
-                </a:solidFill>
-                <a:cs typeface="Calibri"/>
-              </a:rPr>
-              <a:t>Fecha Factura</a:t>
-            </a:r>
-            <a:r>
-              <a:rPr lang="es-MX" sz="1600" dirty="0">
-                <a:solidFill>
-                  <a:srgbClr val="C5DAEB"/>
-                </a:solidFill>
-                <a:cs typeface="Calibri"/>
-              </a:rPr>
-              <a:t> </a:t>
-            </a:r>
-          </a:p>
-          <a:p>
-            <a:pPr marL="1270000" lvl="2" indent="-342900">
-              <a:lnSpc>
-                <a:spcPts val="2500"/>
-              </a:lnSpc>
-              <a:buFont typeface="Arial" panose="020B0604020202020204" pitchFamily="34" charset="0"/>
-              <a:buChar char="•"/>
-            </a:pPr>
-            <a:endParaRPr lang="es-MX" sz="1600" spc="-10" dirty="0">
-              <a:solidFill>
-                <a:schemeClr val="accent6">
-                  <a:lumMod val="75000"/>
-                </a:schemeClr>
-              </a:solidFill>
-              <a:cs typeface="Calibri"/>
-            </a:endParaRPr>
-          </a:p>
-        </p:txBody>
-      </p:sp>
-      <p:sp>
-        <p:nvSpPr>
           <p:cNvPr id="20" name="object 20"/>
           <p:cNvSpPr txBox="1"/>
           <p:nvPr/>
         </p:nvSpPr>
         <p:spPr>
           <a:xfrm>
-            <a:off x="92392" y="4869179"/>
-            <a:ext cx="102870" cy="203200"/>
+            <a:off x="92391" y="4869178"/>
+            <a:ext cx="242889" cy="223521"/>
           </a:xfrm>
           <a:prstGeom prst="rect">
             <a:avLst/>
@@ -21732,2667 +22344,16 @@
               </a:lnSpc>
             </a:pPr>
             <a:r>
-              <a:rPr sz="1200" spc="-10" dirty="0">
+              <a:rPr lang="es-MX" sz="1200" spc="-10" dirty="0">
                 <a:solidFill>
                   <a:srgbClr val="18BAD4"/>
                 </a:solidFill>
                 <a:latin typeface="Calibri"/>
                 <a:cs typeface="Calibri"/>
               </a:rPr>
-              <a:t>7</a:t>
-            </a:r>
-            <a:endParaRPr sz="1200">
-              <a:latin typeface="Calibri"/>
-              <a:cs typeface="Calibri"/>
-            </a:endParaRPr>
-          </a:p>
-        </p:txBody>
-      </p:sp>
-      <p:sp>
-        <p:nvSpPr>
-          <p:cNvPr id="23" name="object 24">
-            <a:extLst>
-              <a:ext uri="{FF2B5EF4-FFF2-40B4-BE49-F238E27FC236}">
-                <a16:creationId xmlns:a16="http://schemas.microsoft.com/office/drawing/2014/main" id="{57E5113C-484C-47AC-B35D-1AEA208100FC}"/>
-              </a:ext>
-            </a:extLst>
-          </p:cNvPr>
-          <p:cNvSpPr txBox="1"/>
-          <p:nvPr/>
-        </p:nvSpPr>
-        <p:spPr>
-          <a:xfrm>
-            <a:off x="2574418" y="133350"/>
-            <a:ext cx="4930042" cy="584200"/>
-          </a:xfrm>
-          <a:prstGeom prst="rect">
-            <a:avLst/>
-          </a:prstGeom>
-        </p:spPr>
-        <p:txBody>
-          <a:bodyPr vert="horz" wrap="square" lIns="0" tIns="0" rIns="0" bIns="0" rtlCol="0">
-            <a:noAutofit/>
-          </a:bodyPr>
-          <a:lstStyle/>
-          <a:p>
-            <a:pPr marL="12700">
-              <a:lnSpc>
-                <a:spcPct val="100000"/>
-              </a:lnSpc>
-            </a:pPr>
-            <a:r>
-              <a:rPr lang="es-MX" sz="3600" dirty="0">
-                <a:solidFill>
-                  <a:srgbClr val="18BAD4"/>
-                </a:solidFill>
-                <a:latin typeface="Calibri"/>
-                <a:cs typeface="Calibri"/>
-              </a:rPr>
-              <a:t>Actividad individual</a:t>
-            </a:r>
-            <a:endParaRPr sz="3600" dirty="0">
-              <a:latin typeface="Calibri"/>
-              <a:cs typeface="Calibri"/>
-            </a:endParaRPr>
-          </a:p>
-        </p:txBody>
-      </p:sp>
-      <p:sp>
-        <p:nvSpPr>
-          <p:cNvPr id="24" name="Rectángulo 23">
-            <a:extLst>
-              <a:ext uri="{FF2B5EF4-FFF2-40B4-BE49-F238E27FC236}">
-                <a16:creationId xmlns:a16="http://schemas.microsoft.com/office/drawing/2014/main" id="{7473D12A-58AA-4276-AB49-E357CA3C58A5}"/>
-              </a:ext>
-            </a:extLst>
-          </p:cNvPr>
-          <p:cNvSpPr/>
-          <p:nvPr/>
-        </p:nvSpPr>
-        <p:spPr>
-          <a:xfrm>
-            <a:off x="2524334" y="745489"/>
-            <a:ext cx="6378365" cy="400110"/>
-          </a:xfrm>
-          <a:prstGeom prst="rect">
-            <a:avLst/>
-          </a:prstGeom>
-        </p:spPr>
-        <p:txBody>
-          <a:bodyPr wrap="square">
-            <a:spAutoFit/>
-          </a:bodyPr>
-          <a:lstStyle/>
-          <a:p>
-            <a:pPr marL="12700" marR="12700">
-              <a:lnSpc>
-                <a:spcPct val="100099"/>
-              </a:lnSpc>
-            </a:pPr>
-            <a:r>
-              <a:rPr lang="es-MX" sz="2000" b="1" dirty="0">
-                <a:solidFill>
-                  <a:schemeClr val="bg1"/>
-                </a:solidFill>
-                <a:cs typeface="Calibri"/>
-              </a:rPr>
-              <a:t>Gráfico 1. Agrega una escala de tiempo por Fecha factura</a:t>
-            </a:r>
-          </a:p>
-        </p:txBody>
-      </p:sp>
-      <p:pic>
-        <p:nvPicPr>
-          <p:cNvPr id="16" name="Imagen 15">
-            <a:extLst>
-              <a:ext uri="{FF2B5EF4-FFF2-40B4-BE49-F238E27FC236}">
-                <a16:creationId xmlns:a16="http://schemas.microsoft.com/office/drawing/2014/main" id="{BB94A30F-731F-4265-BD53-0842B12CD402}"/>
-              </a:ext>
-            </a:extLst>
-          </p:cNvPr>
-          <p:cNvPicPr>
-            <a:picLocks noChangeAspect="1"/>
-          </p:cNvPicPr>
-          <p:nvPr/>
-        </p:nvPicPr>
-        <p:blipFill>
-          <a:blip r:embed="rId5"/>
-          <a:stretch>
-            <a:fillRect/>
-          </a:stretch>
-        </p:blipFill>
-        <p:spPr>
-          <a:xfrm>
-            <a:off x="-101008" y="2749043"/>
-            <a:ext cx="9245008" cy="2394457"/>
-          </a:xfrm>
-          <a:prstGeom prst="rect">
-            <a:avLst/>
-          </a:prstGeom>
-        </p:spPr>
-      </p:pic>
-    </p:spTree>
-    <p:extLst>
-      <p:ext uri="{BB962C8B-B14F-4D97-AF65-F5344CB8AC3E}">
-        <p14:creationId xmlns:p14="http://schemas.microsoft.com/office/powerpoint/2010/main" val="888261025"/>
-      </p:ext>
-    </p:extLst>
-  </p:cSld>
-  <p:clrMapOvr>
-    <a:masterClrMapping/>
-  </p:clrMapOvr>
-</p:sld>
-</file>
-
-<file path=ppt/slides/slide21.xml><?xml version="1.0" encoding="utf-8"?>
-<p:sld xmlns:a="http://schemas.openxmlformats.org/drawingml/2006/main" xmlns:r="http://schemas.openxmlformats.org/officeDocument/2006/relationships" xmlns:p="http://schemas.openxmlformats.org/presentationml/2006/main">
-  <p:cSld>
-    <p:spTree>
-      <p:nvGrpSpPr>
-        <p:cNvPr id="1" name=""/>
-        <p:cNvGrpSpPr/>
-        <p:nvPr/>
-      </p:nvGrpSpPr>
-      <p:grpSpPr>
-        <a:xfrm>
-          <a:off x="0" y="0"/>
-          <a:ext cx="0" cy="0"/>
-          <a:chOff x="0" y="0"/>
-          <a:chExt cx="0" cy="0"/>
-        </a:xfrm>
-      </p:grpSpPr>
-      <p:sp>
-        <p:nvSpPr>
-          <p:cNvPr id="2" name="object 2"/>
-          <p:cNvSpPr/>
-          <p:nvPr/>
-        </p:nvSpPr>
-        <p:spPr>
-          <a:xfrm>
-            <a:off x="8219440" y="4122420"/>
-            <a:ext cx="683259" cy="591820"/>
-          </a:xfrm>
-          <a:prstGeom prst="rect">
-            <a:avLst/>
-          </a:prstGeom>
-          <a:blipFill>
-            <a:blip r:embed="rId3" cstate="print"/>
-            <a:stretch>
-              <a:fillRect/>
-            </a:stretch>
-          </a:blipFill>
-        </p:spPr>
-        <p:txBody>
-          <a:bodyPr wrap="square" lIns="0" tIns="0" rIns="0" bIns="0" rtlCol="0">
-            <a:noAutofit/>
-          </a:bodyPr>
-          <a:lstStyle/>
-          <a:p>
-            <a:endParaRPr/>
-          </a:p>
-        </p:txBody>
-      </p:sp>
-      <p:sp>
-        <p:nvSpPr>
-          <p:cNvPr id="3" name="object 3"/>
-          <p:cNvSpPr/>
-          <p:nvPr/>
-        </p:nvSpPr>
-        <p:spPr>
-          <a:xfrm>
-            <a:off x="314959" y="177800"/>
-            <a:ext cx="1089660" cy="944879"/>
-          </a:xfrm>
-          <a:prstGeom prst="rect">
-            <a:avLst/>
-          </a:prstGeom>
-          <a:blipFill>
-            <a:blip r:embed="rId4" cstate="print"/>
-            <a:stretch>
-              <a:fillRect/>
-            </a:stretch>
-          </a:blipFill>
-        </p:spPr>
-        <p:txBody>
-          <a:bodyPr wrap="square" lIns="0" tIns="0" rIns="0" bIns="0" rtlCol="0">
-            <a:noAutofit/>
-          </a:bodyPr>
-          <a:lstStyle/>
-          <a:p>
-            <a:endParaRPr/>
-          </a:p>
-        </p:txBody>
-      </p:sp>
-      <p:sp>
-        <p:nvSpPr>
-          <p:cNvPr id="4" name="object 4"/>
-          <p:cNvSpPr/>
-          <p:nvPr/>
-        </p:nvSpPr>
-        <p:spPr>
-          <a:xfrm>
-            <a:off x="0" y="848360"/>
-            <a:ext cx="551180" cy="584200"/>
-          </a:xfrm>
-          <a:custGeom>
-            <a:avLst/>
-            <a:gdLst/>
-            <a:ahLst/>
-            <a:cxnLst/>
-            <a:rect l="l" t="t" r="r" b="b"/>
-            <a:pathLst>
-              <a:path w="551180" h="584200">
-                <a:moveTo>
-                  <a:pt x="0" y="509096"/>
-                </a:moveTo>
-                <a:lnTo>
-                  <a:pt x="43075" y="584200"/>
-                </a:lnTo>
-                <a:lnTo>
-                  <a:pt x="383641" y="584200"/>
-                </a:lnTo>
-                <a:lnTo>
-                  <a:pt x="551180" y="292100"/>
-                </a:lnTo>
-                <a:lnTo>
-                  <a:pt x="383641" y="0"/>
-                </a:lnTo>
-                <a:lnTo>
-                  <a:pt x="43075" y="0"/>
-                </a:lnTo>
-                <a:lnTo>
-                  <a:pt x="0" y="75103"/>
-                </a:lnTo>
-              </a:path>
-            </a:pathLst>
-          </a:custGeom>
-          <a:ln w="10160">
-            <a:solidFill>
-              <a:srgbClr val="18BAD4"/>
-            </a:solidFill>
-          </a:ln>
-        </p:spPr>
-        <p:txBody>
-          <a:bodyPr wrap="square" lIns="0" tIns="0" rIns="0" bIns="0" rtlCol="0">
-            <a:noAutofit/>
-          </a:bodyPr>
-          <a:lstStyle/>
-          <a:p>
-            <a:endParaRPr/>
-          </a:p>
-        </p:txBody>
-      </p:sp>
-      <p:sp>
-        <p:nvSpPr>
-          <p:cNvPr id="5" name="object 5"/>
-          <p:cNvSpPr/>
-          <p:nvPr/>
-        </p:nvSpPr>
-        <p:spPr>
-          <a:xfrm>
-            <a:off x="502919" y="1160780"/>
-            <a:ext cx="353060" cy="307340"/>
-          </a:xfrm>
-          <a:custGeom>
-            <a:avLst/>
-            <a:gdLst/>
-            <a:ahLst/>
-            <a:cxnLst/>
-            <a:rect l="l" t="t" r="r" b="b"/>
-            <a:pathLst>
-              <a:path w="353060" h="307340">
-                <a:moveTo>
-                  <a:pt x="264922" y="0"/>
-                </a:moveTo>
-                <a:lnTo>
-                  <a:pt x="88137" y="0"/>
-                </a:lnTo>
-                <a:lnTo>
-                  <a:pt x="0" y="153670"/>
-                </a:lnTo>
-                <a:lnTo>
-                  <a:pt x="88137" y="307340"/>
-                </a:lnTo>
-                <a:lnTo>
-                  <a:pt x="264922" y="307340"/>
-                </a:lnTo>
-                <a:lnTo>
-                  <a:pt x="353060" y="153670"/>
-                </a:lnTo>
-                <a:lnTo>
-                  <a:pt x="264922" y="0"/>
-                </a:lnTo>
-                <a:close/>
-              </a:path>
-            </a:pathLst>
-          </a:custGeom>
-          <a:solidFill>
-            <a:srgbClr val="174669"/>
-          </a:solidFill>
-        </p:spPr>
-        <p:txBody>
-          <a:bodyPr wrap="square" lIns="0" tIns="0" rIns="0" bIns="0" rtlCol="0">
-            <a:noAutofit/>
-          </a:bodyPr>
-          <a:lstStyle/>
-          <a:p>
-            <a:endParaRPr/>
-          </a:p>
-        </p:txBody>
-      </p:sp>
-      <p:sp>
-        <p:nvSpPr>
-          <p:cNvPr id="6" name="object 6"/>
-          <p:cNvSpPr/>
-          <p:nvPr/>
-        </p:nvSpPr>
-        <p:spPr>
-          <a:xfrm>
-            <a:off x="1209039" y="0"/>
-            <a:ext cx="673099" cy="452120"/>
-          </a:xfrm>
-          <a:custGeom>
-            <a:avLst/>
-            <a:gdLst/>
-            <a:ahLst/>
-            <a:cxnLst/>
-            <a:rect l="l" t="t" r="r" b="b"/>
-            <a:pathLst>
-              <a:path w="673100" h="452120">
-                <a:moveTo>
-                  <a:pt x="0" y="160020"/>
-                </a:moveTo>
-                <a:lnTo>
-                  <a:pt x="167512" y="452120"/>
-                </a:lnTo>
-                <a:lnTo>
-                  <a:pt x="505586" y="452120"/>
-                </a:lnTo>
-                <a:lnTo>
-                  <a:pt x="673099" y="160020"/>
-                </a:lnTo>
-                <a:lnTo>
-                  <a:pt x="581332" y="0"/>
-                </a:lnTo>
-              </a:path>
-            </a:pathLst>
-          </a:custGeom>
-          <a:ln w="76200">
-            <a:solidFill>
-              <a:srgbClr val="174669"/>
-            </a:solidFill>
-          </a:ln>
-        </p:spPr>
-        <p:txBody>
-          <a:bodyPr wrap="square" lIns="0" tIns="0" rIns="0" bIns="0" rtlCol="0">
-            <a:noAutofit/>
-          </a:bodyPr>
-          <a:lstStyle/>
-          <a:p>
-            <a:endParaRPr/>
-          </a:p>
-        </p:txBody>
-      </p:sp>
-      <p:sp>
-        <p:nvSpPr>
-          <p:cNvPr id="7" name="object 7"/>
-          <p:cNvSpPr/>
-          <p:nvPr/>
-        </p:nvSpPr>
-        <p:spPr>
-          <a:xfrm>
-            <a:off x="1209039" y="0"/>
-            <a:ext cx="91767" cy="160020"/>
-          </a:xfrm>
-          <a:custGeom>
-            <a:avLst/>
-            <a:gdLst/>
-            <a:ahLst/>
-            <a:cxnLst/>
-            <a:rect l="l" t="t" r="r" b="b"/>
-            <a:pathLst>
-              <a:path w="91767" h="160020">
-                <a:moveTo>
-                  <a:pt x="91767" y="0"/>
-                </a:moveTo>
-                <a:lnTo>
-                  <a:pt x="0" y="160020"/>
-                </a:lnTo>
-              </a:path>
-            </a:pathLst>
-          </a:custGeom>
-          <a:ln w="76200">
-            <a:solidFill>
-              <a:srgbClr val="174669"/>
-            </a:solidFill>
-          </a:ln>
-        </p:spPr>
-        <p:txBody>
-          <a:bodyPr wrap="square" lIns="0" tIns="0" rIns="0" bIns="0" rtlCol="0">
-            <a:noAutofit/>
-          </a:bodyPr>
-          <a:lstStyle/>
-          <a:p>
-            <a:endParaRPr/>
-          </a:p>
-        </p:txBody>
-      </p:sp>
-      <p:sp>
-        <p:nvSpPr>
-          <p:cNvPr id="8" name="object 8"/>
-          <p:cNvSpPr/>
-          <p:nvPr/>
-        </p:nvSpPr>
-        <p:spPr>
-          <a:xfrm>
-            <a:off x="248920" y="50800"/>
-            <a:ext cx="294639" cy="254000"/>
-          </a:xfrm>
-          <a:custGeom>
-            <a:avLst/>
-            <a:gdLst/>
-            <a:ahLst/>
-            <a:cxnLst/>
-            <a:rect l="l" t="t" r="r" b="b"/>
-            <a:pathLst>
-              <a:path w="294639" h="254000">
-                <a:moveTo>
-                  <a:pt x="221792" y="0"/>
-                </a:moveTo>
-                <a:lnTo>
-                  <a:pt x="72847" y="0"/>
-                </a:lnTo>
-                <a:lnTo>
-                  <a:pt x="0" y="127000"/>
-                </a:lnTo>
-                <a:lnTo>
-                  <a:pt x="72847" y="254000"/>
-                </a:lnTo>
-                <a:lnTo>
-                  <a:pt x="221792" y="254000"/>
-                </a:lnTo>
-                <a:lnTo>
-                  <a:pt x="294639" y="127000"/>
-                </a:lnTo>
-                <a:lnTo>
-                  <a:pt x="221792" y="0"/>
-                </a:lnTo>
-                <a:close/>
-              </a:path>
-            </a:pathLst>
-          </a:custGeom>
-          <a:solidFill>
-            <a:srgbClr val="00E0C5"/>
-          </a:solidFill>
-        </p:spPr>
-        <p:txBody>
-          <a:bodyPr wrap="square" lIns="0" tIns="0" rIns="0" bIns="0" rtlCol="0">
-            <a:noAutofit/>
-          </a:bodyPr>
-          <a:lstStyle/>
-          <a:p>
-            <a:endParaRPr/>
-          </a:p>
-        </p:txBody>
-      </p:sp>
-      <p:sp>
-        <p:nvSpPr>
-          <p:cNvPr id="9" name="object 9"/>
-          <p:cNvSpPr/>
-          <p:nvPr/>
-        </p:nvSpPr>
-        <p:spPr>
-          <a:xfrm>
-            <a:off x="8763000" y="4720590"/>
-            <a:ext cx="381000" cy="234949"/>
-          </a:xfrm>
-          <a:custGeom>
-            <a:avLst/>
-            <a:gdLst/>
-            <a:ahLst/>
-            <a:cxnLst/>
-            <a:rect l="l" t="t" r="r" b="b"/>
-            <a:pathLst>
-              <a:path w="381000" h="234950">
-                <a:moveTo>
-                  <a:pt x="0" y="0"/>
-                </a:moveTo>
-                <a:lnTo>
-                  <a:pt x="134747" y="234950"/>
-                </a:lnTo>
-                <a:lnTo>
-                  <a:pt x="381000" y="234950"/>
-                </a:lnTo>
-              </a:path>
-            </a:pathLst>
-          </a:custGeom>
-          <a:ln w="10160">
-            <a:solidFill>
-              <a:srgbClr val="174669"/>
-            </a:solidFill>
-          </a:ln>
-        </p:spPr>
-        <p:txBody>
-          <a:bodyPr wrap="square" lIns="0" tIns="0" rIns="0" bIns="0" rtlCol="0">
-            <a:noAutofit/>
-          </a:bodyPr>
-          <a:lstStyle/>
-          <a:p>
-            <a:endParaRPr/>
-          </a:p>
-        </p:txBody>
-      </p:sp>
-      <p:sp>
-        <p:nvSpPr>
-          <p:cNvPr id="10" name="object 10"/>
-          <p:cNvSpPr/>
-          <p:nvPr/>
-        </p:nvSpPr>
-        <p:spPr>
-          <a:xfrm>
-            <a:off x="8763000" y="4485640"/>
-            <a:ext cx="381000" cy="234950"/>
-          </a:xfrm>
-          <a:custGeom>
-            <a:avLst/>
-            <a:gdLst/>
-            <a:ahLst/>
-            <a:cxnLst/>
-            <a:rect l="l" t="t" r="r" b="b"/>
-            <a:pathLst>
-              <a:path w="381000" h="234950">
-                <a:moveTo>
-                  <a:pt x="381000" y="0"/>
-                </a:moveTo>
-                <a:lnTo>
-                  <a:pt x="134747" y="0"/>
-                </a:lnTo>
-                <a:lnTo>
-                  <a:pt x="0" y="234950"/>
-                </a:lnTo>
-              </a:path>
-            </a:pathLst>
-          </a:custGeom>
-          <a:ln w="10160">
-            <a:solidFill>
-              <a:srgbClr val="174669"/>
-            </a:solidFill>
-          </a:ln>
-        </p:spPr>
-        <p:txBody>
-          <a:bodyPr wrap="square" lIns="0" tIns="0" rIns="0" bIns="0" rtlCol="0">
-            <a:noAutofit/>
-          </a:bodyPr>
-          <a:lstStyle/>
-          <a:p>
-            <a:endParaRPr/>
-          </a:p>
-        </p:txBody>
-      </p:sp>
-      <p:sp>
-        <p:nvSpPr>
-          <p:cNvPr id="11" name="object 11"/>
-          <p:cNvSpPr/>
-          <p:nvPr/>
-        </p:nvSpPr>
-        <p:spPr>
-          <a:xfrm>
-            <a:off x="8524240" y="4742179"/>
-            <a:ext cx="284479" cy="243840"/>
-          </a:xfrm>
-          <a:custGeom>
-            <a:avLst/>
-            <a:gdLst/>
-            <a:ahLst/>
-            <a:cxnLst/>
-            <a:rect l="l" t="t" r="r" b="b"/>
-            <a:pathLst>
-              <a:path w="284479" h="243839">
-                <a:moveTo>
-                  <a:pt x="214502" y="0"/>
-                </a:moveTo>
-                <a:lnTo>
-                  <a:pt x="69976" y="0"/>
-                </a:lnTo>
-                <a:lnTo>
-                  <a:pt x="0" y="121920"/>
-                </a:lnTo>
-                <a:lnTo>
-                  <a:pt x="69976" y="243840"/>
-                </a:lnTo>
-                <a:lnTo>
-                  <a:pt x="214502" y="243840"/>
-                </a:lnTo>
-                <a:lnTo>
-                  <a:pt x="284479" y="121920"/>
-                </a:lnTo>
-                <a:lnTo>
-                  <a:pt x="214502" y="0"/>
-                </a:lnTo>
-                <a:close/>
-              </a:path>
-            </a:pathLst>
-          </a:custGeom>
-          <a:solidFill>
-            <a:srgbClr val="3192E0"/>
-          </a:solidFill>
-        </p:spPr>
-        <p:txBody>
-          <a:bodyPr wrap="square" lIns="0" tIns="0" rIns="0" bIns="0" rtlCol="0">
-            <a:noAutofit/>
-          </a:bodyPr>
-          <a:lstStyle/>
-          <a:p>
-            <a:endParaRPr/>
-          </a:p>
-        </p:txBody>
-      </p:sp>
-      <p:sp>
-        <p:nvSpPr>
-          <p:cNvPr id="12" name="object 12"/>
-          <p:cNvSpPr/>
-          <p:nvPr/>
-        </p:nvSpPr>
-        <p:spPr>
-          <a:xfrm>
-            <a:off x="8323580" y="3627120"/>
-            <a:ext cx="541020" cy="469900"/>
-          </a:xfrm>
-          <a:custGeom>
-            <a:avLst/>
-            <a:gdLst/>
-            <a:ahLst/>
-            <a:cxnLst/>
-            <a:rect l="l" t="t" r="r" b="b"/>
-            <a:pathLst>
-              <a:path w="541020" h="469900">
-                <a:moveTo>
-                  <a:pt x="406273" y="0"/>
-                </a:moveTo>
-                <a:lnTo>
-                  <a:pt x="134747" y="0"/>
-                </a:lnTo>
-                <a:lnTo>
-                  <a:pt x="0" y="234949"/>
-                </a:lnTo>
-                <a:lnTo>
-                  <a:pt x="134747" y="469899"/>
-                </a:lnTo>
-                <a:lnTo>
-                  <a:pt x="406273" y="469899"/>
-                </a:lnTo>
-                <a:lnTo>
-                  <a:pt x="541020" y="234949"/>
-                </a:lnTo>
-                <a:lnTo>
-                  <a:pt x="406273" y="0"/>
-                </a:lnTo>
-                <a:close/>
-              </a:path>
-            </a:pathLst>
-          </a:custGeom>
-          <a:solidFill>
-            <a:srgbClr val="174669"/>
-          </a:solidFill>
-        </p:spPr>
-        <p:txBody>
-          <a:bodyPr wrap="square" lIns="0" tIns="0" rIns="0" bIns="0" rtlCol="0">
-            <a:noAutofit/>
-          </a:bodyPr>
-          <a:lstStyle/>
-          <a:p>
-            <a:endParaRPr/>
-          </a:p>
-        </p:txBody>
-      </p:sp>
-      <p:sp>
-        <p:nvSpPr>
-          <p:cNvPr id="13" name="object 13"/>
-          <p:cNvSpPr/>
-          <p:nvPr/>
-        </p:nvSpPr>
-        <p:spPr>
-          <a:xfrm>
-            <a:off x="8763000" y="4010659"/>
-            <a:ext cx="238759" cy="205740"/>
-          </a:xfrm>
-          <a:custGeom>
-            <a:avLst/>
-            <a:gdLst/>
-            <a:ahLst/>
-            <a:cxnLst/>
-            <a:rect l="l" t="t" r="r" b="b"/>
-            <a:pathLst>
-              <a:path w="238759" h="205739">
-                <a:moveTo>
-                  <a:pt x="0" y="102869"/>
-                </a:moveTo>
-                <a:lnTo>
-                  <a:pt x="59054" y="205739"/>
-                </a:lnTo>
-                <a:lnTo>
-                  <a:pt x="179704" y="205739"/>
-                </a:lnTo>
-                <a:lnTo>
-                  <a:pt x="238759" y="102869"/>
-                </a:lnTo>
-                <a:lnTo>
-                  <a:pt x="179704" y="0"/>
-                </a:lnTo>
-                <a:lnTo>
-                  <a:pt x="59054" y="0"/>
-                </a:lnTo>
-                <a:lnTo>
-                  <a:pt x="0" y="102869"/>
-                </a:lnTo>
-                <a:close/>
-              </a:path>
-            </a:pathLst>
-          </a:custGeom>
-          <a:ln w="20320">
-            <a:solidFill>
-              <a:srgbClr val="00E0C5"/>
-            </a:solidFill>
-          </a:ln>
-        </p:spPr>
-        <p:txBody>
-          <a:bodyPr wrap="square" lIns="0" tIns="0" rIns="0" bIns="0" rtlCol="0">
-            <a:noAutofit/>
-          </a:bodyPr>
-          <a:lstStyle/>
-          <a:p>
-            <a:endParaRPr/>
-          </a:p>
-        </p:txBody>
-      </p:sp>
-      <p:sp>
-        <p:nvSpPr>
-          <p:cNvPr id="20" name="object 20"/>
-          <p:cNvSpPr txBox="1"/>
-          <p:nvPr/>
-        </p:nvSpPr>
-        <p:spPr>
-          <a:xfrm>
-            <a:off x="92392" y="4869179"/>
-            <a:ext cx="102870" cy="203200"/>
-          </a:xfrm>
-          <a:prstGeom prst="rect">
-            <a:avLst/>
-          </a:prstGeom>
-        </p:spPr>
-        <p:txBody>
-          <a:bodyPr vert="horz" wrap="square" lIns="0" tIns="0" rIns="0" bIns="0" rtlCol="0">
-            <a:noAutofit/>
-          </a:bodyPr>
-          <a:lstStyle/>
-          <a:p>
-            <a:pPr marL="12700">
-              <a:lnSpc>
-                <a:spcPct val="100000"/>
-              </a:lnSpc>
-            </a:pPr>
-            <a:r>
-              <a:rPr sz="1200" spc="-10" dirty="0">
-                <a:solidFill>
-                  <a:srgbClr val="18BAD4"/>
-                </a:solidFill>
-                <a:latin typeface="Calibri"/>
-                <a:cs typeface="Calibri"/>
-              </a:rPr>
-              <a:t>7</a:t>
-            </a:r>
-            <a:endParaRPr sz="1200">
-              <a:latin typeface="Calibri"/>
-              <a:cs typeface="Calibri"/>
-            </a:endParaRPr>
-          </a:p>
-        </p:txBody>
-      </p:sp>
-      <p:sp>
-        <p:nvSpPr>
-          <p:cNvPr id="23" name="object 24">
-            <a:extLst>
-              <a:ext uri="{FF2B5EF4-FFF2-40B4-BE49-F238E27FC236}">
-                <a16:creationId xmlns:a16="http://schemas.microsoft.com/office/drawing/2014/main" id="{57E5113C-484C-47AC-B35D-1AEA208100FC}"/>
-              </a:ext>
-            </a:extLst>
-          </p:cNvPr>
-          <p:cNvSpPr txBox="1"/>
-          <p:nvPr/>
-        </p:nvSpPr>
-        <p:spPr>
-          <a:xfrm>
-            <a:off x="2117219" y="592075"/>
-            <a:ext cx="4930042" cy="584200"/>
-          </a:xfrm>
-          <a:prstGeom prst="rect">
-            <a:avLst/>
-          </a:prstGeom>
-        </p:spPr>
-        <p:txBody>
-          <a:bodyPr vert="horz" wrap="square" lIns="0" tIns="0" rIns="0" bIns="0" rtlCol="0">
-            <a:noAutofit/>
-          </a:bodyPr>
-          <a:lstStyle/>
-          <a:p>
-            <a:pPr marL="12700">
-              <a:lnSpc>
-                <a:spcPct val="100000"/>
-              </a:lnSpc>
-            </a:pPr>
-            <a:r>
-              <a:rPr lang="es-MX" sz="3600" dirty="0">
-                <a:solidFill>
-                  <a:srgbClr val="18BAD4"/>
-                </a:solidFill>
-                <a:latin typeface="Calibri"/>
-                <a:cs typeface="Calibri"/>
-              </a:rPr>
-              <a:t>Actividad individual</a:t>
-            </a:r>
-            <a:endParaRPr sz="3600" dirty="0">
-              <a:latin typeface="Calibri"/>
-              <a:cs typeface="Calibri"/>
-            </a:endParaRPr>
-          </a:p>
-        </p:txBody>
-      </p:sp>
-      <p:sp>
-        <p:nvSpPr>
-          <p:cNvPr id="19" name="Rectángulo 18">
-            <a:extLst>
-              <a:ext uri="{FF2B5EF4-FFF2-40B4-BE49-F238E27FC236}">
-                <a16:creationId xmlns:a16="http://schemas.microsoft.com/office/drawing/2014/main" id="{28B00FF3-D99F-44EF-9A90-6C5417E6CF5F}"/>
-              </a:ext>
-            </a:extLst>
-          </p:cNvPr>
-          <p:cNvSpPr/>
-          <p:nvPr/>
-        </p:nvSpPr>
-        <p:spPr>
-          <a:xfrm>
-            <a:off x="1992497" y="1201675"/>
-            <a:ext cx="6313303" cy="707886"/>
-          </a:xfrm>
-          <a:prstGeom prst="rect">
-            <a:avLst/>
-          </a:prstGeom>
-        </p:spPr>
-        <p:txBody>
-          <a:bodyPr wrap="square">
-            <a:spAutoFit/>
-          </a:bodyPr>
-          <a:lstStyle/>
-          <a:p>
-            <a:pPr marL="12700" marR="12700">
-              <a:lnSpc>
-                <a:spcPct val="100099"/>
-              </a:lnSpc>
-            </a:pPr>
-            <a:r>
-              <a:rPr lang="es-MX" sz="2000" b="1" dirty="0">
-                <a:solidFill>
-                  <a:schemeClr val="bg1"/>
-                </a:solidFill>
-                <a:cs typeface="Calibri"/>
-              </a:rPr>
-              <a:t>Vincular la segmentación de datos en los dos gráficos</a:t>
-            </a:r>
-          </a:p>
-          <a:p>
-            <a:pPr marL="12700" marR="12700">
-              <a:lnSpc>
-                <a:spcPct val="100099"/>
-              </a:lnSpc>
-            </a:pPr>
-            <a:endParaRPr lang="es-MX" sz="2000" b="1" dirty="0">
-              <a:solidFill>
-                <a:schemeClr val="bg1"/>
-              </a:solidFill>
-              <a:cs typeface="Calibri"/>
-            </a:endParaRPr>
-          </a:p>
-        </p:txBody>
-      </p:sp>
-      <p:sp>
-        <p:nvSpPr>
-          <p:cNvPr id="21" name="object 15">
-            <a:extLst>
-              <a:ext uri="{FF2B5EF4-FFF2-40B4-BE49-F238E27FC236}">
-                <a16:creationId xmlns:a16="http://schemas.microsoft.com/office/drawing/2014/main" id="{A14A2384-D151-4442-85A7-15A9B85D8B16}"/>
-              </a:ext>
-            </a:extLst>
-          </p:cNvPr>
-          <p:cNvSpPr txBox="1"/>
-          <p:nvPr/>
-        </p:nvSpPr>
-        <p:spPr>
-          <a:xfrm>
-            <a:off x="2065158" y="1930022"/>
-            <a:ext cx="5781467" cy="1789175"/>
-          </a:xfrm>
-          <a:prstGeom prst="rect">
-            <a:avLst/>
-          </a:prstGeom>
-        </p:spPr>
-        <p:txBody>
-          <a:bodyPr vert="horz" wrap="square" lIns="0" tIns="0" rIns="0" bIns="0" rtlCol="0">
-            <a:noAutofit/>
-          </a:bodyPr>
-          <a:lstStyle/>
-          <a:p>
-            <a:pPr marL="354965" marR="12700" indent="-342900" algn="just">
-              <a:buFont typeface="+mj-lt"/>
-              <a:buAutoNum type="arabicPeriod"/>
-              <a:tabLst>
-                <a:tab pos="330200" algn="l"/>
-                <a:tab pos="1106488" algn="l"/>
-                <a:tab pos="1438275" algn="l"/>
-                <a:tab pos="1790700" algn="l"/>
-              </a:tabLst>
-            </a:pPr>
-            <a:r>
-              <a:rPr lang="es-MX" sz="1600" spc="5" dirty="0">
-                <a:solidFill>
-                  <a:srgbClr val="C5DAEB"/>
-                </a:solidFill>
-                <a:cs typeface="Calibri"/>
-              </a:rPr>
-              <a:t>Seleccionar la segmentación de datos de </a:t>
-            </a:r>
-            <a:r>
-              <a:rPr lang="es-MX" sz="1600" b="1" spc="5" dirty="0">
-                <a:solidFill>
-                  <a:srgbClr val="FFC000"/>
-                </a:solidFill>
-                <a:cs typeface="Calibri"/>
-              </a:rPr>
-              <a:t>Fecha Factura</a:t>
-            </a:r>
-            <a:r>
-              <a:rPr lang="es-MX" sz="1600" spc="5" dirty="0">
-                <a:solidFill>
-                  <a:srgbClr val="C5DAEB"/>
-                </a:solidFill>
-                <a:cs typeface="Calibri"/>
-              </a:rPr>
-              <a:t>.</a:t>
-            </a:r>
-          </a:p>
-          <a:p>
-            <a:pPr marL="342900" indent="-342900">
-              <a:lnSpc>
-                <a:spcPts val="600"/>
-              </a:lnSpc>
-              <a:buFont typeface="+mj-lt"/>
-              <a:buAutoNum type="arabicPeriod"/>
-              <a:tabLst>
-                <a:tab pos="330200" algn="l"/>
-                <a:tab pos="1106488" algn="l"/>
-                <a:tab pos="1438275" algn="l"/>
-              </a:tabLst>
-            </a:pPr>
-            <a:endParaRPr lang="es-MX" sz="1600" dirty="0"/>
-          </a:p>
-          <a:p>
-            <a:pPr marL="354965" marR="12700" indent="-342900" algn="just">
-              <a:lnSpc>
-                <a:spcPct val="100000"/>
-              </a:lnSpc>
-              <a:buFont typeface="+mj-lt"/>
-              <a:buAutoNum type="arabicPeriod"/>
-              <a:tabLst>
-                <a:tab pos="330200" algn="l"/>
-                <a:tab pos="1106488" algn="l"/>
-                <a:tab pos="1438275" algn="l"/>
-                <a:tab pos="1790700" algn="l"/>
-              </a:tabLst>
-            </a:pPr>
-            <a:r>
-              <a:rPr lang="es-MX" sz="1600" spc="5" dirty="0">
-                <a:solidFill>
-                  <a:srgbClr val="C5DAEB"/>
-                </a:solidFill>
-                <a:cs typeface="Calibri"/>
-              </a:rPr>
-              <a:t>D</a:t>
-            </a:r>
-            <a:r>
-              <a:rPr lang="es-MX" sz="1600" dirty="0">
-                <a:solidFill>
-                  <a:srgbClr val="C5DAEB"/>
-                </a:solidFill>
-                <a:cs typeface="Calibri"/>
-              </a:rPr>
-              <a:t>ar</a:t>
-            </a:r>
-            <a:r>
-              <a:rPr lang="es-MX" sz="1600" spc="130" dirty="0">
-                <a:solidFill>
-                  <a:srgbClr val="C5DAEB"/>
-                </a:solidFill>
-                <a:cs typeface="Calibri"/>
-              </a:rPr>
-              <a:t> </a:t>
-            </a:r>
-            <a:r>
-              <a:rPr lang="es-MX" sz="1600" spc="-10" dirty="0">
-                <a:solidFill>
-                  <a:srgbClr val="C5DAEB"/>
-                </a:solidFill>
-                <a:cs typeface="Calibri"/>
-              </a:rPr>
-              <a:t>c</a:t>
-            </a:r>
-            <a:r>
-              <a:rPr lang="es-MX" sz="1600" dirty="0">
-                <a:solidFill>
-                  <a:srgbClr val="C5DAEB"/>
-                </a:solidFill>
-                <a:cs typeface="Calibri"/>
-              </a:rPr>
-              <a:t>lic</a:t>
-            </a:r>
-            <a:r>
-              <a:rPr lang="es-MX" sz="1600" spc="100" dirty="0">
-                <a:solidFill>
-                  <a:srgbClr val="C5DAEB"/>
-                </a:solidFill>
-                <a:cs typeface="Calibri"/>
-              </a:rPr>
-              <a:t> </a:t>
-            </a:r>
-            <a:r>
-              <a:rPr lang="es-MX" sz="1600" spc="5" dirty="0">
-                <a:solidFill>
-                  <a:srgbClr val="C5DAEB"/>
-                </a:solidFill>
-                <a:cs typeface="Calibri"/>
-              </a:rPr>
-              <a:t>d</a:t>
-            </a:r>
-            <a:r>
-              <a:rPr lang="es-MX" sz="1600" dirty="0">
-                <a:solidFill>
-                  <a:srgbClr val="C5DAEB"/>
-                </a:solidFill>
-                <a:cs typeface="Calibri"/>
-              </a:rPr>
-              <a:t>er</a:t>
-            </a:r>
-            <a:r>
-              <a:rPr lang="es-MX" sz="1600" spc="5" dirty="0">
-                <a:solidFill>
-                  <a:srgbClr val="C5DAEB"/>
-                </a:solidFill>
-                <a:cs typeface="Calibri"/>
-              </a:rPr>
-              <a:t>e</a:t>
-            </a:r>
-            <a:r>
-              <a:rPr lang="es-MX" sz="1600" spc="-10" dirty="0">
-                <a:solidFill>
-                  <a:srgbClr val="C5DAEB"/>
-                </a:solidFill>
-                <a:cs typeface="Calibri"/>
-              </a:rPr>
-              <a:t>c</a:t>
-            </a:r>
-            <a:r>
-              <a:rPr lang="es-MX" sz="1600" spc="5" dirty="0">
-                <a:solidFill>
-                  <a:srgbClr val="C5DAEB"/>
-                </a:solidFill>
-                <a:cs typeface="Calibri"/>
-              </a:rPr>
-              <a:t>h</a:t>
-            </a:r>
-            <a:r>
-              <a:rPr lang="es-MX" sz="1600" dirty="0">
-                <a:solidFill>
-                  <a:srgbClr val="C5DAEB"/>
-                </a:solidFill>
-                <a:cs typeface="Calibri"/>
-              </a:rPr>
-              <a:t>o</a:t>
-            </a:r>
-            <a:r>
-              <a:rPr lang="es-MX" sz="1600" spc="120" dirty="0">
-                <a:solidFill>
-                  <a:srgbClr val="C5DAEB"/>
-                </a:solidFill>
-                <a:cs typeface="Calibri"/>
-              </a:rPr>
-              <a:t> </a:t>
-            </a:r>
-            <a:r>
-              <a:rPr lang="es-MX" sz="1600" b="1" spc="-10" dirty="0">
-                <a:solidFill>
-                  <a:srgbClr val="FFC000"/>
-                </a:solidFill>
-                <a:cs typeface="Calibri"/>
-              </a:rPr>
-              <a:t>C</a:t>
-            </a:r>
-            <a:r>
-              <a:rPr lang="es-MX" sz="1600" b="1" dirty="0">
-                <a:solidFill>
-                  <a:srgbClr val="FFC000"/>
-                </a:solidFill>
-                <a:cs typeface="Calibri"/>
-              </a:rPr>
-              <a:t>o</a:t>
-            </a:r>
-            <a:r>
-              <a:rPr lang="es-MX" sz="1600" b="1" spc="10" dirty="0">
-                <a:solidFill>
-                  <a:srgbClr val="FFC000"/>
-                </a:solidFill>
-                <a:cs typeface="Calibri"/>
-              </a:rPr>
-              <a:t>n</a:t>
-            </a:r>
-            <a:r>
-              <a:rPr lang="es-MX" sz="1600" b="1" dirty="0">
-                <a:solidFill>
-                  <a:srgbClr val="FFC000"/>
-                </a:solidFill>
-                <a:cs typeface="Calibri"/>
-              </a:rPr>
-              <a:t>ex</a:t>
-            </a:r>
-            <a:r>
-              <a:rPr lang="es-MX" sz="1600" b="1" spc="-25" dirty="0">
-                <a:solidFill>
-                  <a:srgbClr val="FFC000"/>
-                </a:solidFill>
-                <a:cs typeface="Calibri"/>
-              </a:rPr>
-              <a:t>i</a:t>
-            </a:r>
-            <a:r>
-              <a:rPr lang="es-MX" sz="1600" b="1" spc="-20" dirty="0">
-                <a:solidFill>
-                  <a:srgbClr val="FFC000"/>
-                </a:solidFill>
-                <a:cs typeface="Calibri"/>
-              </a:rPr>
-              <a:t>o</a:t>
-            </a:r>
-            <a:r>
-              <a:rPr lang="es-MX" sz="1600" b="1" spc="5" dirty="0">
-                <a:solidFill>
-                  <a:srgbClr val="FFC000"/>
-                </a:solidFill>
-                <a:cs typeface="Calibri"/>
-              </a:rPr>
-              <a:t>n</a:t>
-            </a:r>
-            <a:r>
-              <a:rPr lang="es-MX" sz="1600" b="1" dirty="0">
-                <a:solidFill>
-                  <a:srgbClr val="FFC000"/>
-                </a:solidFill>
-                <a:cs typeface="Calibri"/>
-              </a:rPr>
-              <a:t>es</a:t>
-            </a:r>
-            <a:r>
-              <a:rPr lang="es-MX" sz="1600" b="1" spc="135" dirty="0">
-                <a:solidFill>
-                  <a:srgbClr val="FFC000"/>
-                </a:solidFill>
-                <a:cs typeface="Calibri"/>
-              </a:rPr>
-              <a:t> </a:t>
-            </a:r>
-            <a:r>
-              <a:rPr lang="es-MX" sz="1600" b="1" spc="5" dirty="0">
-                <a:solidFill>
-                  <a:srgbClr val="FFC000"/>
-                </a:solidFill>
-                <a:cs typeface="Calibri"/>
-              </a:rPr>
-              <a:t>d</a:t>
-            </a:r>
-            <a:r>
-              <a:rPr lang="es-MX" sz="1600" b="1" dirty="0">
-                <a:solidFill>
-                  <a:srgbClr val="FFC000"/>
-                </a:solidFill>
-                <a:cs typeface="Calibri"/>
-              </a:rPr>
-              <a:t>e</a:t>
-            </a:r>
-            <a:r>
-              <a:rPr lang="es-MX" sz="1600" b="1" spc="110" dirty="0">
-                <a:solidFill>
-                  <a:srgbClr val="FFC000"/>
-                </a:solidFill>
-                <a:cs typeface="Calibri"/>
-              </a:rPr>
-              <a:t> </a:t>
-            </a:r>
-            <a:r>
-              <a:rPr lang="es-MX" sz="1600" b="1" spc="-20" dirty="0">
-                <a:solidFill>
-                  <a:srgbClr val="FFC000"/>
-                </a:solidFill>
-                <a:cs typeface="Calibri"/>
-              </a:rPr>
-              <a:t>i</a:t>
-            </a:r>
-            <a:r>
-              <a:rPr lang="es-MX" sz="1600" b="1" spc="5" dirty="0">
-                <a:solidFill>
-                  <a:srgbClr val="FFC000"/>
-                </a:solidFill>
-                <a:cs typeface="Calibri"/>
-              </a:rPr>
-              <a:t>n</a:t>
-            </a:r>
-            <a:r>
-              <a:rPr lang="es-MX" sz="1600" b="1" spc="-15" dirty="0">
-                <a:solidFill>
-                  <a:srgbClr val="FFC000"/>
-                </a:solidFill>
-                <a:cs typeface="Calibri"/>
-              </a:rPr>
-              <a:t>f</a:t>
-            </a:r>
-            <a:r>
-              <a:rPr lang="es-MX" sz="1600" b="1" dirty="0">
-                <a:solidFill>
-                  <a:srgbClr val="FFC000"/>
-                </a:solidFill>
-                <a:cs typeface="Calibri"/>
-              </a:rPr>
-              <a:t>orm</a:t>
-            </a:r>
-            <a:r>
-              <a:rPr lang="es-MX" sz="1600" b="1" spc="5" dirty="0">
-                <a:solidFill>
-                  <a:srgbClr val="FFC000"/>
-                </a:solidFill>
-                <a:cs typeface="Calibri"/>
-              </a:rPr>
-              <a:t>e</a:t>
-            </a:r>
-            <a:r>
-              <a:rPr lang="es-MX" sz="1600" b="1" dirty="0">
-                <a:solidFill>
-                  <a:srgbClr val="FFC000"/>
-                </a:solidFill>
-                <a:cs typeface="Calibri"/>
-              </a:rPr>
-              <a:t>s</a:t>
-            </a:r>
-            <a:r>
-              <a:rPr lang="es-MX" sz="1600" b="1" dirty="0">
-                <a:solidFill>
-                  <a:srgbClr val="C5DAEB"/>
-                </a:solidFill>
-                <a:cs typeface="Calibri"/>
-              </a:rPr>
-              <a:t> </a:t>
-            </a:r>
-            <a:r>
-              <a:rPr lang="es-MX" sz="1600" spc="-10" dirty="0">
-                <a:solidFill>
-                  <a:srgbClr val="C5DAEB"/>
-                </a:solidFill>
-                <a:cs typeface="Calibri"/>
-              </a:rPr>
-              <a:t>y sel</a:t>
-            </a:r>
-            <a:r>
-              <a:rPr lang="es-MX" sz="1600" spc="-5" dirty="0">
-                <a:solidFill>
-                  <a:srgbClr val="C5DAEB"/>
-                </a:solidFill>
-                <a:cs typeface="Calibri"/>
-              </a:rPr>
-              <a:t>e</a:t>
-            </a:r>
-            <a:r>
-              <a:rPr lang="es-MX" sz="1600" spc="-20" dirty="0">
-                <a:solidFill>
-                  <a:srgbClr val="C5DAEB"/>
-                </a:solidFill>
-                <a:cs typeface="Calibri"/>
-              </a:rPr>
-              <a:t>cc</a:t>
-            </a:r>
-            <a:r>
-              <a:rPr lang="es-MX" sz="1600" dirty="0">
-                <a:solidFill>
-                  <a:srgbClr val="C5DAEB"/>
-                </a:solidFill>
-                <a:cs typeface="Calibri"/>
-              </a:rPr>
-              <a:t>io</a:t>
-            </a:r>
-            <a:r>
-              <a:rPr lang="es-MX" sz="1600" spc="5" dirty="0">
-                <a:solidFill>
-                  <a:srgbClr val="C5DAEB"/>
-                </a:solidFill>
-                <a:cs typeface="Calibri"/>
-              </a:rPr>
-              <a:t>n</a:t>
-            </a:r>
-            <a:r>
-              <a:rPr lang="es-MX" sz="1600" dirty="0">
-                <a:solidFill>
-                  <a:srgbClr val="C5DAEB"/>
-                </a:solidFill>
-                <a:cs typeface="Calibri"/>
-              </a:rPr>
-              <a:t>am</a:t>
-            </a:r>
-            <a:r>
-              <a:rPr lang="es-MX" sz="1600" spc="5" dirty="0">
-                <a:solidFill>
-                  <a:srgbClr val="C5DAEB"/>
-                </a:solidFill>
-                <a:cs typeface="Calibri"/>
-              </a:rPr>
-              <a:t>o</a:t>
-            </a:r>
-            <a:r>
-              <a:rPr lang="es-MX" sz="1600" dirty="0">
-                <a:solidFill>
-                  <a:srgbClr val="C5DAEB"/>
-                </a:solidFill>
-                <a:cs typeface="Calibri"/>
-              </a:rPr>
-              <a:t>s</a:t>
-            </a:r>
-            <a:r>
-              <a:rPr lang="es-MX" sz="1600" spc="60" dirty="0">
-                <a:solidFill>
-                  <a:srgbClr val="C5DAEB"/>
-                </a:solidFill>
-                <a:cs typeface="Calibri"/>
-              </a:rPr>
-              <a:t> el </a:t>
-            </a:r>
-            <a:r>
-              <a:rPr lang="es-MX" sz="1600" b="1" spc="60" dirty="0">
-                <a:solidFill>
-                  <a:schemeClr val="accent6">
-                    <a:lumMod val="75000"/>
-                  </a:schemeClr>
-                </a:solidFill>
-                <a:cs typeface="Calibri"/>
-              </a:rPr>
-              <a:t>Gráfico 1</a:t>
-            </a:r>
-            <a:r>
-              <a:rPr lang="es-MX" sz="1600" spc="60" dirty="0">
-                <a:solidFill>
-                  <a:srgbClr val="C5DAEB"/>
-                </a:solidFill>
-                <a:cs typeface="Calibri"/>
-              </a:rPr>
-              <a:t> y el </a:t>
-            </a:r>
-            <a:r>
-              <a:rPr lang="es-MX" sz="1600" b="1" spc="60" dirty="0">
-                <a:solidFill>
-                  <a:schemeClr val="accent6">
-                    <a:lumMod val="75000"/>
-                  </a:schemeClr>
-                </a:solidFill>
-                <a:cs typeface="Calibri"/>
-              </a:rPr>
-              <a:t>Gráfico 2</a:t>
-            </a:r>
-            <a:r>
-              <a:rPr lang="es-MX" sz="1600" spc="60" dirty="0">
-                <a:solidFill>
-                  <a:srgbClr val="C5DAEB"/>
-                </a:solidFill>
-                <a:cs typeface="Calibri"/>
-              </a:rPr>
-              <a:t>.</a:t>
-            </a:r>
-            <a:endParaRPr lang="es-MX" sz="1600" dirty="0">
-              <a:cs typeface="Calibri"/>
-            </a:endParaRPr>
-          </a:p>
-          <a:p>
-            <a:pPr marL="354965" marR="12700" indent="-342900" algn="just">
-              <a:buFont typeface="+mj-lt"/>
-              <a:buAutoNum type="arabicPeriod"/>
-              <a:tabLst>
-                <a:tab pos="330200" algn="l"/>
-                <a:tab pos="1106488" algn="l"/>
-                <a:tab pos="1438275" algn="l"/>
-                <a:tab pos="1790700" algn="l"/>
-              </a:tabLst>
-            </a:pPr>
-            <a:r>
-              <a:rPr sz="1600" spc="5" dirty="0" err="1">
-                <a:solidFill>
-                  <a:srgbClr val="C5DAEB"/>
-                </a:solidFill>
-                <a:cs typeface="Calibri"/>
-              </a:rPr>
-              <a:t>Seleccionar</a:t>
-            </a:r>
-            <a:r>
-              <a:rPr sz="1600" spc="5" dirty="0">
-                <a:solidFill>
-                  <a:srgbClr val="C5DAEB"/>
-                </a:solidFill>
-                <a:cs typeface="Calibri"/>
-              </a:rPr>
-              <a:t> la </a:t>
-            </a:r>
-            <a:r>
-              <a:rPr sz="1600" spc="5" dirty="0" err="1">
-                <a:solidFill>
-                  <a:srgbClr val="C5DAEB"/>
-                </a:solidFill>
-                <a:cs typeface="Calibri"/>
-              </a:rPr>
-              <a:t>segmentación</a:t>
-            </a:r>
-            <a:r>
-              <a:rPr sz="1600" spc="5" dirty="0">
-                <a:solidFill>
-                  <a:srgbClr val="C5DAEB"/>
-                </a:solidFill>
-                <a:cs typeface="Calibri"/>
-              </a:rPr>
-              <a:t> de </a:t>
-            </a:r>
-            <a:r>
-              <a:rPr sz="1600" spc="5" dirty="0" err="1">
-                <a:solidFill>
-                  <a:srgbClr val="C5DAEB"/>
-                </a:solidFill>
-                <a:cs typeface="Calibri"/>
-              </a:rPr>
-              <a:t>datos</a:t>
-            </a:r>
-            <a:r>
-              <a:rPr sz="1600" spc="5" dirty="0">
-                <a:solidFill>
-                  <a:srgbClr val="C5DAEB"/>
-                </a:solidFill>
-                <a:cs typeface="Calibri"/>
-              </a:rPr>
-              <a:t> </a:t>
-            </a:r>
-            <a:r>
-              <a:rPr lang="es-MX" sz="1600" spc="5" dirty="0">
-                <a:solidFill>
-                  <a:srgbClr val="C5DAEB"/>
-                </a:solidFill>
-                <a:cs typeface="Calibri"/>
-              </a:rPr>
-              <a:t>de </a:t>
-            </a:r>
-            <a:r>
-              <a:rPr lang="es-MX" sz="1600" b="1" spc="5" dirty="0">
-                <a:solidFill>
-                  <a:srgbClr val="FFC000"/>
-                </a:solidFill>
-                <a:cs typeface="Calibri"/>
-              </a:rPr>
-              <a:t>Estatus</a:t>
-            </a:r>
-            <a:r>
-              <a:rPr sz="1600" spc="5" dirty="0">
-                <a:solidFill>
-                  <a:srgbClr val="C5DAEB"/>
-                </a:solidFill>
-                <a:cs typeface="Calibri"/>
-              </a:rPr>
-              <a:t>.</a:t>
-            </a:r>
-          </a:p>
-          <a:p>
-            <a:pPr marL="342900" indent="-342900">
-              <a:lnSpc>
-                <a:spcPts val="600"/>
-              </a:lnSpc>
-              <a:buFont typeface="+mj-lt"/>
-              <a:buAutoNum type="arabicPeriod"/>
-              <a:tabLst>
-                <a:tab pos="330200" algn="l"/>
-                <a:tab pos="1106488" algn="l"/>
-                <a:tab pos="1438275" algn="l"/>
-              </a:tabLst>
-            </a:pPr>
-            <a:endParaRPr sz="1600" dirty="0"/>
-          </a:p>
-          <a:p>
-            <a:pPr marL="354965" marR="12700" indent="-342900" algn="just">
-              <a:lnSpc>
-                <a:spcPct val="100000"/>
-              </a:lnSpc>
-              <a:buFont typeface="+mj-lt"/>
-              <a:buAutoNum type="arabicPeriod"/>
-              <a:tabLst>
-                <a:tab pos="330200" algn="l"/>
-                <a:tab pos="1106488" algn="l"/>
-                <a:tab pos="1438275" algn="l"/>
-                <a:tab pos="1790700" algn="l"/>
-              </a:tabLst>
-            </a:pPr>
-            <a:r>
-              <a:rPr sz="1600" spc="5" dirty="0">
-                <a:solidFill>
-                  <a:srgbClr val="C5DAEB"/>
-                </a:solidFill>
-                <a:cs typeface="Calibri"/>
-              </a:rPr>
-              <a:t>D</a:t>
-            </a:r>
-            <a:r>
-              <a:rPr sz="1600" spc="0" dirty="0">
-                <a:solidFill>
-                  <a:srgbClr val="C5DAEB"/>
-                </a:solidFill>
-                <a:cs typeface="Calibri"/>
-              </a:rPr>
-              <a:t>ar</a:t>
-            </a:r>
-            <a:r>
-              <a:rPr sz="1600" spc="130" dirty="0">
-                <a:solidFill>
-                  <a:srgbClr val="C5DAEB"/>
-                </a:solidFill>
-                <a:cs typeface="Calibri"/>
-              </a:rPr>
-              <a:t> </a:t>
-            </a:r>
-            <a:r>
-              <a:rPr sz="1600" spc="-10" dirty="0">
-                <a:solidFill>
-                  <a:srgbClr val="C5DAEB"/>
-                </a:solidFill>
-                <a:cs typeface="Calibri"/>
-              </a:rPr>
-              <a:t>c</a:t>
-            </a:r>
-            <a:r>
-              <a:rPr sz="1600" spc="0" dirty="0">
-                <a:solidFill>
-                  <a:srgbClr val="C5DAEB"/>
-                </a:solidFill>
-                <a:cs typeface="Calibri"/>
-              </a:rPr>
-              <a:t>lic</a:t>
-            </a:r>
-            <a:r>
-              <a:rPr sz="1600" spc="100" dirty="0">
-                <a:solidFill>
-                  <a:srgbClr val="C5DAEB"/>
-                </a:solidFill>
-                <a:cs typeface="Calibri"/>
-              </a:rPr>
-              <a:t> </a:t>
-            </a:r>
-            <a:r>
-              <a:rPr sz="1600" spc="5" dirty="0">
-                <a:solidFill>
-                  <a:srgbClr val="C5DAEB"/>
-                </a:solidFill>
-                <a:cs typeface="Calibri"/>
-              </a:rPr>
-              <a:t>d</a:t>
-            </a:r>
-            <a:r>
-              <a:rPr sz="1600" spc="0" dirty="0">
-                <a:solidFill>
-                  <a:srgbClr val="C5DAEB"/>
-                </a:solidFill>
-                <a:cs typeface="Calibri"/>
-              </a:rPr>
-              <a:t>er</a:t>
-            </a:r>
-            <a:r>
-              <a:rPr sz="1600" spc="5" dirty="0">
-                <a:solidFill>
-                  <a:srgbClr val="C5DAEB"/>
-                </a:solidFill>
-                <a:cs typeface="Calibri"/>
-              </a:rPr>
-              <a:t>e</a:t>
-            </a:r>
-            <a:r>
-              <a:rPr sz="1600" spc="-10" dirty="0">
-                <a:solidFill>
-                  <a:srgbClr val="C5DAEB"/>
-                </a:solidFill>
-                <a:cs typeface="Calibri"/>
-              </a:rPr>
-              <a:t>c</a:t>
-            </a:r>
-            <a:r>
-              <a:rPr sz="1600" spc="5" dirty="0">
-                <a:solidFill>
-                  <a:srgbClr val="C5DAEB"/>
-                </a:solidFill>
-                <a:cs typeface="Calibri"/>
-              </a:rPr>
-              <a:t>h</a:t>
-            </a:r>
-            <a:r>
-              <a:rPr sz="1600" spc="0" dirty="0">
-                <a:solidFill>
-                  <a:srgbClr val="C5DAEB"/>
-                </a:solidFill>
-                <a:cs typeface="Calibri"/>
-              </a:rPr>
-              <a:t>o</a:t>
-            </a:r>
-            <a:r>
-              <a:rPr sz="1600" spc="120" dirty="0">
-                <a:solidFill>
-                  <a:srgbClr val="C5DAEB"/>
-                </a:solidFill>
-                <a:cs typeface="Calibri"/>
-              </a:rPr>
-              <a:t> </a:t>
-            </a:r>
-            <a:r>
-              <a:rPr lang="es-MX" sz="1600" b="1" spc="-10" dirty="0">
-                <a:solidFill>
-                  <a:srgbClr val="FFC000"/>
-                </a:solidFill>
-                <a:cs typeface="Calibri"/>
-              </a:rPr>
-              <a:t>C</a:t>
-            </a:r>
-            <a:r>
-              <a:rPr sz="1600" b="1" spc="0" dirty="0" err="1">
-                <a:solidFill>
-                  <a:srgbClr val="FFC000"/>
-                </a:solidFill>
-                <a:cs typeface="Calibri"/>
-              </a:rPr>
-              <a:t>o</a:t>
-            </a:r>
-            <a:r>
-              <a:rPr sz="1600" b="1" spc="10" dirty="0" err="1">
-                <a:solidFill>
-                  <a:srgbClr val="FFC000"/>
-                </a:solidFill>
-                <a:cs typeface="Calibri"/>
-              </a:rPr>
-              <a:t>n</a:t>
-            </a:r>
-            <a:r>
-              <a:rPr sz="1600" b="1" spc="0" dirty="0" err="1">
-                <a:solidFill>
-                  <a:srgbClr val="FFC000"/>
-                </a:solidFill>
-                <a:cs typeface="Calibri"/>
-              </a:rPr>
-              <a:t>ex</a:t>
-            </a:r>
-            <a:r>
-              <a:rPr sz="1600" b="1" spc="-25" dirty="0" err="1">
-                <a:solidFill>
-                  <a:srgbClr val="FFC000"/>
-                </a:solidFill>
-                <a:cs typeface="Calibri"/>
-              </a:rPr>
-              <a:t>i</a:t>
-            </a:r>
-            <a:r>
-              <a:rPr sz="1600" b="1" spc="-20" dirty="0" err="1">
-                <a:solidFill>
-                  <a:srgbClr val="FFC000"/>
-                </a:solidFill>
-                <a:cs typeface="Calibri"/>
-              </a:rPr>
-              <a:t>o</a:t>
-            </a:r>
-            <a:r>
-              <a:rPr sz="1600" b="1" spc="5" dirty="0" err="1">
-                <a:solidFill>
-                  <a:srgbClr val="FFC000"/>
-                </a:solidFill>
-                <a:cs typeface="Calibri"/>
-              </a:rPr>
-              <a:t>n</a:t>
-            </a:r>
-            <a:r>
-              <a:rPr sz="1600" b="1" spc="0" dirty="0" err="1">
-                <a:solidFill>
-                  <a:srgbClr val="FFC000"/>
-                </a:solidFill>
-                <a:cs typeface="Calibri"/>
-              </a:rPr>
-              <a:t>es</a:t>
-            </a:r>
-            <a:r>
-              <a:rPr sz="1600" b="1" spc="135" dirty="0">
-                <a:solidFill>
-                  <a:srgbClr val="FFC000"/>
-                </a:solidFill>
-                <a:cs typeface="Calibri"/>
-              </a:rPr>
-              <a:t> </a:t>
-            </a:r>
-            <a:r>
-              <a:rPr sz="1600" b="1" spc="5" dirty="0">
-                <a:solidFill>
-                  <a:srgbClr val="FFC000"/>
-                </a:solidFill>
-                <a:cs typeface="Calibri"/>
-              </a:rPr>
-              <a:t>d</a:t>
-            </a:r>
-            <a:r>
-              <a:rPr sz="1600" b="1" spc="0" dirty="0">
-                <a:solidFill>
-                  <a:srgbClr val="FFC000"/>
-                </a:solidFill>
-                <a:cs typeface="Calibri"/>
-              </a:rPr>
-              <a:t>e</a:t>
-            </a:r>
-            <a:r>
-              <a:rPr sz="1600" b="1" spc="110" dirty="0">
-                <a:solidFill>
-                  <a:srgbClr val="FFC000"/>
-                </a:solidFill>
-                <a:cs typeface="Calibri"/>
-              </a:rPr>
-              <a:t> </a:t>
-            </a:r>
-            <a:r>
-              <a:rPr sz="1600" b="1" spc="-20" dirty="0">
-                <a:solidFill>
-                  <a:srgbClr val="FFC000"/>
-                </a:solidFill>
-                <a:cs typeface="Calibri"/>
-              </a:rPr>
-              <a:t>i</a:t>
-            </a:r>
-            <a:r>
-              <a:rPr sz="1600" b="1" spc="5" dirty="0">
-                <a:solidFill>
-                  <a:srgbClr val="FFC000"/>
-                </a:solidFill>
-                <a:cs typeface="Calibri"/>
-              </a:rPr>
-              <a:t>n</a:t>
-            </a:r>
-            <a:r>
-              <a:rPr sz="1600" b="1" spc="-15" dirty="0">
-                <a:solidFill>
-                  <a:srgbClr val="FFC000"/>
-                </a:solidFill>
-                <a:cs typeface="Calibri"/>
-              </a:rPr>
-              <a:t>f</a:t>
-            </a:r>
-            <a:r>
-              <a:rPr sz="1600" b="1" spc="0" dirty="0">
-                <a:solidFill>
-                  <a:srgbClr val="FFC000"/>
-                </a:solidFill>
-                <a:cs typeface="Calibri"/>
-              </a:rPr>
-              <a:t>orm</a:t>
-            </a:r>
-            <a:r>
-              <a:rPr sz="1600" b="1" spc="5" dirty="0">
-                <a:solidFill>
-                  <a:srgbClr val="FFC000"/>
-                </a:solidFill>
-                <a:cs typeface="Calibri"/>
-              </a:rPr>
-              <a:t>e</a:t>
-            </a:r>
-            <a:r>
-              <a:rPr sz="1600" b="1" spc="0" dirty="0">
-                <a:solidFill>
-                  <a:srgbClr val="FFC000"/>
-                </a:solidFill>
-                <a:cs typeface="Calibri"/>
-              </a:rPr>
-              <a:t>s</a:t>
-            </a:r>
-            <a:r>
-              <a:rPr sz="1600" b="1" spc="0" dirty="0">
-                <a:solidFill>
-                  <a:srgbClr val="C5DAEB"/>
-                </a:solidFill>
-                <a:cs typeface="Calibri"/>
-              </a:rPr>
-              <a:t> </a:t>
-            </a:r>
-            <a:r>
-              <a:rPr sz="1600" spc="-10" dirty="0">
-                <a:solidFill>
-                  <a:srgbClr val="C5DAEB"/>
-                </a:solidFill>
-                <a:cs typeface="Calibri"/>
-              </a:rPr>
-              <a:t>y </a:t>
-            </a:r>
-            <a:r>
-              <a:rPr sz="1600" spc="-10" dirty="0" err="1">
-                <a:solidFill>
-                  <a:srgbClr val="C5DAEB"/>
-                </a:solidFill>
-                <a:cs typeface="Calibri"/>
-              </a:rPr>
-              <a:t>sel</a:t>
-            </a:r>
-            <a:r>
-              <a:rPr sz="1600" spc="-5" dirty="0" err="1">
-                <a:solidFill>
-                  <a:srgbClr val="C5DAEB"/>
-                </a:solidFill>
-                <a:cs typeface="Calibri"/>
-              </a:rPr>
-              <a:t>e</a:t>
-            </a:r>
-            <a:r>
-              <a:rPr sz="1600" spc="-20" dirty="0" err="1">
-                <a:solidFill>
-                  <a:srgbClr val="C5DAEB"/>
-                </a:solidFill>
-                <a:cs typeface="Calibri"/>
-              </a:rPr>
-              <a:t>cc</a:t>
-            </a:r>
-            <a:r>
-              <a:rPr sz="1600" spc="0" dirty="0" err="1">
-                <a:solidFill>
-                  <a:srgbClr val="C5DAEB"/>
-                </a:solidFill>
-                <a:cs typeface="Calibri"/>
-              </a:rPr>
-              <a:t>io</a:t>
-            </a:r>
-            <a:r>
-              <a:rPr sz="1600" spc="5" dirty="0" err="1">
-                <a:solidFill>
-                  <a:srgbClr val="C5DAEB"/>
-                </a:solidFill>
-                <a:cs typeface="Calibri"/>
-              </a:rPr>
-              <a:t>n</a:t>
-            </a:r>
-            <a:r>
-              <a:rPr sz="1600" spc="0" dirty="0" err="1">
-                <a:solidFill>
-                  <a:srgbClr val="C5DAEB"/>
-                </a:solidFill>
-                <a:cs typeface="Calibri"/>
-              </a:rPr>
-              <a:t>am</a:t>
-            </a:r>
-            <a:r>
-              <a:rPr sz="1600" spc="5" dirty="0" err="1">
-                <a:solidFill>
-                  <a:srgbClr val="C5DAEB"/>
-                </a:solidFill>
-                <a:cs typeface="Calibri"/>
-              </a:rPr>
-              <a:t>o</a:t>
-            </a:r>
-            <a:r>
-              <a:rPr sz="1600" spc="0" dirty="0" err="1">
-                <a:solidFill>
-                  <a:srgbClr val="C5DAEB"/>
-                </a:solidFill>
-                <a:cs typeface="Calibri"/>
-              </a:rPr>
-              <a:t>s</a:t>
-            </a:r>
-            <a:r>
-              <a:rPr lang="es-MX" sz="1600" spc="60" dirty="0">
-                <a:solidFill>
-                  <a:srgbClr val="C5DAEB"/>
-                </a:solidFill>
-                <a:cs typeface="Calibri"/>
-              </a:rPr>
-              <a:t> el </a:t>
-            </a:r>
-            <a:r>
-              <a:rPr lang="es-MX" sz="1600" b="1" spc="60" dirty="0">
-                <a:solidFill>
-                  <a:schemeClr val="accent6">
-                    <a:lumMod val="75000"/>
-                  </a:schemeClr>
-                </a:solidFill>
-                <a:cs typeface="Calibri"/>
-              </a:rPr>
-              <a:t>Gráfico 1</a:t>
-            </a:r>
-            <a:r>
-              <a:rPr lang="es-MX" sz="1600" spc="60" dirty="0">
-                <a:solidFill>
-                  <a:srgbClr val="C5DAEB"/>
-                </a:solidFill>
-                <a:cs typeface="Calibri"/>
-              </a:rPr>
-              <a:t> y el </a:t>
-            </a:r>
-            <a:r>
-              <a:rPr lang="es-MX" sz="1600" b="1" spc="60" dirty="0">
-                <a:solidFill>
-                  <a:schemeClr val="accent6">
-                    <a:lumMod val="75000"/>
-                  </a:schemeClr>
-                </a:solidFill>
-                <a:cs typeface="Calibri"/>
-              </a:rPr>
-              <a:t>Gráfico 2</a:t>
-            </a:r>
-            <a:r>
-              <a:rPr lang="es-MX" sz="1600" spc="60" dirty="0">
-                <a:solidFill>
-                  <a:srgbClr val="C5DAEB"/>
-                </a:solidFill>
-                <a:cs typeface="Calibri"/>
-              </a:rPr>
-              <a:t>.</a:t>
-            </a:r>
-          </a:p>
-          <a:p>
-            <a:pPr marL="354965" marR="12700" indent="-342900" algn="just">
-              <a:lnSpc>
-                <a:spcPct val="100000"/>
-              </a:lnSpc>
-              <a:buFont typeface="+mj-lt"/>
-              <a:buAutoNum type="arabicPeriod"/>
-              <a:tabLst>
-                <a:tab pos="330200" algn="l"/>
-                <a:tab pos="1106488" algn="l"/>
-                <a:tab pos="1438275" algn="l"/>
-                <a:tab pos="1790700" algn="l"/>
-              </a:tabLst>
-            </a:pPr>
-            <a:endParaRPr sz="1600" dirty="0">
-              <a:cs typeface="Calibri"/>
-            </a:endParaRPr>
-          </a:p>
-        </p:txBody>
-      </p:sp>
-    </p:spTree>
-    <p:extLst>
-      <p:ext uri="{BB962C8B-B14F-4D97-AF65-F5344CB8AC3E}">
-        <p14:creationId xmlns:p14="http://schemas.microsoft.com/office/powerpoint/2010/main" val="1674567179"/>
-      </p:ext>
-    </p:extLst>
-  </p:cSld>
-  <p:clrMapOvr>
-    <a:masterClrMapping/>
-  </p:clrMapOvr>
-</p:sld>
-</file>
-
-<file path=ppt/slides/slide22.xml><?xml version="1.0" encoding="utf-8"?>
-<p:sld xmlns:a="http://schemas.openxmlformats.org/drawingml/2006/main" xmlns:r="http://schemas.openxmlformats.org/officeDocument/2006/relationships" xmlns:p="http://schemas.openxmlformats.org/presentationml/2006/main">
-  <p:cSld>
-    <p:spTree>
-      <p:nvGrpSpPr>
-        <p:cNvPr id="1" name=""/>
-        <p:cNvGrpSpPr/>
-        <p:nvPr/>
-      </p:nvGrpSpPr>
-      <p:grpSpPr>
-        <a:xfrm>
-          <a:off x="0" y="0"/>
-          <a:ext cx="0" cy="0"/>
-          <a:chOff x="0" y="0"/>
-          <a:chExt cx="0" cy="0"/>
-        </a:xfrm>
-      </p:grpSpPr>
-      <p:sp>
-        <p:nvSpPr>
-          <p:cNvPr id="2" name="object 2"/>
-          <p:cNvSpPr/>
-          <p:nvPr/>
-        </p:nvSpPr>
-        <p:spPr>
-          <a:xfrm>
-            <a:off x="8219440" y="4122420"/>
-            <a:ext cx="683259" cy="591820"/>
-          </a:xfrm>
-          <a:prstGeom prst="rect">
-            <a:avLst/>
-          </a:prstGeom>
-          <a:blipFill>
-            <a:blip r:embed="rId3" cstate="print"/>
-            <a:stretch>
-              <a:fillRect/>
-            </a:stretch>
-          </a:blipFill>
-        </p:spPr>
-        <p:txBody>
-          <a:bodyPr wrap="square" lIns="0" tIns="0" rIns="0" bIns="0" rtlCol="0">
-            <a:noAutofit/>
-          </a:bodyPr>
-          <a:lstStyle/>
-          <a:p>
-            <a:endParaRPr/>
-          </a:p>
-        </p:txBody>
-      </p:sp>
-      <p:sp>
-        <p:nvSpPr>
-          <p:cNvPr id="3" name="object 3"/>
-          <p:cNvSpPr/>
-          <p:nvPr/>
-        </p:nvSpPr>
-        <p:spPr>
-          <a:xfrm>
-            <a:off x="314959" y="177800"/>
-            <a:ext cx="1089660" cy="944879"/>
-          </a:xfrm>
-          <a:prstGeom prst="rect">
-            <a:avLst/>
-          </a:prstGeom>
-          <a:blipFill>
-            <a:blip r:embed="rId4" cstate="print"/>
-            <a:stretch>
-              <a:fillRect/>
-            </a:stretch>
-          </a:blipFill>
-        </p:spPr>
-        <p:txBody>
-          <a:bodyPr wrap="square" lIns="0" tIns="0" rIns="0" bIns="0" rtlCol="0">
-            <a:noAutofit/>
-          </a:bodyPr>
-          <a:lstStyle/>
-          <a:p>
-            <a:endParaRPr/>
-          </a:p>
-        </p:txBody>
-      </p:sp>
-      <p:sp>
-        <p:nvSpPr>
-          <p:cNvPr id="4" name="object 4"/>
-          <p:cNvSpPr/>
-          <p:nvPr/>
-        </p:nvSpPr>
-        <p:spPr>
-          <a:xfrm>
-            <a:off x="0" y="848360"/>
-            <a:ext cx="551180" cy="584200"/>
-          </a:xfrm>
-          <a:custGeom>
-            <a:avLst/>
-            <a:gdLst/>
-            <a:ahLst/>
-            <a:cxnLst/>
-            <a:rect l="l" t="t" r="r" b="b"/>
-            <a:pathLst>
-              <a:path w="551180" h="584200">
-                <a:moveTo>
-                  <a:pt x="0" y="509096"/>
-                </a:moveTo>
-                <a:lnTo>
-                  <a:pt x="43075" y="584200"/>
-                </a:lnTo>
-                <a:lnTo>
-                  <a:pt x="383641" y="584200"/>
-                </a:lnTo>
-                <a:lnTo>
-                  <a:pt x="551180" y="292100"/>
-                </a:lnTo>
-                <a:lnTo>
-                  <a:pt x="383641" y="0"/>
-                </a:lnTo>
-                <a:lnTo>
-                  <a:pt x="43075" y="0"/>
-                </a:lnTo>
-                <a:lnTo>
-                  <a:pt x="0" y="75103"/>
-                </a:lnTo>
-              </a:path>
-            </a:pathLst>
-          </a:custGeom>
-          <a:ln w="10160">
-            <a:solidFill>
-              <a:srgbClr val="18BAD4"/>
-            </a:solidFill>
-          </a:ln>
-        </p:spPr>
-        <p:txBody>
-          <a:bodyPr wrap="square" lIns="0" tIns="0" rIns="0" bIns="0" rtlCol="0">
-            <a:noAutofit/>
-          </a:bodyPr>
-          <a:lstStyle/>
-          <a:p>
-            <a:endParaRPr/>
-          </a:p>
-        </p:txBody>
-      </p:sp>
-      <p:sp>
-        <p:nvSpPr>
-          <p:cNvPr id="5" name="object 5"/>
-          <p:cNvSpPr/>
-          <p:nvPr/>
-        </p:nvSpPr>
-        <p:spPr>
-          <a:xfrm>
-            <a:off x="502919" y="1160780"/>
-            <a:ext cx="353060" cy="307340"/>
-          </a:xfrm>
-          <a:custGeom>
-            <a:avLst/>
-            <a:gdLst/>
-            <a:ahLst/>
-            <a:cxnLst/>
-            <a:rect l="l" t="t" r="r" b="b"/>
-            <a:pathLst>
-              <a:path w="353060" h="307340">
-                <a:moveTo>
-                  <a:pt x="264922" y="0"/>
-                </a:moveTo>
-                <a:lnTo>
-                  <a:pt x="88137" y="0"/>
-                </a:lnTo>
-                <a:lnTo>
-                  <a:pt x="0" y="153670"/>
-                </a:lnTo>
-                <a:lnTo>
-                  <a:pt x="88137" y="307340"/>
-                </a:lnTo>
-                <a:lnTo>
-                  <a:pt x="264922" y="307340"/>
-                </a:lnTo>
-                <a:lnTo>
-                  <a:pt x="353060" y="153670"/>
-                </a:lnTo>
-                <a:lnTo>
-                  <a:pt x="264922" y="0"/>
-                </a:lnTo>
-                <a:close/>
-              </a:path>
-            </a:pathLst>
-          </a:custGeom>
-          <a:solidFill>
-            <a:srgbClr val="174669"/>
-          </a:solidFill>
-        </p:spPr>
-        <p:txBody>
-          <a:bodyPr wrap="square" lIns="0" tIns="0" rIns="0" bIns="0" rtlCol="0">
-            <a:noAutofit/>
-          </a:bodyPr>
-          <a:lstStyle/>
-          <a:p>
-            <a:endParaRPr/>
-          </a:p>
-        </p:txBody>
-      </p:sp>
-      <p:sp>
-        <p:nvSpPr>
-          <p:cNvPr id="6" name="object 6"/>
-          <p:cNvSpPr/>
-          <p:nvPr/>
-        </p:nvSpPr>
-        <p:spPr>
-          <a:xfrm>
-            <a:off x="1209039" y="0"/>
-            <a:ext cx="673099" cy="452120"/>
-          </a:xfrm>
-          <a:custGeom>
-            <a:avLst/>
-            <a:gdLst/>
-            <a:ahLst/>
-            <a:cxnLst/>
-            <a:rect l="l" t="t" r="r" b="b"/>
-            <a:pathLst>
-              <a:path w="673100" h="452120">
-                <a:moveTo>
-                  <a:pt x="0" y="160020"/>
-                </a:moveTo>
-                <a:lnTo>
-                  <a:pt x="167512" y="452120"/>
-                </a:lnTo>
-                <a:lnTo>
-                  <a:pt x="505586" y="452120"/>
-                </a:lnTo>
-                <a:lnTo>
-                  <a:pt x="673099" y="160020"/>
-                </a:lnTo>
-                <a:lnTo>
-                  <a:pt x="581332" y="0"/>
-                </a:lnTo>
-              </a:path>
-            </a:pathLst>
-          </a:custGeom>
-          <a:ln w="76200">
-            <a:solidFill>
-              <a:srgbClr val="174669"/>
-            </a:solidFill>
-          </a:ln>
-        </p:spPr>
-        <p:txBody>
-          <a:bodyPr wrap="square" lIns="0" tIns="0" rIns="0" bIns="0" rtlCol="0">
-            <a:noAutofit/>
-          </a:bodyPr>
-          <a:lstStyle/>
-          <a:p>
-            <a:endParaRPr/>
-          </a:p>
-        </p:txBody>
-      </p:sp>
-      <p:sp>
-        <p:nvSpPr>
-          <p:cNvPr id="7" name="object 7"/>
-          <p:cNvSpPr/>
-          <p:nvPr/>
-        </p:nvSpPr>
-        <p:spPr>
-          <a:xfrm>
-            <a:off x="1209039" y="0"/>
-            <a:ext cx="91767" cy="160020"/>
-          </a:xfrm>
-          <a:custGeom>
-            <a:avLst/>
-            <a:gdLst/>
-            <a:ahLst/>
-            <a:cxnLst/>
-            <a:rect l="l" t="t" r="r" b="b"/>
-            <a:pathLst>
-              <a:path w="91767" h="160020">
-                <a:moveTo>
-                  <a:pt x="91767" y="0"/>
-                </a:moveTo>
-                <a:lnTo>
-                  <a:pt x="0" y="160020"/>
-                </a:lnTo>
-              </a:path>
-            </a:pathLst>
-          </a:custGeom>
-          <a:ln w="76200">
-            <a:solidFill>
-              <a:srgbClr val="174669"/>
-            </a:solidFill>
-          </a:ln>
-        </p:spPr>
-        <p:txBody>
-          <a:bodyPr wrap="square" lIns="0" tIns="0" rIns="0" bIns="0" rtlCol="0">
-            <a:noAutofit/>
-          </a:bodyPr>
-          <a:lstStyle/>
-          <a:p>
-            <a:endParaRPr/>
-          </a:p>
-        </p:txBody>
-      </p:sp>
-      <p:sp>
-        <p:nvSpPr>
-          <p:cNvPr id="8" name="object 8"/>
-          <p:cNvSpPr/>
-          <p:nvPr/>
-        </p:nvSpPr>
-        <p:spPr>
-          <a:xfrm>
-            <a:off x="248920" y="50800"/>
-            <a:ext cx="294639" cy="254000"/>
-          </a:xfrm>
-          <a:custGeom>
-            <a:avLst/>
-            <a:gdLst/>
-            <a:ahLst/>
-            <a:cxnLst/>
-            <a:rect l="l" t="t" r="r" b="b"/>
-            <a:pathLst>
-              <a:path w="294639" h="254000">
-                <a:moveTo>
-                  <a:pt x="221792" y="0"/>
-                </a:moveTo>
-                <a:lnTo>
-                  <a:pt x="72847" y="0"/>
-                </a:lnTo>
-                <a:lnTo>
-                  <a:pt x="0" y="127000"/>
-                </a:lnTo>
-                <a:lnTo>
-                  <a:pt x="72847" y="254000"/>
-                </a:lnTo>
-                <a:lnTo>
-                  <a:pt x="221792" y="254000"/>
-                </a:lnTo>
-                <a:lnTo>
-                  <a:pt x="294639" y="127000"/>
-                </a:lnTo>
-                <a:lnTo>
-                  <a:pt x="221792" y="0"/>
-                </a:lnTo>
-                <a:close/>
-              </a:path>
-            </a:pathLst>
-          </a:custGeom>
-          <a:solidFill>
-            <a:srgbClr val="00E0C5"/>
-          </a:solidFill>
-        </p:spPr>
-        <p:txBody>
-          <a:bodyPr wrap="square" lIns="0" tIns="0" rIns="0" bIns="0" rtlCol="0">
-            <a:noAutofit/>
-          </a:bodyPr>
-          <a:lstStyle/>
-          <a:p>
-            <a:endParaRPr/>
-          </a:p>
-        </p:txBody>
-      </p:sp>
-      <p:sp>
-        <p:nvSpPr>
-          <p:cNvPr id="9" name="object 9"/>
-          <p:cNvSpPr/>
-          <p:nvPr/>
-        </p:nvSpPr>
-        <p:spPr>
-          <a:xfrm>
-            <a:off x="8763000" y="4720590"/>
-            <a:ext cx="381000" cy="234949"/>
-          </a:xfrm>
-          <a:custGeom>
-            <a:avLst/>
-            <a:gdLst/>
-            <a:ahLst/>
-            <a:cxnLst/>
-            <a:rect l="l" t="t" r="r" b="b"/>
-            <a:pathLst>
-              <a:path w="381000" h="234950">
-                <a:moveTo>
-                  <a:pt x="0" y="0"/>
-                </a:moveTo>
-                <a:lnTo>
-                  <a:pt x="134747" y="234950"/>
-                </a:lnTo>
-                <a:lnTo>
-                  <a:pt x="381000" y="234950"/>
-                </a:lnTo>
-              </a:path>
-            </a:pathLst>
-          </a:custGeom>
-          <a:ln w="10160">
-            <a:solidFill>
-              <a:srgbClr val="174669"/>
-            </a:solidFill>
-          </a:ln>
-        </p:spPr>
-        <p:txBody>
-          <a:bodyPr wrap="square" lIns="0" tIns="0" rIns="0" bIns="0" rtlCol="0">
-            <a:noAutofit/>
-          </a:bodyPr>
-          <a:lstStyle/>
-          <a:p>
-            <a:endParaRPr/>
-          </a:p>
-        </p:txBody>
-      </p:sp>
-      <p:sp>
-        <p:nvSpPr>
-          <p:cNvPr id="10" name="object 10"/>
-          <p:cNvSpPr/>
-          <p:nvPr/>
-        </p:nvSpPr>
-        <p:spPr>
-          <a:xfrm>
-            <a:off x="8763000" y="4485640"/>
-            <a:ext cx="381000" cy="234950"/>
-          </a:xfrm>
-          <a:custGeom>
-            <a:avLst/>
-            <a:gdLst/>
-            <a:ahLst/>
-            <a:cxnLst/>
-            <a:rect l="l" t="t" r="r" b="b"/>
-            <a:pathLst>
-              <a:path w="381000" h="234950">
-                <a:moveTo>
-                  <a:pt x="381000" y="0"/>
-                </a:moveTo>
-                <a:lnTo>
-                  <a:pt x="134747" y="0"/>
-                </a:lnTo>
-                <a:lnTo>
-                  <a:pt x="0" y="234950"/>
-                </a:lnTo>
-              </a:path>
-            </a:pathLst>
-          </a:custGeom>
-          <a:ln w="10160">
-            <a:solidFill>
-              <a:srgbClr val="174669"/>
-            </a:solidFill>
-          </a:ln>
-        </p:spPr>
-        <p:txBody>
-          <a:bodyPr wrap="square" lIns="0" tIns="0" rIns="0" bIns="0" rtlCol="0">
-            <a:noAutofit/>
-          </a:bodyPr>
-          <a:lstStyle/>
-          <a:p>
-            <a:endParaRPr/>
-          </a:p>
-        </p:txBody>
-      </p:sp>
-      <p:sp>
-        <p:nvSpPr>
-          <p:cNvPr id="11" name="object 11"/>
-          <p:cNvSpPr/>
-          <p:nvPr/>
-        </p:nvSpPr>
-        <p:spPr>
-          <a:xfrm>
-            <a:off x="8524240" y="4742179"/>
-            <a:ext cx="284479" cy="243840"/>
-          </a:xfrm>
-          <a:custGeom>
-            <a:avLst/>
-            <a:gdLst/>
-            <a:ahLst/>
-            <a:cxnLst/>
-            <a:rect l="l" t="t" r="r" b="b"/>
-            <a:pathLst>
-              <a:path w="284479" h="243839">
-                <a:moveTo>
-                  <a:pt x="214502" y="0"/>
-                </a:moveTo>
-                <a:lnTo>
-                  <a:pt x="69976" y="0"/>
-                </a:lnTo>
-                <a:lnTo>
-                  <a:pt x="0" y="121920"/>
-                </a:lnTo>
-                <a:lnTo>
-                  <a:pt x="69976" y="243840"/>
-                </a:lnTo>
-                <a:lnTo>
-                  <a:pt x="214502" y="243840"/>
-                </a:lnTo>
-                <a:lnTo>
-                  <a:pt x="284479" y="121920"/>
-                </a:lnTo>
-                <a:lnTo>
-                  <a:pt x="214502" y="0"/>
-                </a:lnTo>
-                <a:close/>
-              </a:path>
-            </a:pathLst>
-          </a:custGeom>
-          <a:solidFill>
-            <a:srgbClr val="3192E0"/>
-          </a:solidFill>
-        </p:spPr>
-        <p:txBody>
-          <a:bodyPr wrap="square" lIns="0" tIns="0" rIns="0" bIns="0" rtlCol="0">
-            <a:noAutofit/>
-          </a:bodyPr>
-          <a:lstStyle/>
-          <a:p>
-            <a:endParaRPr/>
-          </a:p>
-        </p:txBody>
-      </p:sp>
-      <p:sp>
-        <p:nvSpPr>
-          <p:cNvPr id="12" name="object 12"/>
-          <p:cNvSpPr/>
-          <p:nvPr/>
-        </p:nvSpPr>
-        <p:spPr>
-          <a:xfrm>
-            <a:off x="8323580" y="3627120"/>
-            <a:ext cx="541020" cy="469900"/>
-          </a:xfrm>
-          <a:custGeom>
-            <a:avLst/>
-            <a:gdLst/>
-            <a:ahLst/>
-            <a:cxnLst/>
-            <a:rect l="l" t="t" r="r" b="b"/>
-            <a:pathLst>
-              <a:path w="541020" h="469900">
-                <a:moveTo>
-                  <a:pt x="406273" y="0"/>
-                </a:moveTo>
-                <a:lnTo>
-                  <a:pt x="134747" y="0"/>
-                </a:lnTo>
-                <a:lnTo>
-                  <a:pt x="0" y="234949"/>
-                </a:lnTo>
-                <a:lnTo>
-                  <a:pt x="134747" y="469899"/>
-                </a:lnTo>
-                <a:lnTo>
-                  <a:pt x="406273" y="469899"/>
-                </a:lnTo>
-                <a:lnTo>
-                  <a:pt x="541020" y="234949"/>
-                </a:lnTo>
-                <a:lnTo>
-                  <a:pt x="406273" y="0"/>
-                </a:lnTo>
-                <a:close/>
-              </a:path>
-            </a:pathLst>
-          </a:custGeom>
-          <a:solidFill>
-            <a:srgbClr val="174669"/>
-          </a:solidFill>
-        </p:spPr>
-        <p:txBody>
-          <a:bodyPr wrap="square" lIns="0" tIns="0" rIns="0" bIns="0" rtlCol="0">
-            <a:noAutofit/>
-          </a:bodyPr>
-          <a:lstStyle/>
-          <a:p>
-            <a:endParaRPr/>
-          </a:p>
-        </p:txBody>
-      </p:sp>
-      <p:sp>
-        <p:nvSpPr>
-          <p:cNvPr id="13" name="object 13"/>
-          <p:cNvSpPr/>
-          <p:nvPr/>
-        </p:nvSpPr>
-        <p:spPr>
-          <a:xfrm>
-            <a:off x="8763000" y="4010659"/>
-            <a:ext cx="238759" cy="205740"/>
-          </a:xfrm>
-          <a:custGeom>
-            <a:avLst/>
-            <a:gdLst/>
-            <a:ahLst/>
-            <a:cxnLst/>
-            <a:rect l="l" t="t" r="r" b="b"/>
-            <a:pathLst>
-              <a:path w="238759" h="205739">
-                <a:moveTo>
-                  <a:pt x="0" y="102869"/>
-                </a:moveTo>
-                <a:lnTo>
-                  <a:pt x="59054" y="205739"/>
-                </a:lnTo>
-                <a:lnTo>
-                  <a:pt x="179704" y="205739"/>
-                </a:lnTo>
-                <a:lnTo>
-                  <a:pt x="238759" y="102869"/>
-                </a:lnTo>
-                <a:lnTo>
-                  <a:pt x="179704" y="0"/>
-                </a:lnTo>
-                <a:lnTo>
-                  <a:pt x="59054" y="0"/>
-                </a:lnTo>
-                <a:lnTo>
-                  <a:pt x="0" y="102869"/>
-                </a:lnTo>
-                <a:close/>
-              </a:path>
-            </a:pathLst>
-          </a:custGeom>
-          <a:ln w="20320">
-            <a:solidFill>
-              <a:srgbClr val="00E0C5"/>
-            </a:solidFill>
-          </a:ln>
-        </p:spPr>
-        <p:txBody>
-          <a:bodyPr wrap="square" lIns="0" tIns="0" rIns="0" bIns="0" rtlCol="0">
-            <a:noAutofit/>
-          </a:bodyPr>
-          <a:lstStyle/>
-          <a:p>
-            <a:endParaRPr/>
-          </a:p>
-        </p:txBody>
-      </p:sp>
-      <p:sp>
-        <p:nvSpPr>
-          <p:cNvPr id="20" name="object 20"/>
-          <p:cNvSpPr txBox="1"/>
-          <p:nvPr/>
-        </p:nvSpPr>
-        <p:spPr>
-          <a:xfrm>
-            <a:off x="92392" y="4869179"/>
-            <a:ext cx="102870" cy="203200"/>
-          </a:xfrm>
-          <a:prstGeom prst="rect">
-            <a:avLst/>
-          </a:prstGeom>
-        </p:spPr>
-        <p:txBody>
-          <a:bodyPr vert="horz" wrap="square" lIns="0" tIns="0" rIns="0" bIns="0" rtlCol="0">
-            <a:noAutofit/>
-          </a:bodyPr>
-          <a:lstStyle/>
-          <a:p>
-            <a:pPr marL="12700">
-              <a:lnSpc>
-                <a:spcPct val="100000"/>
-              </a:lnSpc>
-            </a:pPr>
-            <a:r>
-              <a:rPr sz="1200" spc="-10" dirty="0">
-                <a:solidFill>
-                  <a:srgbClr val="18BAD4"/>
-                </a:solidFill>
-                <a:latin typeface="Calibri"/>
-                <a:cs typeface="Calibri"/>
-              </a:rPr>
-              <a:t>7</a:t>
-            </a:r>
-            <a:endParaRPr sz="1200">
+              <a:t>20</a:t>
+            </a:r>
+            <a:endParaRPr sz="1200" dirty="0">
               <a:latin typeface="Calibri"/>
               <a:cs typeface="Calibri"/>
             </a:endParaRPr>
@@ -25196,16 +23157,16 @@
               </a:lnSpc>
             </a:pPr>
             <a:r>
-              <a:rPr sz="1200" spc="-10" dirty="0">
+              <a:rPr lang="es-MX" sz="1200" spc="-10" dirty="0">
                 <a:solidFill>
                   <a:srgbClr val="18BAD4"/>
                 </a:solidFill>
                 <a:latin typeface="Calibri"/>
                 <a:cs typeface="Calibri"/>
               </a:rPr>
-              <a:t>7</a:t>
-            </a:r>
-            <a:endParaRPr sz="1200">
+              <a:t>3</a:t>
+            </a:r>
+            <a:endParaRPr sz="1200" dirty="0">
               <a:latin typeface="Calibri"/>
               <a:cs typeface="Calibri"/>
             </a:endParaRPr>
@@ -26141,7 +24102,7 @@
         <p:spPr>
           <a:xfrm>
             <a:off x="92392" y="4869179"/>
-            <a:ext cx="102870" cy="203200"/>
+            <a:ext cx="187734" cy="203200"/>
           </a:xfrm>
           <a:prstGeom prst="rect">
             <a:avLst/>
@@ -26159,16 +24120,16 @@
               </a:lnSpc>
             </a:pPr>
             <a:r>
-              <a:rPr sz="1200" spc="-10" dirty="0">
+              <a:rPr lang="es-MX" sz="1200" spc="-10" dirty="0">
                 <a:solidFill>
                   <a:srgbClr val="18BAD4"/>
                 </a:solidFill>
                 <a:latin typeface="Calibri"/>
                 <a:cs typeface="Calibri"/>
               </a:rPr>
-              <a:t>7</a:t>
-            </a:r>
-            <a:endParaRPr sz="1200">
+              <a:t>4</a:t>
+            </a:r>
+            <a:endParaRPr sz="1200" dirty="0">
               <a:latin typeface="Calibri"/>
               <a:cs typeface="Calibri"/>
             </a:endParaRPr>
@@ -27208,28 +25169,299 @@
               </a:lnSpc>
             </a:pPr>
             <a:r>
-              <a:rPr sz="1200" spc="-10" dirty="0">
+              <a:rPr lang="es-MX" sz="1200" spc="-10" dirty="0">
                 <a:solidFill>
                   <a:srgbClr val="18BAD4"/>
                 </a:solidFill>
                 <a:latin typeface="Calibri"/>
                 <a:cs typeface="Calibri"/>
               </a:rPr>
-              <a:t>7</a:t>
-            </a:r>
-            <a:endParaRPr sz="1200">
+              <a:t>5</a:t>
+            </a:r>
+            <a:endParaRPr sz="1200" dirty="0">
               <a:latin typeface="Calibri"/>
               <a:cs typeface="Calibri"/>
             </a:endParaRPr>
           </a:p>
         </p:txBody>
       </p:sp>
+      <p:sp>
+        <p:nvSpPr>
+          <p:cNvPr id="23" name="object 24">
+            <a:extLst>
+              <a:ext uri="{FF2B5EF4-FFF2-40B4-BE49-F238E27FC236}">
+                <a16:creationId xmlns:a16="http://schemas.microsoft.com/office/drawing/2014/main" id="{57E5113C-484C-47AC-B35D-1AEA208100FC}"/>
+              </a:ext>
+            </a:extLst>
+          </p:cNvPr>
+          <p:cNvSpPr txBox="1"/>
+          <p:nvPr/>
+        </p:nvSpPr>
+        <p:spPr>
+          <a:xfrm>
+            <a:off x="2547618" y="79863"/>
+            <a:ext cx="4930042" cy="584200"/>
+          </a:xfrm>
+          <a:prstGeom prst="rect">
+            <a:avLst/>
+          </a:prstGeom>
+        </p:spPr>
+        <p:txBody>
+          <a:bodyPr vert="horz" wrap="square" lIns="0" tIns="0" rIns="0" bIns="0" rtlCol="0">
+            <a:noAutofit/>
+          </a:bodyPr>
+          <a:lstStyle/>
+          <a:p>
+            <a:pPr marL="12700">
+              <a:lnSpc>
+                <a:spcPct val="100000"/>
+              </a:lnSpc>
+            </a:pPr>
+            <a:r>
+              <a:rPr lang="es-MX" sz="3600" dirty="0">
+                <a:solidFill>
+                  <a:srgbClr val="18BAD4"/>
+                </a:solidFill>
+                <a:latin typeface="Calibri"/>
+                <a:cs typeface="Calibri"/>
+              </a:rPr>
+              <a:t>Actividad individual</a:t>
+            </a:r>
+            <a:endParaRPr sz="3600" dirty="0">
+              <a:latin typeface="Calibri"/>
+              <a:cs typeface="Calibri"/>
+            </a:endParaRPr>
+          </a:p>
+        </p:txBody>
+      </p:sp>
+      <p:sp>
+        <p:nvSpPr>
+          <p:cNvPr id="24" name="Rectángulo 23">
+            <a:extLst>
+              <a:ext uri="{FF2B5EF4-FFF2-40B4-BE49-F238E27FC236}">
+                <a16:creationId xmlns:a16="http://schemas.microsoft.com/office/drawing/2014/main" id="{7473D12A-58AA-4276-AB49-E357CA3C58A5}"/>
+              </a:ext>
+            </a:extLst>
+          </p:cNvPr>
+          <p:cNvSpPr/>
+          <p:nvPr/>
+        </p:nvSpPr>
+        <p:spPr>
+          <a:xfrm>
+            <a:off x="2497534" y="647691"/>
+            <a:ext cx="5781466" cy="400110"/>
+          </a:xfrm>
+          <a:prstGeom prst="rect">
+            <a:avLst/>
+          </a:prstGeom>
+        </p:spPr>
+        <p:txBody>
+          <a:bodyPr wrap="square">
+            <a:spAutoFit/>
+          </a:bodyPr>
+          <a:lstStyle/>
+          <a:p>
+            <a:pPr marL="12700" marR="12700">
+              <a:lnSpc>
+                <a:spcPct val="100099"/>
+              </a:lnSpc>
+            </a:pPr>
+            <a:r>
+              <a:rPr lang="es-MX" sz="2000" b="1" dirty="0">
+                <a:solidFill>
+                  <a:schemeClr val="bg1"/>
+                </a:solidFill>
+                <a:cs typeface="Calibri"/>
+              </a:rPr>
+              <a:t>Gráfico 1. Cambiar el tipo de gráfico</a:t>
+            </a:r>
+          </a:p>
+        </p:txBody>
+      </p:sp>
+      <p:sp>
+        <p:nvSpPr>
+          <p:cNvPr id="27" name="object 15">
+            <a:extLst>
+              <a:ext uri="{FF2B5EF4-FFF2-40B4-BE49-F238E27FC236}">
+                <a16:creationId xmlns:a16="http://schemas.microsoft.com/office/drawing/2014/main" id="{E318354B-98CA-46F8-832F-16D6C5F01744}"/>
+              </a:ext>
+            </a:extLst>
+          </p:cNvPr>
+          <p:cNvSpPr txBox="1"/>
+          <p:nvPr/>
+        </p:nvSpPr>
+        <p:spPr>
+          <a:xfrm>
+            <a:off x="1694179" y="1200150"/>
+            <a:ext cx="7068821" cy="1287696"/>
+          </a:xfrm>
+          <a:prstGeom prst="rect">
+            <a:avLst/>
+          </a:prstGeom>
+        </p:spPr>
+        <p:txBody>
+          <a:bodyPr vert="horz" wrap="square" lIns="0" tIns="0" rIns="0" bIns="0" rtlCol="0">
+            <a:noAutofit/>
+          </a:bodyPr>
+          <a:lstStyle/>
+          <a:p>
+            <a:pPr marL="355600" indent="-342900">
+              <a:lnSpc>
+                <a:spcPts val="2500"/>
+              </a:lnSpc>
+              <a:buFont typeface="+mj-lt"/>
+              <a:buAutoNum type="arabicPeriod" startAt="5"/>
+            </a:pPr>
+            <a:r>
+              <a:rPr lang="es-MX" sz="1600" spc="-10" dirty="0">
+                <a:solidFill>
+                  <a:srgbClr val="C5DAEB"/>
+                </a:solidFill>
+                <a:cs typeface="Calibri"/>
+              </a:rPr>
+              <a:t>Cambie a un gráfico de </a:t>
+            </a:r>
+            <a:r>
+              <a:rPr lang="es-MX" sz="1600" b="1" spc="-10" dirty="0">
+                <a:solidFill>
+                  <a:srgbClr val="FFC000"/>
+                </a:solidFill>
+                <a:cs typeface="Calibri"/>
+              </a:rPr>
+              <a:t>Columnas 3D</a:t>
+            </a:r>
+            <a:r>
+              <a:rPr lang="es-MX" sz="1600" spc="-10" dirty="0">
+                <a:solidFill>
+                  <a:srgbClr val="C5DAEB"/>
+                </a:solidFill>
+                <a:cs typeface="Calibri"/>
+              </a:rPr>
+              <a:t>. </a:t>
+            </a:r>
+          </a:p>
+          <a:p>
+            <a:pPr marL="755650" lvl="1" indent="-285750">
+              <a:lnSpc>
+                <a:spcPts val="2500"/>
+              </a:lnSpc>
+              <a:buFont typeface="Arial" panose="020B0604020202020204" pitchFamily="34" charset="0"/>
+              <a:buChar char="•"/>
+            </a:pPr>
+            <a:r>
+              <a:rPr lang="es-MX" sz="1600" spc="-10" dirty="0">
+                <a:solidFill>
+                  <a:srgbClr val="C5DAEB"/>
+                </a:solidFill>
+                <a:cs typeface="Calibri"/>
+              </a:rPr>
+              <a:t>Seleccionar el </a:t>
+            </a:r>
+            <a:r>
+              <a:rPr lang="es-MX" sz="1600" b="1" spc="-10" dirty="0">
+                <a:solidFill>
+                  <a:srgbClr val="C5DAEB"/>
+                </a:solidFill>
+                <a:cs typeface="Calibri"/>
+              </a:rPr>
+              <a:t>Gráfico 2</a:t>
+            </a:r>
+            <a:r>
+              <a:rPr lang="es-MX" sz="1600" spc="-10" dirty="0">
+                <a:solidFill>
+                  <a:srgbClr val="C5DAEB"/>
+                </a:solidFill>
+                <a:cs typeface="Calibri"/>
+              </a:rPr>
+              <a:t>.</a:t>
+            </a:r>
+          </a:p>
+          <a:p>
+            <a:pPr marL="755650" lvl="1" indent="-285750">
+              <a:lnSpc>
+                <a:spcPts val="2500"/>
+              </a:lnSpc>
+              <a:buFont typeface="Arial" panose="020B0604020202020204" pitchFamily="34" charset="0"/>
+              <a:buChar char="•"/>
+            </a:pPr>
+            <a:r>
+              <a:rPr lang="es-MX" sz="1600" spc="-10" dirty="0">
+                <a:solidFill>
+                  <a:srgbClr val="C5DAEB"/>
+                </a:solidFill>
+                <a:cs typeface="Calibri"/>
+              </a:rPr>
+              <a:t>Del menú </a:t>
+            </a:r>
+            <a:r>
+              <a:rPr lang="es-MX" sz="1600" b="1" spc="-10" dirty="0">
+                <a:solidFill>
+                  <a:srgbClr val="C5DAEB"/>
+                </a:solidFill>
+                <a:cs typeface="Calibri"/>
+              </a:rPr>
+              <a:t>Diseño</a:t>
+            </a:r>
+            <a:r>
+              <a:rPr lang="es-MX" sz="1600" spc="-10" dirty="0">
+                <a:solidFill>
+                  <a:srgbClr val="C5DAEB"/>
+                </a:solidFill>
+                <a:cs typeface="Calibri"/>
+              </a:rPr>
+              <a:t>, seleccionar </a:t>
+            </a:r>
+            <a:r>
+              <a:rPr lang="es-MX" sz="1600" b="1" spc="-10" dirty="0">
+                <a:solidFill>
+                  <a:srgbClr val="C5DAEB"/>
+                </a:solidFill>
+                <a:cs typeface="Calibri"/>
+              </a:rPr>
+              <a:t>Cambiar tipo de gráfico.</a:t>
+            </a:r>
+          </a:p>
+          <a:p>
+            <a:pPr marL="755650" lvl="1" indent="-285750">
+              <a:lnSpc>
+                <a:spcPts val="2500"/>
+              </a:lnSpc>
+              <a:buFont typeface="Arial" panose="020B0604020202020204" pitchFamily="34" charset="0"/>
+              <a:buChar char="•"/>
+            </a:pPr>
+            <a:r>
+              <a:rPr lang="es-MX" sz="1600" spc="-10" dirty="0">
+                <a:solidFill>
+                  <a:srgbClr val="C5DAEB"/>
+                </a:solidFill>
+                <a:cs typeface="Calibri"/>
+              </a:rPr>
+              <a:t>Seleccionar el gráfico de </a:t>
+            </a:r>
+            <a:r>
+              <a:rPr lang="es-MX" sz="1600" b="1" spc="-10" dirty="0">
+                <a:solidFill>
+                  <a:srgbClr val="C5DAEB"/>
+                </a:solidFill>
+                <a:cs typeface="Calibri"/>
+              </a:rPr>
+              <a:t>Columnas &gt; Columnas 3D.</a:t>
+            </a:r>
+            <a:endParaRPr lang="es-MX" sz="1600" spc="-10" dirty="0">
+              <a:solidFill>
+                <a:srgbClr val="C5DAEB"/>
+              </a:solidFill>
+              <a:cs typeface="Calibri"/>
+            </a:endParaRPr>
+          </a:p>
+        </p:txBody>
+      </p:sp>
       <p:pic>
         <p:nvPicPr>
-          <p:cNvPr id="19" name="Imagen 18">
+          <p:cNvPr id="15" name="Imagen 14">
             <a:extLst>
               <a:ext uri="{FF2B5EF4-FFF2-40B4-BE49-F238E27FC236}">
-                <a16:creationId xmlns:a16="http://schemas.microsoft.com/office/drawing/2014/main" id="{A51BFE73-B336-42F5-9995-E757AF46413F}"/>
+                <a16:creationId xmlns:a16="http://schemas.microsoft.com/office/drawing/2014/main" id="{9B53D684-751C-4401-BC14-413837DEFCB2}"/>
               </a:ext>
             </a:extLst>
           </p:cNvPr>
@@ -27239,357 +25471,15 @@
           <p:nvPr/>
         </p:nvPicPr>
         <p:blipFill>
-          <a:blip r:embed="rId5" cstate="print">
-            <a:extLst>
-              <a:ext uri="{28A0092B-C50C-407E-A947-70E740481C1C}">
-                <a14:useLocalDpi xmlns:a14="http://schemas.microsoft.com/office/drawing/2010/main" val="0"/>
-              </a:ext>
-            </a:extLst>
-          </a:blip>
+          <a:blip r:embed="rId5"/>
           <a:stretch>
             <a:fillRect/>
           </a:stretch>
         </p:blipFill>
         <p:spPr>
           <a:xfrm>
-            <a:off x="8098111" y="34786"/>
-            <a:ext cx="1013504" cy="813574"/>
-          </a:xfrm>
-          <a:prstGeom prst="rect">
-            <a:avLst/>
-          </a:prstGeom>
-        </p:spPr>
-      </p:pic>
-      <p:sp>
-        <p:nvSpPr>
-          <p:cNvPr id="25" name="object 25">
-            <a:extLst>
-              <a:ext uri="{FF2B5EF4-FFF2-40B4-BE49-F238E27FC236}">
-                <a16:creationId xmlns:a16="http://schemas.microsoft.com/office/drawing/2014/main" id="{F9172D4B-A1CD-4453-B56C-A842324D794B}"/>
-              </a:ext>
-            </a:extLst>
-          </p:cNvPr>
-          <p:cNvSpPr txBox="1"/>
-          <p:nvPr/>
-        </p:nvSpPr>
-        <p:spPr>
-          <a:xfrm>
-            <a:off x="762000" y="495300"/>
-            <a:ext cx="199016" cy="400050"/>
-          </a:xfrm>
-          <a:prstGeom prst="rect">
-            <a:avLst/>
-          </a:prstGeom>
-        </p:spPr>
-        <p:txBody>
-          <a:bodyPr vert="horz" wrap="square" lIns="0" tIns="0" rIns="0" bIns="0" rtlCol="0">
-            <a:noAutofit/>
-          </a:bodyPr>
-          <a:lstStyle/>
-          <a:p>
-            <a:pPr marL="12700">
-              <a:lnSpc>
-                <a:spcPct val="100000"/>
-              </a:lnSpc>
-            </a:pPr>
-            <a:endParaRPr sz="2000" dirty="0">
-              <a:latin typeface="Calibri"/>
-              <a:cs typeface="Calibri"/>
-            </a:endParaRPr>
-          </a:p>
-        </p:txBody>
-      </p:sp>
-      <p:sp>
-        <p:nvSpPr>
-          <p:cNvPr id="26" name="object 24">
-            <a:extLst>
-              <a:ext uri="{FF2B5EF4-FFF2-40B4-BE49-F238E27FC236}">
-                <a16:creationId xmlns:a16="http://schemas.microsoft.com/office/drawing/2014/main" id="{E76F001D-4D9F-4A9F-BBDC-694C2DAABFDF}"/>
-              </a:ext>
-            </a:extLst>
-          </p:cNvPr>
-          <p:cNvSpPr txBox="1"/>
-          <p:nvPr/>
-        </p:nvSpPr>
-        <p:spPr>
-          <a:xfrm>
-            <a:off x="2056542" y="128906"/>
-            <a:ext cx="4930042" cy="584200"/>
-          </a:xfrm>
-          <a:prstGeom prst="rect">
-            <a:avLst/>
-          </a:prstGeom>
-        </p:spPr>
-        <p:txBody>
-          <a:bodyPr vert="horz" wrap="square" lIns="0" tIns="0" rIns="0" bIns="0" rtlCol="0">
-            <a:noAutofit/>
-          </a:bodyPr>
-          <a:lstStyle/>
-          <a:p>
-            <a:pPr marL="12700">
-              <a:lnSpc>
-                <a:spcPct val="100000"/>
-              </a:lnSpc>
-            </a:pPr>
-            <a:r>
-              <a:rPr lang="es-MX" sz="3600" dirty="0">
-                <a:solidFill>
-                  <a:srgbClr val="18BAD4"/>
-                </a:solidFill>
-                <a:latin typeface="Calibri"/>
-                <a:cs typeface="Calibri"/>
-              </a:rPr>
-              <a:t>Actividad individual</a:t>
-            </a:r>
-            <a:endParaRPr sz="3600" dirty="0">
-              <a:latin typeface="Calibri"/>
-              <a:cs typeface="Calibri"/>
-            </a:endParaRPr>
-          </a:p>
-        </p:txBody>
-      </p:sp>
-      <p:sp>
-        <p:nvSpPr>
-          <p:cNvPr id="22" name="Rectángulo 21">
-            <a:extLst>
-              <a:ext uri="{FF2B5EF4-FFF2-40B4-BE49-F238E27FC236}">
-                <a16:creationId xmlns:a16="http://schemas.microsoft.com/office/drawing/2014/main" id="{E6E5A229-DFA3-46B2-8D3A-D01A1EBEB4A5}"/>
-              </a:ext>
-            </a:extLst>
-          </p:cNvPr>
-          <p:cNvSpPr/>
-          <p:nvPr/>
-        </p:nvSpPr>
-        <p:spPr>
-          <a:xfrm>
-            <a:off x="1967506" y="693459"/>
-            <a:ext cx="6795494" cy="400110"/>
-          </a:xfrm>
-          <a:prstGeom prst="rect">
-            <a:avLst/>
-          </a:prstGeom>
-        </p:spPr>
-        <p:txBody>
-          <a:bodyPr wrap="square">
-            <a:spAutoFit/>
-          </a:bodyPr>
-          <a:lstStyle/>
-          <a:p>
-            <a:pPr marL="12700" marR="12700">
-              <a:lnSpc>
-                <a:spcPct val="100099"/>
-              </a:lnSpc>
-            </a:pPr>
-            <a:r>
-              <a:rPr lang="es-MX" sz="2000" b="1" dirty="0">
-                <a:solidFill>
-                  <a:schemeClr val="bg1"/>
-                </a:solidFill>
-                <a:cs typeface="Calibri"/>
-              </a:rPr>
-              <a:t>Gráfico 1. Mostrar los 5 productos menos vendidos</a:t>
-            </a:r>
-          </a:p>
-        </p:txBody>
-      </p:sp>
-      <p:sp>
-        <p:nvSpPr>
-          <p:cNvPr id="21" name="object 15">
-            <a:extLst>
-              <a:ext uri="{FF2B5EF4-FFF2-40B4-BE49-F238E27FC236}">
-                <a16:creationId xmlns:a16="http://schemas.microsoft.com/office/drawing/2014/main" id="{EE076FEF-0E0E-422F-82E2-1B0877482132}"/>
-              </a:ext>
-            </a:extLst>
-          </p:cNvPr>
-          <p:cNvSpPr txBox="1"/>
-          <p:nvPr/>
-        </p:nvSpPr>
-        <p:spPr>
-          <a:xfrm>
-            <a:off x="1114067" y="1263190"/>
-            <a:ext cx="6590600" cy="1618317"/>
-          </a:xfrm>
-          <a:prstGeom prst="rect">
-            <a:avLst/>
-          </a:prstGeom>
-        </p:spPr>
-        <p:txBody>
-          <a:bodyPr vert="horz" wrap="square" lIns="0" tIns="0" rIns="0" bIns="0" rtlCol="0">
-            <a:noAutofit/>
-          </a:bodyPr>
-          <a:lstStyle/>
-          <a:p>
-            <a:pPr marL="812800" lvl="1" indent="-342900">
-              <a:lnSpc>
-                <a:spcPts val="2500"/>
-              </a:lnSpc>
-              <a:buFont typeface="+mj-lt"/>
-              <a:buAutoNum type="arabicPeriod"/>
-            </a:pPr>
-            <a:r>
-              <a:rPr lang="es-MX" sz="1600" spc="-10" dirty="0">
-                <a:solidFill>
-                  <a:srgbClr val="C5DAEB"/>
-                </a:solidFill>
-                <a:cs typeface="Calibri"/>
-              </a:rPr>
-              <a:t>De clic en el botón de </a:t>
-            </a:r>
-            <a:r>
-              <a:rPr lang="es-MX" sz="1600" b="1" spc="-10" dirty="0">
-                <a:solidFill>
-                  <a:srgbClr val="C5DAEB"/>
-                </a:solidFill>
-                <a:cs typeface="Calibri"/>
-              </a:rPr>
-              <a:t>Nombre producto</a:t>
-            </a:r>
-            <a:r>
-              <a:rPr lang="es-MX" sz="1600" spc="-10" dirty="0">
-                <a:solidFill>
-                  <a:srgbClr val="C5DAEB"/>
-                </a:solidFill>
-                <a:cs typeface="Calibri"/>
-              </a:rPr>
-              <a:t>.</a:t>
-            </a:r>
-          </a:p>
-          <a:p>
-            <a:pPr marL="812800" lvl="1" indent="-342900">
-              <a:lnSpc>
-                <a:spcPts val="2500"/>
-              </a:lnSpc>
-              <a:buFont typeface="+mj-lt"/>
-              <a:buAutoNum type="arabicPeriod"/>
-            </a:pPr>
-            <a:r>
-              <a:rPr lang="es-MX" sz="1600" spc="-10" dirty="0">
-                <a:solidFill>
-                  <a:srgbClr val="C5DAEB"/>
-                </a:solidFill>
-                <a:cs typeface="Calibri"/>
-              </a:rPr>
-              <a:t>Seleccione de la opción de </a:t>
-            </a:r>
-            <a:r>
-              <a:rPr lang="es-MX" sz="1600" b="1" spc="-10" dirty="0">
-                <a:solidFill>
-                  <a:srgbClr val="C5DAEB"/>
-                </a:solidFill>
-                <a:cs typeface="Calibri"/>
-              </a:rPr>
-              <a:t>Filtros de valor &gt; Diez mejores</a:t>
-            </a:r>
-            <a:r>
-              <a:rPr lang="es-MX" sz="1600" spc="-10" dirty="0">
-                <a:solidFill>
-                  <a:srgbClr val="C5DAEB"/>
-                </a:solidFill>
-                <a:cs typeface="Calibri"/>
-              </a:rPr>
-              <a:t>.</a:t>
-            </a:r>
-          </a:p>
-          <a:p>
-            <a:pPr marL="812800" lvl="1" indent="-342900">
-              <a:lnSpc>
-                <a:spcPts val="2500"/>
-              </a:lnSpc>
-              <a:buFont typeface="+mj-lt"/>
-              <a:buAutoNum type="arabicPeriod"/>
-            </a:pPr>
-            <a:r>
-              <a:rPr lang="es-MX" sz="1600" spc="-10" dirty="0">
-                <a:solidFill>
-                  <a:srgbClr val="C5DAEB"/>
-                </a:solidFill>
-                <a:cs typeface="Calibri"/>
-              </a:rPr>
-              <a:t>En la ventana que aparece modificar a </a:t>
-            </a:r>
-            <a:r>
-              <a:rPr lang="es-MX" sz="1600" b="1" spc="-10" dirty="0">
-                <a:solidFill>
-                  <a:schemeClr val="accent6">
-                    <a:lumMod val="75000"/>
-                  </a:schemeClr>
-                </a:solidFill>
-                <a:cs typeface="Calibri"/>
-              </a:rPr>
-              <a:t>5 productos menos vendidos</a:t>
-            </a:r>
-            <a:r>
-              <a:rPr lang="es-MX" sz="1600" spc="-10" dirty="0">
-                <a:solidFill>
-                  <a:srgbClr val="C5DAEB"/>
-                </a:solidFill>
-                <a:cs typeface="Calibri"/>
-              </a:rPr>
-              <a:t>.</a:t>
-            </a:r>
-          </a:p>
-          <a:p>
-            <a:pPr marL="812800" lvl="1" indent="-342900">
-              <a:lnSpc>
-                <a:spcPts val="2500"/>
-              </a:lnSpc>
-              <a:buFont typeface="+mj-lt"/>
-              <a:buAutoNum type="arabicPeriod"/>
-            </a:pPr>
-            <a:r>
-              <a:rPr lang="es-MX" sz="1600" spc="-10" dirty="0">
-                <a:solidFill>
-                  <a:srgbClr val="C5DAEB"/>
-                </a:solidFill>
-                <a:cs typeface="Calibri"/>
-              </a:rPr>
-              <a:t>De clic en </a:t>
-            </a:r>
-            <a:r>
-              <a:rPr lang="es-MX" sz="1600" b="1" spc="-10" dirty="0">
-                <a:solidFill>
-                  <a:srgbClr val="C5DAEB"/>
-                </a:solidFill>
-                <a:cs typeface="Calibri"/>
-              </a:rPr>
-              <a:t>Aceptar</a:t>
-            </a:r>
-            <a:r>
-              <a:rPr lang="es-MX" sz="1600" spc="-10" dirty="0">
-                <a:solidFill>
-                  <a:srgbClr val="C5DAEB"/>
-                </a:solidFill>
-                <a:cs typeface="Calibri"/>
-              </a:rPr>
-              <a:t>.</a:t>
-            </a:r>
-          </a:p>
-        </p:txBody>
-      </p:sp>
-      <p:pic>
-        <p:nvPicPr>
-          <p:cNvPr id="15" name="Imagen 14">
-            <a:extLst>
-              <a:ext uri="{FF2B5EF4-FFF2-40B4-BE49-F238E27FC236}">
-                <a16:creationId xmlns:a16="http://schemas.microsoft.com/office/drawing/2014/main" id="{B0C01049-6FEC-44CE-BEFD-8A831A2EB5E8}"/>
-              </a:ext>
-            </a:extLst>
-          </p:cNvPr>
-          <p:cNvPicPr>
-            <a:picLocks noChangeAspect="1"/>
-          </p:cNvPicPr>
-          <p:nvPr/>
-        </p:nvPicPr>
-        <p:blipFill>
-          <a:blip r:embed="rId6"/>
-          <a:stretch>
-            <a:fillRect/>
-          </a:stretch>
-        </p:blipFill>
-        <p:spPr>
-          <a:xfrm>
-            <a:off x="1894567" y="2686550"/>
-            <a:ext cx="5253992" cy="2385829"/>
+            <a:off x="2146935" y="2684779"/>
+            <a:ext cx="5800725" cy="2057400"/>
           </a:xfrm>
           <a:prstGeom prst="rect">
             <a:avLst/>
@@ -27599,7 +25489,7 @@
     </p:spTree>
     <p:extLst>
       <p:ext uri="{BB962C8B-B14F-4D97-AF65-F5344CB8AC3E}">
-        <p14:creationId xmlns:p14="http://schemas.microsoft.com/office/powerpoint/2010/main" val="42819145"/>
+        <p14:creationId xmlns:p14="http://schemas.microsoft.com/office/powerpoint/2010/main" val="1517819931"/>
       </p:ext>
     </p:extLst>
   </p:cSld>
@@ -28238,8 +26128,8 @@
         </p:nvSpPr>
         <p:spPr>
           <a:xfrm>
-            <a:off x="92392" y="4869179"/>
-            <a:ext cx="102870" cy="203200"/>
+            <a:off x="92391" y="4869178"/>
+            <a:ext cx="222567" cy="223521"/>
           </a:xfrm>
           <a:prstGeom prst="rect">
             <a:avLst/>
@@ -28257,16 +26147,16 @@
               </a:lnSpc>
             </a:pPr>
             <a:r>
-              <a:rPr sz="1200" spc="-10" dirty="0">
+              <a:rPr lang="es-MX" sz="1200" spc="-10" dirty="0">
                 <a:solidFill>
                   <a:srgbClr val="18BAD4"/>
                 </a:solidFill>
                 <a:latin typeface="Calibri"/>
                 <a:cs typeface="Calibri"/>
               </a:rPr>
-              <a:t>7</a:t>
-            </a:r>
-            <a:endParaRPr sz="1200">
+              <a:t>6</a:t>
+            </a:r>
+            <a:endParaRPr sz="1200" dirty="0">
               <a:latin typeface="Calibri"/>
               <a:cs typeface="Calibri"/>
             </a:endParaRPr>
@@ -28380,8 +26270,8 @@
         </p:nvSpPr>
         <p:spPr>
           <a:xfrm>
-            <a:off x="1694179" y="1200150"/>
-            <a:ext cx="7068821" cy="1287696"/>
+            <a:off x="1694179" y="1331109"/>
+            <a:ext cx="7068821" cy="469900"/>
           </a:xfrm>
           <a:prstGeom prst="rect">
             <a:avLst/>
@@ -28428,128 +26318,14 @@
               <a:t>. </a:t>
             </a:r>
           </a:p>
-          <a:p>
-            <a:pPr marL="755650" lvl="1" indent="-285750">
-              <a:lnSpc>
-                <a:spcPts val="2500"/>
-              </a:lnSpc>
-              <a:buFont typeface="Arial" panose="020B0604020202020204" pitchFamily="34" charset="0"/>
-              <a:buChar char="•"/>
-            </a:pPr>
-            <a:r>
-              <a:rPr lang="es-MX" sz="1600" spc="-10" dirty="0">
-                <a:solidFill>
-                  <a:srgbClr val="C5DAEB"/>
-                </a:solidFill>
-                <a:cs typeface="Calibri"/>
-              </a:rPr>
-              <a:t>Seleccionar el </a:t>
-            </a:r>
-            <a:r>
-              <a:rPr lang="es-MX" sz="1600" b="1" spc="-10" dirty="0">
-                <a:solidFill>
-                  <a:srgbClr val="C5DAEB"/>
-                </a:solidFill>
-                <a:cs typeface="Calibri"/>
-              </a:rPr>
-              <a:t>Gráfico 2</a:t>
-            </a:r>
-            <a:r>
-              <a:rPr lang="es-MX" sz="1600" spc="-10" dirty="0">
-                <a:solidFill>
-                  <a:srgbClr val="C5DAEB"/>
-                </a:solidFill>
-                <a:cs typeface="Calibri"/>
-              </a:rPr>
-              <a:t>.</a:t>
-            </a:r>
-          </a:p>
-          <a:p>
-            <a:pPr marL="755650" lvl="1" indent="-285750">
-              <a:lnSpc>
-                <a:spcPts val="2500"/>
-              </a:lnSpc>
-              <a:buFont typeface="Arial" panose="020B0604020202020204" pitchFamily="34" charset="0"/>
-              <a:buChar char="•"/>
-            </a:pPr>
-            <a:r>
-              <a:rPr lang="es-MX" sz="1600" spc="-10" dirty="0">
-                <a:solidFill>
-                  <a:srgbClr val="C5DAEB"/>
-                </a:solidFill>
-                <a:cs typeface="Calibri"/>
-              </a:rPr>
-              <a:t>Del menú </a:t>
-            </a:r>
-            <a:r>
-              <a:rPr lang="es-MX" sz="1600" b="1" spc="-10" dirty="0">
-                <a:solidFill>
-                  <a:srgbClr val="C5DAEB"/>
-                </a:solidFill>
-                <a:cs typeface="Calibri"/>
-              </a:rPr>
-              <a:t>Diseño</a:t>
-            </a:r>
-            <a:r>
-              <a:rPr lang="es-MX" sz="1600" spc="-10" dirty="0">
-                <a:solidFill>
-                  <a:srgbClr val="C5DAEB"/>
-                </a:solidFill>
-                <a:cs typeface="Calibri"/>
-              </a:rPr>
-              <a:t>, seleccionar </a:t>
-            </a:r>
-            <a:r>
-              <a:rPr lang="es-MX" sz="1600" b="1" spc="-10" dirty="0">
-                <a:solidFill>
-                  <a:srgbClr val="C5DAEB"/>
-                </a:solidFill>
-                <a:cs typeface="Calibri"/>
-              </a:rPr>
-              <a:t>Cambiar tipo de gráfico.</a:t>
-            </a:r>
-          </a:p>
-          <a:p>
-            <a:pPr marL="755650" lvl="1" indent="-285750">
-              <a:lnSpc>
-                <a:spcPts val="2500"/>
-              </a:lnSpc>
-              <a:buFont typeface="Arial" panose="020B0604020202020204" pitchFamily="34" charset="0"/>
-              <a:buChar char="•"/>
-            </a:pPr>
-            <a:r>
-              <a:rPr lang="es-MX" sz="1600" spc="-10" dirty="0">
-                <a:solidFill>
-                  <a:srgbClr val="C5DAEB"/>
-                </a:solidFill>
-                <a:cs typeface="Calibri"/>
-              </a:rPr>
-              <a:t>Seleccionar el gráfico de </a:t>
-            </a:r>
-            <a:r>
-              <a:rPr lang="es-MX" sz="1600" b="1" spc="-10" dirty="0">
-                <a:solidFill>
-                  <a:srgbClr val="C5DAEB"/>
-                </a:solidFill>
-                <a:cs typeface="Calibri"/>
-              </a:rPr>
-              <a:t>Columnas &gt; Columnas 3D.</a:t>
-            </a:r>
-            <a:endParaRPr lang="es-MX" sz="1600" spc="-10" dirty="0">
-              <a:solidFill>
-                <a:srgbClr val="C5DAEB"/>
-              </a:solidFill>
-              <a:cs typeface="Calibri"/>
-            </a:endParaRPr>
-          </a:p>
         </p:txBody>
       </p:sp>
       <p:pic>
         <p:nvPicPr>
-          <p:cNvPr id="15" name="Imagen 14">
+          <p:cNvPr id="14" name="Imagen 13">
             <a:extLst>
               <a:ext uri="{FF2B5EF4-FFF2-40B4-BE49-F238E27FC236}">
-                <a16:creationId xmlns:a16="http://schemas.microsoft.com/office/drawing/2014/main" id="{9B53D684-751C-4401-BC14-413837DEFCB2}"/>
+                <a16:creationId xmlns:a16="http://schemas.microsoft.com/office/drawing/2014/main" id="{0BC2898B-E36A-4BF8-B28F-D04243BBF253}"/>
               </a:ext>
             </a:extLst>
           </p:cNvPr>
@@ -28566,8 +26342,8 @@
         </p:blipFill>
         <p:spPr>
           <a:xfrm>
-            <a:off x="2146935" y="2684779"/>
-            <a:ext cx="5800725" cy="2057400"/>
+            <a:off x="1882138" y="1856740"/>
+            <a:ext cx="5791200" cy="2628900"/>
           </a:xfrm>
           <a:prstGeom prst="rect">
             <a:avLst/>
@@ -28577,7 +26353,7 @@
     </p:spTree>
     <p:extLst>
       <p:ext uri="{BB962C8B-B14F-4D97-AF65-F5344CB8AC3E}">
-        <p14:creationId xmlns:p14="http://schemas.microsoft.com/office/powerpoint/2010/main" val="1517819931"/>
+        <p14:creationId xmlns:p14="http://schemas.microsoft.com/office/powerpoint/2010/main" val="4083019850"/>
       </p:ext>
     </p:extLst>
   </p:cSld>
@@ -29210,14 +26986,90 @@
       </p:sp>
       <p:sp>
         <p:nvSpPr>
+          <p:cNvPr id="15" name="object 15"/>
+          <p:cNvSpPr txBox="1"/>
+          <p:nvPr/>
+        </p:nvSpPr>
+        <p:spPr>
+          <a:xfrm>
+            <a:off x="932179" y="1504950"/>
+            <a:ext cx="7068821" cy="584201"/>
+          </a:xfrm>
+          <a:prstGeom prst="rect">
+            <a:avLst/>
+          </a:prstGeom>
+        </p:spPr>
+        <p:txBody>
+          <a:bodyPr vert="horz" wrap="square" lIns="0" tIns="0" rIns="0" bIns="0" rtlCol="0">
+            <a:noAutofit/>
+          </a:bodyPr>
+          <a:lstStyle/>
+          <a:p>
+            <a:pPr marL="812800" lvl="1" indent="-342900">
+              <a:lnSpc>
+                <a:spcPts val="2500"/>
+              </a:lnSpc>
+              <a:buFont typeface="+mj-lt"/>
+              <a:buAutoNum type="arabicPeriod" startAt="6"/>
+            </a:pPr>
+            <a:r>
+              <a:rPr lang="es-MX" sz="1600" spc="-10" dirty="0">
+                <a:solidFill>
+                  <a:srgbClr val="C5DAEB"/>
+                </a:solidFill>
+                <a:cs typeface="Calibri"/>
+              </a:rPr>
+              <a:t>Del menú de </a:t>
+            </a:r>
+            <a:r>
+              <a:rPr lang="es-MX" sz="1600" b="1" spc="-10" dirty="0">
+                <a:solidFill>
+                  <a:srgbClr val="C5DAEB"/>
+                </a:solidFill>
+                <a:cs typeface="Calibri"/>
+              </a:rPr>
+              <a:t>Diseño</a:t>
+            </a:r>
+            <a:r>
+              <a:rPr lang="es-MX" sz="1600" spc="-10" dirty="0">
+                <a:solidFill>
+                  <a:srgbClr val="C5DAEB"/>
+                </a:solidFill>
+                <a:cs typeface="Calibri"/>
+              </a:rPr>
+              <a:t>, seleccione un </a:t>
+            </a:r>
+            <a:r>
+              <a:rPr lang="es-MX" sz="1600" b="1" spc="-10" dirty="0">
+                <a:solidFill>
+                  <a:srgbClr val="FFC000"/>
+                </a:solidFill>
+                <a:cs typeface="Calibri"/>
+              </a:rPr>
+              <a:t>Estilo de diseño </a:t>
+            </a:r>
+            <a:r>
+              <a:rPr lang="es-MX" sz="1600" spc="-10" dirty="0">
+                <a:solidFill>
+                  <a:srgbClr val="C5DAEB"/>
+                </a:solidFill>
+                <a:cs typeface="Calibri"/>
+              </a:rPr>
+              <a:t>predefinido.</a:t>
+            </a:r>
+          </a:p>
+        </p:txBody>
+      </p:sp>
+      <p:sp>
+        <p:nvSpPr>
           <p:cNvPr id="20" name="object 20"/>
           <p:cNvSpPr txBox="1"/>
           <p:nvPr/>
         </p:nvSpPr>
         <p:spPr>
           <a:xfrm>
-            <a:off x="92392" y="4869179"/>
-            <a:ext cx="102870" cy="203200"/>
+            <a:off x="92391" y="4869178"/>
+            <a:ext cx="222567" cy="223521"/>
           </a:xfrm>
           <a:prstGeom prst="rect">
             <a:avLst/>
@@ -29235,7 +27087,7 @@
               </a:lnSpc>
             </a:pPr>
             <a:r>
-              <a:rPr sz="1200" spc="-10" dirty="0">
+              <a:rPr lang="es-MX" sz="1200" spc="-10" dirty="0">
                 <a:solidFill>
                   <a:srgbClr val="18BAD4"/>
                 </a:solidFill>
@@ -29244,7 +27096,7 @@
               </a:rPr>
               <a:t>7</a:t>
             </a:r>
-            <a:endParaRPr sz="1200">
+            <a:endParaRPr sz="1200" dirty="0">
               <a:latin typeface="Calibri"/>
               <a:cs typeface="Calibri"/>
             </a:endParaRPr>
@@ -29265,7 +27117,7 @@
         </p:nvSpPr>
         <p:spPr>
           <a:xfrm>
-            <a:off x="2547618" y="79863"/>
+            <a:off x="2574418" y="133350"/>
             <a:ext cx="4930042" cy="584200"/>
           </a:xfrm>
           <a:prstGeom prst="rect">
@@ -29314,8 +27166,8 @@
         </p:nvSpPr>
         <p:spPr>
           <a:xfrm>
-            <a:off x="2497534" y="647691"/>
-            <a:ext cx="5781466" cy="400110"/>
+            <a:off x="2524333" y="701178"/>
+            <a:ext cx="6378365" cy="400110"/>
           </a:xfrm>
           <a:prstGeom prst="rect">
             <a:avLst/>
@@ -29339,71 +27191,7 @@
                 </a:solidFill>
                 <a:cs typeface="Calibri"/>
               </a:rPr>
-              <a:t>Gráfico 1. Cambiar el tipo de gráfico</a:t>
-            </a:r>
-          </a:p>
-        </p:txBody>
-      </p:sp>
-      <p:sp>
-        <p:nvSpPr>
-          <p:cNvPr id="27" name="object 15">
-            <a:extLst>
-              <a:ext uri="{FF2B5EF4-FFF2-40B4-BE49-F238E27FC236}">
-                <a16:creationId xmlns:a16="http://schemas.microsoft.com/office/drawing/2014/main" id="{E318354B-98CA-46F8-832F-16D6C5F01744}"/>
-              </a:ext>
-            </a:extLst>
-          </p:cNvPr>
-          <p:cNvSpPr txBox="1"/>
-          <p:nvPr/>
-        </p:nvSpPr>
-        <p:spPr>
-          <a:xfrm>
-            <a:off x="1694179" y="1331109"/>
-            <a:ext cx="7068821" cy="469900"/>
-          </a:xfrm>
-          <a:prstGeom prst="rect">
-            <a:avLst/>
-          </a:prstGeom>
-        </p:spPr>
-        <p:txBody>
-          <a:bodyPr vert="horz" wrap="square" lIns="0" tIns="0" rIns="0" bIns="0" rtlCol="0">
-            <a:noAutofit/>
-          </a:bodyPr>
-          <a:lstStyle/>
-          <a:p>
-            <a:pPr marL="355600" indent="-342900">
-              <a:lnSpc>
-                <a:spcPts val="2500"/>
-              </a:lnSpc>
-              <a:buFont typeface="+mj-lt"/>
-              <a:buAutoNum type="arabicPeriod" startAt="5"/>
-            </a:pPr>
-            <a:r>
-              <a:rPr lang="es-MX" sz="1600" spc="-10" dirty="0">
-                <a:solidFill>
-                  <a:srgbClr val="C5DAEB"/>
-                </a:solidFill>
-                <a:cs typeface="Calibri"/>
-              </a:rPr>
-              <a:t>Cambie a un gráfico de </a:t>
-            </a:r>
-            <a:r>
-              <a:rPr lang="es-MX" sz="1600" b="1" spc="-10" dirty="0">
-                <a:solidFill>
-                  <a:srgbClr val="FFC000"/>
-                </a:solidFill>
-                <a:cs typeface="Calibri"/>
-              </a:rPr>
-              <a:t>Columnas 3D</a:t>
-            </a:r>
-            <a:r>
-              <a:rPr lang="es-MX" sz="1600" spc="-10" dirty="0">
-                <a:solidFill>
-                  <a:srgbClr val="C5DAEB"/>
-                </a:solidFill>
-                <a:cs typeface="Calibri"/>
-              </a:rPr>
-              <a:t>. </a:t>
+              <a:t>Gráfico 1. Seleccionar un estilo de diseño predefinido</a:t>
             </a:r>
           </a:p>
         </p:txBody>
@@ -29413,7 +27201,7 @@
           <p:cNvPr id="14" name="Imagen 13">
             <a:extLst>
               <a:ext uri="{FF2B5EF4-FFF2-40B4-BE49-F238E27FC236}">
-                <a16:creationId xmlns:a16="http://schemas.microsoft.com/office/drawing/2014/main" id="{0BC2898B-E36A-4BF8-B28F-D04243BBF253}"/>
+                <a16:creationId xmlns:a16="http://schemas.microsoft.com/office/drawing/2014/main" id="{B4B5E941-6995-4022-B2E6-E6FCA8F5E049}"/>
               </a:ext>
             </a:extLst>
           </p:cNvPr>
@@ -29430,8 +27218,8 @@
         </p:blipFill>
         <p:spPr>
           <a:xfrm>
-            <a:off x="1882138" y="1856740"/>
-            <a:ext cx="5791200" cy="2628900"/>
+            <a:off x="1743075" y="2071441"/>
+            <a:ext cx="5810250" cy="2619375"/>
           </a:xfrm>
           <a:prstGeom prst="rect">
             <a:avLst/>
@@ -29441,7 +27229,7 @@
     </p:spTree>
     <p:extLst>
       <p:ext uri="{BB962C8B-B14F-4D97-AF65-F5344CB8AC3E}">
-        <p14:creationId xmlns:p14="http://schemas.microsoft.com/office/powerpoint/2010/main" val="4083019850"/>
+        <p14:creationId xmlns:p14="http://schemas.microsoft.com/office/powerpoint/2010/main" val="3707288157"/>
       </p:ext>
     </p:extLst>
   </p:cSld>
@@ -30080,8 +27868,8 @@
         </p:nvSpPr>
         <p:spPr>
           <a:xfrm>
-            <a:off x="855979" y="1314450"/>
-            <a:ext cx="7068821" cy="584201"/>
+            <a:off x="905756" y="1062824"/>
+            <a:ext cx="7871355" cy="1412513"/>
           </a:xfrm>
           <a:prstGeom prst="rect">
             <a:avLst/>
@@ -30098,7 +27886,7 @@
                 <a:spcPts val="2500"/>
               </a:lnSpc>
               <a:buFont typeface="+mj-lt"/>
-              <a:buAutoNum type="arabicPeriod" startAt="6"/>
+              <a:buAutoNum type="arabicPeriod" startAt="7"/>
             </a:pPr>
             <a:r>
               <a:rPr lang="es-MX" sz="1600" spc="-10" dirty="0">
@@ -30125,16 +27913,16 @@
                 </a:solidFill>
                 <a:cs typeface="Calibri"/>
               </a:rPr>
-              <a:t>, seleccione un </a:t>
+              <a:t>, seleccione </a:t>
             </a:r>
             <a:r>
               <a:rPr lang="es-MX" sz="1600" b="1" spc="-10" dirty="0">
                 <a:solidFill>
-                  <a:srgbClr val="FFC000"/>
-                </a:solidFill>
-                <a:cs typeface="Calibri"/>
-              </a:rPr>
-              <a:t>Estilo de diseño </a:t>
+                  <a:srgbClr val="C5DAEB"/>
+                </a:solidFill>
+                <a:cs typeface="Calibri"/>
+              </a:rPr>
+              <a:t>Agregar elemento de gráfico </a:t>
             </a:r>
             <a:r>
               <a:rPr lang="es-MX" sz="1600" spc="-10" dirty="0">
@@ -30143,7 +27931,94 @@
                 </a:solidFill>
                 <a:cs typeface="Calibri"/>
               </a:rPr>
-              <a:t>predefinido.</a:t>
+              <a:t>y añada:</a:t>
+            </a:r>
+          </a:p>
+          <a:p>
+            <a:pPr marL="1270000" lvl="2" indent="-342900">
+              <a:lnSpc>
+                <a:spcPts val="2500"/>
+              </a:lnSpc>
+              <a:buFont typeface="Arial" panose="020B0604020202020204" pitchFamily="34" charset="0"/>
+              <a:buChar char="•"/>
+            </a:pPr>
+            <a:r>
+              <a:rPr lang="es-MX" sz="1600" spc="-10" dirty="0">
+                <a:solidFill>
+                  <a:srgbClr val="C5DAEB"/>
+                </a:solidFill>
+                <a:cs typeface="Calibri"/>
+              </a:rPr>
+              <a:t>Título del gráfico: </a:t>
+            </a:r>
+            <a:r>
+              <a:rPr lang="es-MX" sz="1600" b="1" spc="-10" dirty="0">
+                <a:solidFill>
+                  <a:schemeClr val="accent6">
+                    <a:lumMod val="75000"/>
+                  </a:schemeClr>
+                </a:solidFill>
+                <a:cs typeface="Calibri"/>
+              </a:rPr>
+              <a:t>LOS 5 PRODUCTOS MENOS VENDIDOS</a:t>
+            </a:r>
+          </a:p>
+          <a:p>
+            <a:pPr marL="1270000" lvl="2" indent="-342900">
+              <a:lnSpc>
+                <a:spcPts val="2500"/>
+              </a:lnSpc>
+              <a:buFont typeface="Arial" panose="020B0604020202020204" pitchFamily="34" charset="0"/>
+              <a:buChar char="•"/>
+            </a:pPr>
+            <a:r>
+              <a:rPr lang="es-MX" sz="1600" spc="-10" dirty="0">
+                <a:solidFill>
+                  <a:srgbClr val="C5DAEB"/>
+                </a:solidFill>
+                <a:cs typeface="Calibri"/>
+              </a:rPr>
+              <a:t>Título del eje horizontal: </a:t>
+            </a:r>
+            <a:r>
+              <a:rPr lang="es-MX" sz="1600" b="1" spc="-10" dirty="0">
+                <a:solidFill>
+                  <a:schemeClr val="accent6">
+                    <a:lumMod val="75000"/>
+                  </a:schemeClr>
+                </a:solidFill>
+                <a:cs typeface="Calibri"/>
+              </a:rPr>
+              <a:t>PRODUCTOS</a:t>
+            </a:r>
+          </a:p>
+          <a:p>
+            <a:pPr marL="1270000" lvl="2" indent="-342900">
+              <a:lnSpc>
+                <a:spcPts val="2500"/>
+              </a:lnSpc>
+              <a:buFont typeface="Arial" panose="020B0604020202020204" pitchFamily="34" charset="0"/>
+              <a:buChar char="•"/>
+            </a:pPr>
+            <a:r>
+              <a:rPr lang="es-MX" sz="1600" spc="-10" dirty="0">
+                <a:solidFill>
+                  <a:srgbClr val="C5DAEB"/>
+                </a:solidFill>
+                <a:cs typeface="Calibri"/>
+              </a:rPr>
+              <a:t>Título del eje vertical: </a:t>
+            </a:r>
+            <a:r>
+              <a:rPr lang="es-MX" sz="1600" b="1" spc="-10" dirty="0">
+                <a:solidFill>
+                  <a:schemeClr val="accent6">
+                    <a:lumMod val="75000"/>
+                  </a:schemeClr>
+                </a:solidFill>
+                <a:cs typeface="Calibri"/>
+              </a:rPr>
+              <a:t>CANTIDAD</a:t>
             </a:r>
           </a:p>
         </p:txBody>
@@ -30175,16 +28050,16 @@
               </a:lnSpc>
             </a:pPr>
             <a:r>
-              <a:rPr sz="1200" spc="-10" dirty="0">
+              <a:rPr lang="es-MX" sz="1200" spc="-10" dirty="0">
                 <a:solidFill>
                   <a:srgbClr val="18BAD4"/>
                 </a:solidFill>
                 <a:latin typeface="Calibri"/>
                 <a:cs typeface="Calibri"/>
               </a:rPr>
-              <a:t>7</a:t>
-            </a:r>
-            <a:endParaRPr sz="1200">
+              <a:t>8</a:t>
+            </a:r>
+            <a:endParaRPr sz="1200" dirty="0">
               <a:latin typeface="Calibri"/>
               <a:cs typeface="Calibri"/>
             </a:endParaRPr>
@@ -30205,7 +28080,7 @@
         </p:nvSpPr>
         <p:spPr>
           <a:xfrm>
-            <a:off x="2574418" y="133350"/>
+            <a:off x="2574418" y="-19050"/>
             <a:ext cx="4930042" cy="584200"/>
           </a:xfrm>
           <a:prstGeom prst="rect">
@@ -30254,7 +28129,7 @@
         </p:nvSpPr>
         <p:spPr>
           <a:xfrm>
-            <a:off x="2524333" y="701178"/>
+            <a:off x="2524334" y="593089"/>
             <a:ext cx="6378365" cy="400110"/>
           </a:xfrm>
           <a:prstGeom prst="rect">
@@ -30279,17 +28154,17 @@
                 </a:solidFill>
                 <a:cs typeface="Calibri"/>
               </a:rPr>
-              <a:t>Gráfico 1. Seleccionar un estilo de diseño predefinido</a:t>
+              <a:t>Gráfico 1: Colocar títulos</a:t>
             </a:r>
           </a:p>
         </p:txBody>
       </p:sp>
       <p:pic>
         <p:nvPicPr>
-          <p:cNvPr id="14" name="Imagen 13">
+          <p:cNvPr id="16" name="Imagen 15">
             <a:extLst>
               <a:ext uri="{FF2B5EF4-FFF2-40B4-BE49-F238E27FC236}">
-                <a16:creationId xmlns:a16="http://schemas.microsoft.com/office/drawing/2014/main" id="{B4B5E941-6995-4022-B2E6-E6FCA8F5E049}"/>
+                <a16:creationId xmlns:a16="http://schemas.microsoft.com/office/drawing/2014/main" id="{F96FECF7-9161-4EFC-A10F-0A5E3010AEAE}"/>
               </a:ext>
             </a:extLst>
           </p:cNvPr>
@@ -30306,8 +28181,8 @@
         </p:blipFill>
         <p:spPr>
           <a:xfrm>
-            <a:off x="1666875" y="1880941"/>
-            <a:ext cx="5810250" cy="2619375"/>
+            <a:off x="1804136" y="2381141"/>
+            <a:ext cx="5887690" cy="2691238"/>
           </a:xfrm>
           <a:prstGeom prst="rect">
             <a:avLst/>
@@ -30317,7 +28192,7 @@
     </p:spTree>
     <p:extLst>
       <p:ext uri="{BB962C8B-B14F-4D97-AF65-F5344CB8AC3E}">
-        <p14:creationId xmlns:p14="http://schemas.microsoft.com/office/powerpoint/2010/main" val="3707288157"/>
+        <p14:creationId xmlns:p14="http://schemas.microsoft.com/office/powerpoint/2010/main" val="576051417"/>
       </p:ext>
     </p:extLst>
   </p:cSld>
@@ -30956,8 +28831,8 @@
         </p:nvSpPr>
         <p:spPr>
           <a:xfrm>
-            <a:off x="905756" y="1062824"/>
-            <a:ext cx="7871355" cy="1412513"/>
+            <a:off x="1119115" y="1486587"/>
+            <a:ext cx="7871355" cy="969230"/>
           </a:xfrm>
           <a:prstGeom prst="rect">
             <a:avLst/>
@@ -30974,7 +28849,7 @@
                 <a:spcPts val="2500"/>
               </a:lnSpc>
               <a:buFont typeface="+mj-lt"/>
-              <a:buAutoNum type="arabicPeriod" startAt="7"/>
+              <a:buAutoNum type="arabicPeriod" startAt="8"/>
             </a:pPr>
             <a:r>
               <a:rPr lang="es-MX" sz="1600" spc="-10" dirty="0">
@@ -30983,7 +28858,7 @@
                 </a:solidFill>
                 <a:cs typeface="Calibri"/>
               </a:rPr>
-              <a:t>Del menú de </a:t>
+              <a:t>Agrega una escala de tiempo por </a:t>
             </a:r>
             <a:r>
               <a:rPr lang="es-MX" sz="1600" b="1" spc="-10" dirty="0">
@@ -30992,7 +28867,7 @@
                 </a:solidFill>
                 <a:cs typeface="Calibri"/>
               </a:rPr>
-              <a:t>Diseño</a:t>
+              <a:t>Fecha factura</a:t>
             </a:r>
             <a:r>
               <a:rPr lang="es-MX" sz="1600" spc="-10" dirty="0">
@@ -31001,16 +28876,7 @@
                 </a:solidFill>
                 <a:cs typeface="Calibri"/>
               </a:rPr>
-              <a:t>, seleccione </a:t>
-            </a:r>
-            <a:r>
-              <a:rPr lang="es-MX" sz="1600" b="1" spc="-10" dirty="0">
-                <a:solidFill>
-                  <a:srgbClr val="C5DAEB"/>
-                </a:solidFill>
-                <a:cs typeface="Calibri"/>
-              </a:rPr>
-              <a:t>Agregar elemento de gráfico.</a:t>
+              <a:t>. </a:t>
             </a:r>
           </a:p>
           <a:p>
@@ -31022,16 +28888,34 @@
               <a:buChar char="•"/>
             </a:pPr>
             <a:r>
-              <a:rPr lang="es-MX" sz="1600" spc="-10" dirty="0">
+              <a:rPr lang="es-MX" sz="1600" dirty="0">
                 <a:solidFill>
                   <a:srgbClr val="C5DAEB"/>
                 </a:solidFill>
                 <a:cs typeface="Calibri"/>
               </a:rPr>
-              <a:t>Título del gráfico: </a:t>
-            </a:r>
-            <a:r>
-              <a:rPr lang="es-MX" sz="1600" b="1" spc="-10" dirty="0">
+              <a:t>Del menú </a:t>
+            </a:r>
+            <a:r>
+              <a:rPr lang="es-MX" sz="1600" b="1" dirty="0">
+                <a:solidFill>
+                  <a:srgbClr val="C5DAEB"/>
+                </a:solidFill>
+                <a:cs typeface="Calibri"/>
+              </a:rPr>
+              <a:t>Analizar</a:t>
+            </a:r>
+            <a:r>
+              <a:rPr lang="es-MX" sz="1600" dirty="0">
+                <a:solidFill>
+                  <a:srgbClr val="C5DAEB"/>
+                </a:solidFill>
+                <a:cs typeface="Calibri"/>
+              </a:rPr>
+              <a:t>, selecciona la opción de </a:t>
+            </a:r>
+            <a:r>
+              <a:rPr lang="es-MX" sz="1600" b="1" dirty="0">
                 <a:solidFill>
                   <a:schemeClr val="accent6">
                     <a:lumMod val="75000"/>
@@ -31039,7 +28923,54 @@
                 </a:solidFill>
                 <a:cs typeface="Calibri"/>
               </a:rPr>
-              <a:t>LOS 5 PRODUCTOS MENOS VENDIDOS</a:t>
+              <a:t>Insertar escala de tiempo</a:t>
+            </a:r>
+            <a:r>
+              <a:rPr lang="es-MX" sz="1600" dirty="0">
+                <a:solidFill>
+                  <a:srgbClr val="C5DAEB"/>
+                </a:solidFill>
+                <a:cs typeface="Calibri"/>
+              </a:rPr>
+              <a:t>.</a:t>
+            </a:r>
+          </a:p>
+          <a:p>
+            <a:pPr marL="1212850" lvl="2" indent="-285750" algn="just">
+              <a:spcAft>
+                <a:spcPts val="600"/>
+              </a:spcAft>
+              <a:buFont typeface="Arial" panose="020B0604020202020204" pitchFamily="34" charset="0"/>
+              <a:buChar char="•"/>
+            </a:pPr>
+            <a:r>
+              <a:rPr lang="es-MX" sz="1600" dirty="0">
+                <a:solidFill>
+                  <a:srgbClr val="C5DAEB"/>
+                </a:solidFill>
+                <a:cs typeface="Calibri"/>
+              </a:rPr>
+              <a:t> Selecciona el campo de </a:t>
+            </a:r>
+            <a:r>
+              <a:rPr lang="es-MX" sz="1600" b="1" dirty="0">
+                <a:solidFill>
+                  <a:schemeClr val="accent6">
+                    <a:lumMod val="75000"/>
+                  </a:schemeClr>
+                </a:solidFill>
+                <a:cs typeface="Calibri"/>
+              </a:rPr>
+              <a:t>Fecha Factura</a:t>
+            </a:r>
+            <a:r>
+              <a:rPr lang="es-MX" sz="1600" dirty="0">
+                <a:solidFill>
+                  <a:srgbClr val="C5DAEB"/>
+                </a:solidFill>
+                <a:cs typeface="Calibri"/>
+              </a:rPr>
+              <a:t> </a:t>
             </a:r>
           </a:p>
           <a:p>
@@ -31050,55 +28981,14 @@
               <a:buFont typeface="Arial" panose="020B0604020202020204" pitchFamily="34" charset="0"/>
               <a:buChar char="•"/>
             </a:pPr>
-            <a:r>
-              <a:rPr lang="es-MX" sz="1600" spc="-10" dirty="0">
-                <a:solidFill>
-                  <a:srgbClr val="C5DAEB"/>
-                </a:solidFill>
-                <a:cs typeface="Calibri"/>
-              </a:rPr>
-              <a:t>Título del eje horizontal: </a:t>
-            </a:r>
-            <a:r>
-              <a:rPr lang="es-MX" sz="1600" b="1" spc="-10" dirty="0">
-                <a:solidFill>
-                  <a:schemeClr val="accent6">
-                    <a:lumMod val="75000"/>
-                  </a:schemeClr>
-                </a:solidFill>
-                <a:cs typeface="Calibri"/>
-              </a:rPr>
-              <a:t>PRODUCTOS</a:t>
-            </a:r>
-          </a:p>
-          <a:p>
-            <a:pPr marL="1270000" lvl="2" indent="-342900">
-              <a:lnSpc>
-                <a:spcPts val="2500"/>
-              </a:lnSpc>
-              <a:buFont typeface="Arial" panose="020B0604020202020204" pitchFamily="34" charset="0"/>
-              <a:buChar char="•"/>
-            </a:pPr>
-            <a:r>
-              <a:rPr lang="es-MX" sz="1600" spc="-10" dirty="0">
-                <a:solidFill>
-                  <a:srgbClr val="C5DAEB"/>
-                </a:solidFill>
-                <a:cs typeface="Calibri"/>
-              </a:rPr>
-              <a:t>Título del eje vertical: </a:t>
-            </a:r>
-            <a:r>
-              <a:rPr lang="es-MX" sz="1600" b="1" spc="-10" dirty="0">
-                <a:solidFill>
-                  <a:schemeClr val="accent6">
-                    <a:lumMod val="75000"/>
-                  </a:schemeClr>
-                </a:solidFill>
-                <a:cs typeface="Calibri"/>
-              </a:rPr>
-              <a:t>CANTIDAD</a:t>
-            </a:r>
+            <a:endParaRPr lang="es-MX" sz="1600" spc="-10" dirty="0">
+              <a:solidFill>
+                <a:schemeClr val="accent6">
+                  <a:lumMod val="75000"/>
+                </a:schemeClr>
+              </a:solidFill>
+              <a:cs typeface="Calibri"/>
+            </a:endParaRPr>
           </a:p>
         </p:txBody>
       </p:sp>
@@ -31159,7 +29049,7 @@
         </p:nvSpPr>
         <p:spPr>
           <a:xfrm>
-            <a:off x="2574418" y="-19050"/>
+            <a:off x="2295867" y="249125"/>
             <a:ext cx="4930042" cy="584200"/>
           </a:xfrm>
           <a:prstGeom prst="rect">
@@ -31208,7 +29098,7 @@
         </p:nvSpPr>
         <p:spPr>
           <a:xfrm>
-            <a:off x="2524334" y="593089"/>
+            <a:off x="2245783" y="861264"/>
             <a:ext cx="6378365" cy="400110"/>
           </a:xfrm>
           <a:prstGeom prst="rect">
@@ -31233,57 +29123,8 @@
                 </a:solidFill>
                 <a:cs typeface="Calibri"/>
               </a:rPr>
-              <a:t>Gráfico 1: Colocar títulos</a:t>
-            </a:r>
-          </a:p>
-        </p:txBody>
-      </p:sp>
-      <p:sp>
-        <p:nvSpPr>
-          <p:cNvPr id="25" name="object 25">
-            <a:extLst>
-              <a:ext uri="{FF2B5EF4-FFF2-40B4-BE49-F238E27FC236}">
-                <a16:creationId xmlns:a16="http://schemas.microsoft.com/office/drawing/2014/main" id="{F9172D4B-A1CD-4453-B56C-A842324D794B}"/>
-              </a:ext>
-            </a:extLst>
-          </p:cNvPr>
-          <p:cNvSpPr txBox="1"/>
-          <p:nvPr/>
-        </p:nvSpPr>
-        <p:spPr>
-          <a:xfrm>
-            <a:off x="762000" y="495300"/>
-            <a:ext cx="199016" cy="400050"/>
-          </a:xfrm>
-          <a:prstGeom prst="rect">
-            <a:avLst/>
-          </a:prstGeom>
-        </p:spPr>
-        <p:txBody>
-          <a:bodyPr vert="horz" wrap="square" lIns="0" tIns="0" rIns="0" bIns="0" rtlCol="0">
-            <a:noAutofit/>
-          </a:bodyPr>
-          <a:lstStyle/>
-          <a:p>
-            <a:pPr marL="12700">
-              <a:lnSpc>
-                <a:spcPct val="100000"/>
-              </a:lnSpc>
-            </a:pPr>
-            <a:r>
-              <a:rPr lang="es-MX" sz="2000" b="1" spc="-25" dirty="0">
-                <a:solidFill>
-                  <a:srgbClr val="FFFFFF"/>
-                </a:solidFill>
-                <a:latin typeface="Calibri"/>
-                <a:cs typeface="Calibri"/>
-              </a:rPr>
-              <a:t>6</a:t>
-            </a:r>
-            <a:endParaRPr sz="2000" dirty="0">
-              <a:latin typeface="Calibri"/>
-              <a:cs typeface="Calibri"/>
-            </a:endParaRPr>
+              <a:t>Gráfico 1. Agrega una escala de tiempo por Fecha factura</a:t>
+            </a:r>
           </a:p>
         </p:txBody>
       </p:sp>
@@ -31292,7 +29133,7 @@
           <p:cNvPr id="16" name="Imagen 15">
             <a:extLst>
               <a:ext uri="{FF2B5EF4-FFF2-40B4-BE49-F238E27FC236}">
-                <a16:creationId xmlns:a16="http://schemas.microsoft.com/office/drawing/2014/main" id="{F96FECF7-9161-4EFC-A10F-0A5E3010AEAE}"/>
+                <a16:creationId xmlns:a16="http://schemas.microsoft.com/office/drawing/2014/main" id="{BB94A30F-731F-4265-BD53-0842B12CD402}"/>
               </a:ext>
             </a:extLst>
           </p:cNvPr>
@@ -31309,8 +29150,8 @@
         </p:blipFill>
         <p:spPr>
           <a:xfrm>
-            <a:off x="1804136" y="2381141"/>
-            <a:ext cx="5887690" cy="2691238"/>
+            <a:off x="-101008" y="2749043"/>
+            <a:ext cx="9245008" cy="2394457"/>
           </a:xfrm>
           <a:prstGeom prst="rect">
             <a:avLst/>
@@ -31320,7 +29161,7 @@
     </p:spTree>
     <p:extLst>
       <p:ext uri="{BB962C8B-B14F-4D97-AF65-F5344CB8AC3E}">
-        <p14:creationId xmlns:p14="http://schemas.microsoft.com/office/powerpoint/2010/main" val="576051417"/>
+        <p14:creationId xmlns:p14="http://schemas.microsoft.com/office/powerpoint/2010/main" val="2081843150"/>
       </p:ext>
     </p:extLst>
   </p:cSld>
